--- a/Midterm files/Apache Flume.pptx
+++ b/Midterm files/Apache Flume.pptx
@@ -2,20 +2,23 @@
 <file path=ppt/presentation.xml><?xml version="1.0" encoding="utf-8"?>
 <p:presentation xmlns:a="http://schemas.openxmlformats.org/drawingml/2006/main" xmlns:r="http://schemas.openxmlformats.org/officeDocument/2006/relationships" xmlns:p="http://schemas.openxmlformats.org/presentationml/2006/main" saveSubsetFonts="1">
   <p:sldMasterIdLst>
-    <p:sldMasterId id="2147483648" r:id="rId1"/>
+    <p:sldMasterId id="2147483660" r:id="rId1"/>
   </p:sldMasterIdLst>
   <p:sldIdLst>
     <p:sldId id="256" r:id="rId2"/>
     <p:sldId id="266" r:id="rId3"/>
     <p:sldId id="257" r:id="rId4"/>
-    <p:sldId id="258" r:id="rId5"/>
-    <p:sldId id="259" r:id="rId6"/>
-    <p:sldId id="263" r:id="rId7"/>
-    <p:sldId id="260" r:id="rId8"/>
-    <p:sldId id="261" r:id="rId9"/>
-    <p:sldId id="262" r:id="rId10"/>
-    <p:sldId id="264" r:id="rId11"/>
-    <p:sldId id="265" r:id="rId12"/>
+    <p:sldId id="269" r:id="rId5"/>
+    <p:sldId id="258" r:id="rId6"/>
+    <p:sldId id="259" r:id="rId7"/>
+    <p:sldId id="263" r:id="rId8"/>
+    <p:sldId id="260" r:id="rId9"/>
+    <p:sldId id="261" r:id="rId10"/>
+    <p:sldId id="267" r:id="rId11"/>
+    <p:sldId id="262" r:id="rId12"/>
+    <p:sldId id="264" r:id="rId13"/>
+    <p:sldId id="265" r:id="rId14"/>
+    <p:sldId id="270" r:id="rId15"/>
   </p:sldIdLst>
   <p:sldSz cx="9144000" cy="6858000" type="screen4x3"/>
   <p:notesSz cx="6858000" cy="9144000"/>
@@ -118,7 +121,7 @@
 </file>
 
 <file path=ppt/slideLayouts/slideLayout1.xml><?xml version="1.0" encoding="utf-8"?>
-<p:sldLayout xmlns:a="http://schemas.openxmlformats.org/drawingml/2006/main" xmlns:r="http://schemas.openxmlformats.org/officeDocument/2006/relationships" xmlns:p="http://schemas.openxmlformats.org/presentationml/2006/main" type="title" preserve="1">
+<p:sldLayout xmlns:a="http://schemas.openxmlformats.org/drawingml/2006/main" xmlns:r="http://schemas.openxmlformats.org/officeDocument/2006/relationships" xmlns:p="http://schemas.openxmlformats.org/presentationml/2006/main" showMasterSp="0" type="title" preserve="1">
   <p:cSld name="Title Slide">
     <p:spTree>
       <p:nvGrpSpPr>
@@ -136,35 +139,132 @@
       </p:grpSpPr>
       <p:sp>
         <p:nvSpPr>
-          <p:cNvPr id="2" name="Title 1"/>
-          <p:cNvSpPr>
-            <a:spLocks noGrp="1"/>
-          </p:cNvSpPr>
-          <p:nvPr>
-            <p:ph type="ctrTitle"/>
-          </p:nvPr>
+          <p:cNvPr id="10" name="Right Triangle 9"/>
+          <p:cNvSpPr/>
+          <p:nvPr/>
         </p:nvSpPr>
         <p:spPr>
           <a:xfrm>
-            <a:off x="685800" y="2130425"/>
-            <a:ext cx="7772400" cy="1470025"/>
+            <a:off x="-2" y="4664147"/>
+            <a:ext cx="9151089" cy="0"/>
+          </a:xfrm>
+          <a:prstGeom prst="rtTriangle">
+            <a:avLst/>
+          </a:prstGeom>
+          <a:gradFill flip="none" rotWithShape="1">
+            <a:gsLst>
+              <a:gs pos="0">
+                <a:schemeClr val="accent1">
+                  <a:shade val="35000"/>
+                  <a:satMod val="170000"/>
+                  <a:alpha val="100000"/>
+                </a:schemeClr>
+              </a:gs>
+              <a:gs pos="55000">
+                <a:schemeClr val="accent1">
+                  <a:tint val="90000"/>
+                  <a:satMod val="150000"/>
+                  <a:alpha val="100000"/>
+                </a:schemeClr>
+              </a:gs>
+              <a:gs pos="100000">
+                <a:schemeClr val="accent1">
+                  <a:shade val="35000"/>
+                  <a:satMod val="170000"/>
+                  <a:alpha val="100000"/>
+                </a:schemeClr>
+              </a:gs>
+            </a:gsLst>
+            <a:lin ang="3000000" scaled="1"/>
+            <a:tileRect/>
+          </a:gradFill>
+          <a:ln w="12700" cap="rnd" cmpd="thickThin" algn="ctr">
+            <a:noFill/>
+            <a:prstDash val="solid"/>
+          </a:ln>
+          <a:effectLst/>
+        </p:spPr>
+        <p:style>
+          <a:lnRef idx="3">
+            <a:schemeClr val="lt1"/>
+          </a:lnRef>
+          <a:fillRef idx="1">
+            <a:schemeClr val="accent1"/>
+          </a:fillRef>
+          <a:effectRef idx="1">
+            <a:schemeClr val="accent1"/>
+          </a:effectRef>
+          <a:fontRef idx="minor">
+            <a:schemeClr val="lt1"/>
+          </a:fontRef>
+        </p:style>
+        <p:txBody>
+          <a:bodyPr anchor="ctr"/>
+          <a:lstStyle>
+            <a:extLst/>
+          </a:lstStyle>
+          <a:p>
+            <a:pPr algn="ctr" eaLnBrk="1" latinLnBrk="0" hangingPunct="1"/>
+            <a:endParaRPr kumimoji="0" lang="en-US"/>
+          </a:p>
+        </p:txBody>
+      </p:sp>
+      <p:sp>
+        <p:nvSpPr>
+          <p:cNvPr id="9" name="Title 8"/>
+          <p:cNvSpPr>
+            <a:spLocks noGrp="1"/>
+          </p:cNvSpPr>
+          <p:nvPr>
+            <p:ph type="ctrTitle"/>
+          </p:nvPr>
+        </p:nvSpPr>
+        <p:spPr>
+          <a:xfrm>
+            <a:off x="685800" y="1752601"/>
+            <a:ext cx="7772400" cy="1829761"/>
           </a:xfrm>
         </p:spPr>
         <p:txBody>
-          <a:bodyPr/>
-          <a:lstStyle/>
-          <a:p>
-            <a:r>
-              <a:rPr lang="en-US" smtClean="0"/>
+          <a:bodyPr vert="horz" anchor="b">
+            <a:normAutofit/>
+            <a:scene3d>
+              <a:camera prst="orthographicFront"/>
+              <a:lightRig rig="soft" dir="t"/>
+            </a:scene3d>
+            <a:sp3d prstMaterial="softEdge">
+              <a:bevelT w="25400" h="25400"/>
+            </a:sp3d>
+          </a:bodyPr>
+          <a:lstStyle>
+            <a:lvl1pPr algn="r">
+              <a:defRPr sz="4800" b="1">
+                <a:solidFill>
+                  <a:schemeClr val="tx2"/>
+                </a:solidFill>
+                <a:effectLst>
+                  <a:outerShdw blurRad="31750" dist="25400" dir="5400000" algn="tl" rotWithShape="0">
+                    <a:srgbClr val="000000">
+                      <a:alpha val="25000"/>
+                    </a:srgbClr>
+                  </a:outerShdw>
+                </a:effectLst>
+              </a:defRPr>
+            </a:lvl1pPr>
+            <a:extLst/>
+          </a:lstStyle>
+          <a:p>
+            <a:r>
+              <a:rPr kumimoji="0" lang="en-US" smtClean="0"/>
               <a:t>Click to edit Master title style</a:t>
             </a:r>
-            <a:endParaRPr lang="en-US"/>
-          </a:p>
-        </p:txBody>
-      </p:sp>
-      <p:sp>
-        <p:nvSpPr>
-          <p:cNvPr id="3" name="Subtitle 2"/>
+            <a:endParaRPr kumimoji="0" lang="en-US"/>
+          </a:p>
+        </p:txBody>
+      </p:sp>
+      <p:sp>
+        <p:nvSpPr>
+          <p:cNvPr id="17" name="Subtitle 16"/>
           <p:cNvSpPr>
             <a:spLocks noGrp="1"/>
           </p:cNvSpPr>
@@ -174,172 +274,541 @@
         </p:nvSpPr>
         <p:spPr>
           <a:xfrm>
-            <a:off x="1371600" y="3886200"/>
-            <a:ext cx="6400800" cy="1752600"/>
+            <a:off x="685800" y="3611607"/>
+            <a:ext cx="7772400" cy="1199704"/>
           </a:xfrm>
         </p:spPr>
         <p:txBody>
-          <a:bodyPr/>
-          <a:lstStyle>
-            <a:lvl1pPr marL="0" indent="0" algn="ctr">
+          <a:bodyPr lIns="45720" rIns="45720"/>
+          <a:lstStyle>
+            <a:lvl1pPr marL="0" marR="64008" indent="0" algn="r">
               <a:buNone/>
               <a:defRPr>
                 <a:solidFill>
-                  <a:schemeClr val="tx1">
-                    <a:tint val="75000"/>
-                  </a:schemeClr>
+                  <a:schemeClr val="tx2"/>
                 </a:solidFill>
               </a:defRPr>
             </a:lvl1pPr>
             <a:lvl2pPr marL="457200" indent="0" algn="ctr">
               <a:buNone/>
+            </a:lvl2pPr>
+            <a:lvl3pPr marL="914400" indent="0" algn="ctr">
+              <a:buNone/>
+            </a:lvl3pPr>
+            <a:lvl4pPr marL="1371600" indent="0" algn="ctr">
+              <a:buNone/>
+            </a:lvl4pPr>
+            <a:lvl5pPr marL="1828800" indent="0" algn="ctr">
+              <a:buNone/>
+            </a:lvl5pPr>
+            <a:lvl6pPr marL="2286000" indent="0" algn="ctr">
+              <a:buNone/>
+            </a:lvl6pPr>
+            <a:lvl7pPr marL="2743200" indent="0" algn="ctr">
+              <a:buNone/>
+            </a:lvl7pPr>
+            <a:lvl8pPr marL="3200400" indent="0" algn="ctr">
+              <a:buNone/>
+            </a:lvl8pPr>
+            <a:lvl9pPr marL="3657600" indent="0" algn="ctr">
+              <a:buNone/>
+            </a:lvl9pPr>
+            <a:extLst/>
+          </a:lstStyle>
+          <a:p>
+            <a:r>
+              <a:rPr kumimoji="0" lang="en-US" smtClean="0"/>
+              <a:t>Click to edit Master subtitle style</a:t>
+            </a:r>
+            <a:endParaRPr kumimoji="0" lang="en-US"/>
+          </a:p>
+        </p:txBody>
+      </p:sp>
+      <p:grpSp>
+        <p:nvGrpSpPr>
+          <p:cNvPr id="2" name="Group 1"/>
+          <p:cNvGrpSpPr/>
+          <p:nvPr/>
+        </p:nvGrpSpPr>
+        <p:grpSpPr>
+          <a:xfrm>
+            <a:off x="-3765" y="4953000"/>
+            <a:ext cx="9147765" cy="1912088"/>
+            <a:chOff x="-3765" y="4832896"/>
+            <a:chExt cx="9147765" cy="2032192"/>
+          </a:xfrm>
+        </p:grpSpPr>
+        <p:sp>
+          <p:nvSpPr>
+            <p:cNvPr id="7" name="Freeform 6"/>
+            <p:cNvSpPr>
+              <a:spLocks/>
+            </p:cNvSpPr>
+            <p:nvPr/>
+          </p:nvSpPr>
+          <p:spPr bwMode="auto">
+            <a:xfrm>
+              <a:off x="1687513" y="4832896"/>
+              <a:ext cx="7456487" cy="518816"/>
+            </a:xfrm>
+            <a:custGeom>
+              <a:avLst>
+                <a:gd name="A1" fmla="val 0"/>
+                <a:gd name="A2" fmla="val 0"/>
+                <a:gd name="A3" fmla="val 0"/>
+                <a:gd name="A4" fmla="val 0"/>
+                <a:gd name="A5" fmla="val 0"/>
+                <a:gd name="A6" fmla="val 0"/>
+                <a:gd name="A7" fmla="val 0"/>
+                <a:gd name="A8" fmla="val 0"/>
+              </a:avLst>
+              <a:gdLst/>
+              <a:ahLst/>
+              <a:cxnLst>
+                <a:cxn ang="0">
+                  <a:pos x="4697" y="0"/>
+                </a:cxn>
+                <a:cxn ang="0">
+                  <a:pos x="4697" y="367"/>
+                </a:cxn>
+                <a:cxn ang="0">
+                  <a:pos x="0" y="218"/>
+                </a:cxn>
+                <a:cxn ang="0">
+                  <a:pos x="4697" y="0"/>
+                </a:cxn>
+              </a:cxnLst>
+              <a:rect l="0" t="0" r="0" b="0"/>
+              <a:pathLst>
+                <a:path w="4697" h="367">
+                  <a:moveTo>
+                    <a:pt x="4697" y="0"/>
+                  </a:moveTo>
+                  <a:lnTo>
+                    <a:pt x="4697" y="367"/>
+                  </a:lnTo>
+                  <a:lnTo>
+                    <a:pt x="0" y="218"/>
+                  </a:lnTo>
+                  <a:lnTo>
+                    <a:pt x="4697" y="0"/>
+                  </a:lnTo>
+                  <a:close/>
+                </a:path>
+              </a:pathLst>
+            </a:custGeom>
+            <a:solidFill>
+              <a:schemeClr val="accent1">
+                <a:tint val="65000"/>
+                <a:satMod val="115000"/>
+                <a:alpha val="40000"/>
+              </a:schemeClr>
+            </a:solidFill>
+            <a:ln w="9525" cap="flat" cmpd="sng" algn="ctr">
+              <a:noFill/>
+              <a:prstDash val="solid"/>
+              <a:round/>
+              <a:headEnd type="none" w="med" len="med"/>
+              <a:tailEnd type="none" w="med" len="med"/>
+            </a:ln>
+            <a:effectLst/>
+          </p:spPr>
+          <p:txBody>
+            <a:bodyPr vert="horz" wrap="square" lIns="91440" tIns="45720" rIns="91440" bIns="45720" anchor="t" compatLnSpc="1"/>
+            <a:lstStyle>
+              <a:extLst/>
+            </a:lstStyle>
+            <a:p>
+              <a:endParaRPr kumimoji="0" lang="en-US"/>
+            </a:p>
+          </p:txBody>
+        </p:sp>
+        <p:sp>
+          <p:nvSpPr>
+            <p:cNvPr id="8" name="Freeform 7"/>
+            <p:cNvSpPr>
+              <a:spLocks/>
+            </p:cNvSpPr>
+            <p:nvPr/>
+          </p:nvSpPr>
+          <p:spPr bwMode="auto">
+            <a:xfrm>
+              <a:off x="35443" y="5135526"/>
+              <a:ext cx="9108557" cy="838200"/>
+            </a:xfrm>
+            <a:custGeom>
+              <a:avLst>
+                <a:gd name="A1" fmla="val 0"/>
+                <a:gd name="A2" fmla="val 0"/>
+                <a:gd name="A3" fmla="val 0"/>
+                <a:gd name="A4" fmla="val 0"/>
+                <a:gd name="A5" fmla="val 0"/>
+                <a:gd name="A6" fmla="val 0"/>
+                <a:gd name="A7" fmla="val 0"/>
+                <a:gd name="A8" fmla="val 0"/>
+              </a:avLst>
+              <a:gdLst/>
+              <a:ahLst/>
+              <a:cxnLst>
+                <a:cxn ang="0">
+                  <a:pos x="0" y="0"/>
+                </a:cxn>
+                <a:cxn ang="0">
+                  <a:pos x="5760" y="0"/>
+                </a:cxn>
+                <a:cxn ang="0">
+                  <a:pos x="5760" y="528"/>
+                </a:cxn>
+                <a:cxn ang="0">
+                  <a:pos x="48" y="0"/>
+                </a:cxn>
+              </a:cxnLst>
+              <a:rect l="0" t="0" r="0" b="0"/>
+              <a:pathLst>
+                <a:path w="5760" h="528">
+                  <a:moveTo>
+                    <a:pt x="0" y="0"/>
+                  </a:moveTo>
+                  <a:lnTo>
+                    <a:pt x="5760" y="0"/>
+                  </a:lnTo>
+                  <a:lnTo>
+                    <a:pt x="5760" y="528"/>
+                  </a:lnTo>
+                  <a:lnTo>
+                    <a:pt x="48" y="0"/>
+                  </a:lnTo>
+                </a:path>
+              </a:pathLst>
+            </a:custGeom>
+            <a:solidFill>
+              <a:srgbClr val="000000">
+                <a:alpha val="100000"/>
+              </a:srgbClr>
+            </a:solidFill>
+            <a:ln w="9525" cap="flat" cmpd="sng" algn="ctr">
+              <a:noFill/>
+              <a:prstDash val="solid"/>
+              <a:round/>
+              <a:headEnd type="none" w="med" len="med"/>
+              <a:tailEnd type="none" w="med" len="med"/>
+            </a:ln>
+            <a:effectLst/>
+          </p:spPr>
+          <p:txBody>
+            <a:bodyPr vert="horz" wrap="square" lIns="91440" tIns="45720" rIns="91440" bIns="45720" anchor="t" compatLnSpc="1"/>
+            <a:lstStyle>
+              <a:extLst/>
+            </a:lstStyle>
+            <a:p>
+              <a:endParaRPr kumimoji="0" lang="en-US"/>
+            </a:p>
+          </p:txBody>
+        </p:sp>
+        <p:sp>
+          <p:nvSpPr>
+            <p:cNvPr id="11" name="Freeform 10"/>
+            <p:cNvSpPr>
+              <a:spLocks/>
+            </p:cNvSpPr>
+            <p:nvPr/>
+          </p:nvSpPr>
+          <p:spPr bwMode="auto">
+            <a:xfrm>
+              <a:off x="0" y="4883888"/>
+              <a:ext cx="9144000" cy="1981200"/>
+            </a:xfrm>
+            <a:custGeom>
+              <a:avLst>
+                <a:gd name="A1" fmla="val 0"/>
+                <a:gd name="A2" fmla="val 0"/>
+                <a:gd name="A3" fmla="val 0"/>
+                <a:gd name="A4" fmla="val 0"/>
+                <a:gd name="A5" fmla="val 0"/>
+                <a:gd name="A6" fmla="val 0"/>
+                <a:gd name="A7" fmla="val 0"/>
+                <a:gd name="A8" fmla="val 0"/>
+              </a:avLst>
+              <a:gdLst/>
+              <a:ahLst/>
+              <a:cxnLst>
+                <a:cxn ang="0">
+                  <a:pos x="0" y="0"/>
+                </a:cxn>
+                <a:cxn ang="0">
+                  <a:pos x="0" y="1248"/>
+                </a:cxn>
+                <a:cxn ang="0">
+                  <a:pos x="5760" y="1248"/>
+                </a:cxn>
+                <a:cxn ang="0">
+                  <a:pos x="5760" y="528"/>
+                </a:cxn>
+                <a:cxn ang="0">
+                  <a:pos x="0" y="0"/>
+                </a:cxn>
+              </a:cxnLst>
+              <a:rect l="0" t="0" r="0" b="0"/>
+              <a:pathLst>
+                <a:path w="5760" h="1248">
+                  <a:moveTo>
+                    <a:pt x="0" y="0"/>
+                  </a:moveTo>
+                  <a:lnTo>
+                    <a:pt x="0" y="1248"/>
+                  </a:lnTo>
+                  <a:lnTo>
+                    <a:pt x="5760" y="1248"/>
+                  </a:lnTo>
+                  <a:lnTo>
+                    <a:pt x="5760" y="528"/>
+                  </a:lnTo>
+                  <a:lnTo>
+                    <a:pt x="0" y="0"/>
+                  </a:lnTo>
+                  <a:close/>
+                </a:path>
+              </a:pathLst>
+            </a:custGeom>
+            <a:blipFill>
+              <a:blip r:embed="rId2" cstate="print">
+                <a:alphaModFix amt="50000"/>
+              </a:blip>
+              <a:tile tx="0" ty="0" sx="50000" sy="50000" flip="none" algn="t"/>
+            </a:blipFill>
+            <a:ln w="12700" cap="rnd" cmpd="thickThin" algn="ctr">
+              <a:noFill/>
+              <a:prstDash val="solid"/>
+            </a:ln>
+            <a:effectLst>
+              <a:fillOverlay blend="mult">
+                <a:gradFill flip="none" rotWithShape="1">
+                  <a:gsLst>
+                    <a:gs pos="0">
+                      <a:schemeClr val="accent1">
+                        <a:shade val="20000"/>
+                        <a:satMod val="176000"/>
+                        <a:alpha val="100000"/>
+                      </a:schemeClr>
+                    </a:gs>
+                    <a:gs pos="18000">
+                      <a:schemeClr val="accent1">
+                        <a:shade val="48000"/>
+                        <a:satMod val="153000"/>
+                        <a:alpha val="100000"/>
+                      </a:schemeClr>
+                    </a:gs>
+                    <a:gs pos="43000">
+                      <a:schemeClr val="accent1">
+                        <a:tint val="86000"/>
+                        <a:satMod val="149000"/>
+                        <a:alpha val="100000"/>
+                      </a:schemeClr>
+                    </a:gs>
+                    <a:gs pos="45000">
+                      <a:schemeClr val="accent1">
+                        <a:tint val="85000"/>
+                        <a:satMod val="150000"/>
+                        <a:alpha val="100000"/>
+                      </a:schemeClr>
+                    </a:gs>
+                    <a:gs pos="50000">
+                      <a:schemeClr val="accent1">
+                        <a:tint val="86000"/>
+                        <a:satMod val="149000"/>
+                        <a:alpha val="100000"/>
+                      </a:schemeClr>
+                    </a:gs>
+                    <a:gs pos="79000">
+                      <a:schemeClr val="accent1">
+                        <a:shade val="53000"/>
+                        <a:satMod val="150000"/>
+                        <a:alpha val="100000"/>
+                      </a:schemeClr>
+                    </a:gs>
+                    <a:gs pos="100000">
+                      <a:schemeClr val="accent1">
+                        <a:shade val="25000"/>
+                        <a:satMod val="170000"/>
+                        <a:alpha val="100000"/>
+                      </a:schemeClr>
+                    </a:gs>
+                  </a:gsLst>
+                  <a:lin ang="450000" scaled="1"/>
+                  <a:tileRect/>
+                </a:gradFill>
+              </a:fillOverlay>
+            </a:effectLst>
+          </p:spPr>
+          <p:style>
+            <a:lnRef idx="3">
+              <a:schemeClr val="lt1"/>
+            </a:lnRef>
+            <a:fillRef idx="1">
+              <a:schemeClr val="accent1"/>
+            </a:fillRef>
+            <a:effectRef idx="1">
+              <a:schemeClr val="accent1"/>
+            </a:effectRef>
+            <a:fontRef idx="minor">
+              <a:schemeClr val="lt1"/>
+            </a:fontRef>
+          </p:style>
+          <p:txBody>
+            <a:bodyPr vert="horz" wrap="square" lIns="91440" tIns="45720" rIns="91440" bIns="45720" anchor="ctr" compatLnSpc="1"/>
+            <a:lstStyle>
+              <a:extLst/>
+            </a:lstStyle>
+            <a:p>
+              <a:pPr algn="ctr" eaLnBrk="1" latinLnBrk="0" hangingPunct="1"/>
+              <a:endParaRPr kumimoji="0" lang="en-US"/>
+            </a:p>
+          </p:txBody>
+        </p:sp>
+        <p:cxnSp>
+          <p:nvCxnSpPr>
+            <p:cNvPr id="12" name="Straight Connector 11"/>
+            <p:cNvCxnSpPr/>
+            <p:nvPr/>
+          </p:nvCxnSpPr>
+          <p:spPr>
+            <a:xfrm>
+              <a:off x="-3765" y="4880373"/>
+              <a:ext cx="9147765" cy="839943"/>
+            </a:xfrm>
+            <a:prstGeom prst="line">
+              <a:avLst/>
+            </a:prstGeom>
+            <a:noFill/>
+            <a:ln w="12065" cap="flat" cmpd="sng" algn="ctr">
+              <a:gradFill>
+                <a:gsLst>
+                  <a:gs pos="45000">
+                    <a:schemeClr val="accent1">
+                      <a:tint val="70000"/>
+                      <a:satMod val="110000"/>
+                    </a:schemeClr>
+                  </a:gs>
+                  <a:gs pos="15000">
+                    <a:schemeClr val="accent1">
+                      <a:shade val="40000"/>
+                      <a:satMod val="110000"/>
+                    </a:schemeClr>
+                  </a:gs>
+                </a:gsLst>
+                <a:lin ang="5400000" scaled="1"/>
+              </a:gradFill>
+              <a:prstDash val="solid"/>
+              <a:miter lim="800000"/>
+            </a:ln>
+            <a:effectLst/>
+          </p:spPr>
+          <p:style>
+            <a:lnRef idx="2">
+              <a:schemeClr val="accent1"/>
+            </a:lnRef>
+            <a:fillRef idx="0">
+              <a:schemeClr val="accent1"/>
+            </a:fillRef>
+            <a:effectRef idx="1">
+              <a:schemeClr val="accent1"/>
+            </a:effectRef>
+            <a:fontRef idx="minor">
+              <a:schemeClr val="tx1"/>
+            </a:fontRef>
+          </p:style>
+        </p:cxnSp>
+      </p:grpSp>
+      <p:sp>
+        <p:nvSpPr>
+          <p:cNvPr id="30" name="Date Placeholder 29"/>
+          <p:cNvSpPr>
+            <a:spLocks noGrp="1"/>
+          </p:cNvSpPr>
+          <p:nvPr>
+            <p:ph type="dt" sz="half" idx="10"/>
+          </p:nvPr>
+        </p:nvSpPr>
+        <p:spPr/>
+        <p:txBody>
+          <a:bodyPr/>
+          <a:lstStyle>
+            <a:lvl1pPr>
               <a:defRPr>
                 <a:solidFill>
-                  <a:schemeClr val="tx1">
-                    <a:tint val="75000"/>
+                  <a:srgbClr val="FFFFFF"/>
+                </a:solidFill>
+              </a:defRPr>
+            </a:lvl1pPr>
+            <a:extLst/>
+          </a:lstStyle>
+          <a:p>
+            <a:fld id="{F08555C9-EF7E-4911-9E4E-4EA916DAA642}" type="datetimeFigureOut">
+              <a:rPr lang="en-US" smtClean="0"/>
+              <a:pPr/>
+              <a:t>11/4/2013</a:t>
+            </a:fld>
+            <a:endParaRPr lang="en-US"/>
+          </a:p>
+        </p:txBody>
+      </p:sp>
+      <p:sp>
+        <p:nvSpPr>
+          <p:cNvPr id="19" name="Footer Placeholder 18"/>
+          <p:cNvSpPr>
+            <a:spLocks noGrp="1"/>
+          </p:cNvSpPr>
+          <p:nvPr>
+            <p:ph type="ftr" sz="quarter" idx="11"/>
+          </p:nvPr>
+        </p:nvSpPr>
+        <p:spPr/>
+        <p:txBody>
+          <a:bodyPr/>
+          <a:lstStyle>
+            <a:lvl1pPr>
+              <a:defRPr>
+                <a:solidFill>
+                  <a:schemeClr val="accent1">
+                    <a:tint val="20000"/>
                   </a:schemeClr>
                 </a:solidFill>
               </a:defRPr>
-            </a:lvl2pPr>
-            <a:lvl3pPr marL="914400" indent="0" algn="ctr">
-              <a:buNone/>
+            </a:lvl1pPr>
+            <a:extLst/>
+          </a:lstStyle>
+          <a:p>
+            <a:endParaRPr lang="en-US"/>
+          </a:p>
+        </p:txBody>
+      </p:sp>
+      <p:sp>
+        <p:nvSpPr>
+          <p:cNvPr id="27" name="Slide Number Placeholder 26"/>
+          <p:cNvSpPr>
+            <a:spLocks noGrp="1"/>
+          </p:cNvSpPr>
+          <p:nvPr>
+            <p:ph type="sldNum" sz="quarter" idx="12"/>
+          </p:nvPr>
+        </p:nvSpPr>
+        <p:spPr/>
+        <p:txBody>
+          <a:bodyPr/>
+          <a:lstStyle>
+            <a:lvl1pPr>
               <a:defRPr>
                 <a:solidFill>
-                  <a:schemeClr val="tx1">
-                    <a:tint val="75000"/>
-                  </a:schemeClr>
+                  <a:srgbClr val="FFFFFF"/>
                 </a:solidFill>
               </a:defRPr>
-            </a:lvl3pPr>
-            <a:lvl4pPr marL="1371600" indent="0" algn="ctr">
-              <a:buNone/>
-              <a:defRPr>
-                <a:solidFill>
-                  <a:schemeClr val="tx1">
-                    <a:tint val="75000"/>
-                  </a:schemeClr>
-                </a:solidFill>
-              </a:defRPr>
-            </a:lvl4pPr>
-            <a:lvl5pPr marL="1828800" indent="0" algn="ctr">
-              <a:buNone/>
-              <a:defRPr>
-                <a:solidFill>
-                  <a:schemeClr val="tx1">
-                    <a:tint val="75000"/>
-                  </a:schemeClr>
-                </a:solidFill>
-              </a:defRPr>
-            </a:lvl5pPr>
-            <a:lvl6pPr marL="2286000" indent="0" algn="ctr">
-              <a:buNone/>
-              <a:defRPr>
-                <a:solidFill>
-                  <a:schemeClr val="tx1">
-                    <a:tint val="75000"/>
-                  </a:schemeClr>
-                </a:solidFill>
-              </a:defRPr>
-            </a:lvl6pPr>
-            <a:lvl7pPr marL="2743200" indent="0" algn="ctr">
-              <a:buNone/>
-              <a:defRPr>
-                <a:solidFill>
-                  <a:schemeClr val="tx1">
-                    <a:tint val="75000"/>
-                  </a:schemeClr>
-                </a:solidFill>
-              </a:defRPr>
-            </a:lvl7pPr>
-            <a:lvl8pPr marL="3200400" indent="0" algn="ctr">
-              <a:buNone/>
-              <a:defRPr>
-                <a:solidFill>
-                  <a:schemeClr val="tx1">
-                    <a:tint val="75000"/>
-                  </a:schemeClr>
-                </a:solidFill>
-              </a:defRPr>
-            </a:lvl8pPr>
-            <a:lvl9pPr marL="3657600" indent="0" algn="ctr">
-              <a:buNone/>
-              <a:defRPr>
-                <a:solidFill>
-                  <a:schemeClr val="tx1">
-                    <a:tint val="75000"/>
-                  </a:schemeClr>
-                </a:solidFill>
-              </a:defRPr>
-            </a:lvl9pPr>
-          </a:lstStyle>
-          <a:p>
-            <a:r>
-              <a:rPr lang="en-US" smtClean="0"/>
-              <a:t>Click to edit Master subtitle style</a:t>
-            </a:r>
-            <a:endParaRPr lang="en-US"/>
-          </a:p>
-        </p:txBody>
-      </p:sp>
-      <p:sp>
-        <p:nvSpPr>
-          <p:cNvPr id="4" name="Date Placeholder 3"/>
-          <p:cNvSpPr>
-            <a:spLocks noGrp="1"/>
-          </p:cNvSpPr>
-          <p:nvPr>
-            <p:ph type="dt" sz="half" idx="10"/>
-          </p:nvPr>
-        </p:nvSpPr>
-        <p:spPr/>
-        <p:txBody>
-          <a:bodyPr/>
-          <a:lstStyle/>
-          <a:p>
-            <a:fld id="{F08555C9-EF7E-4911-9E4E-4EA916DAA642}" type="datetimeFigureOut">
-              <a:rPr lang="en-US" smtClean="0"/>
-              <a:t>10/28/2013</a:t>
-            </a:fld>
-            <a:endParaRPr lang="en-US"/>
-          </a:p>
-        </p:txBody>
-      </p:sp>
-      <p:sp>
-        <p:nvSpPr>
-          <p:cNvPr id="5" name="Footer Placeholder 4"/>
-          <p:cNvSpPr>
-            <a:spLocks noGrp="1"/>
-          </p:cNvSpPr>
-          <p:nvPr>
-            <p:ph type="ftr" sz="quarter" idx="11"/>
-          </p:nvPr>
-        </p:nvSpPr>
-        <p:spPr/>
-        <p:txBody>
-          <a:bodyPr/>
-          <a:lstStyle/>
-          <a:p>
-            <a:endParaRPr lang="en-US"/>
-          </a:p>
-        </p:txBody>
-      </p:sp>
-      <p:sp>
-        <p:nvSpPr>
-          <p:cNvPr id="6" name="Slide Number Placeholder 5"/>
-          <p:cNvSpPr>
-            <a:spLocks noGrp="1"/>
-          </p:cNvSpPr>
-          <p:nvPr>
-            <p:ph type="sldNum" sz="quarter" idx="12"/>
-          </p:nvPr>
-        </p:nvSpPr>
-        <p:spPr/>
-        <p:txBody>
-          <a:bodyPr/>
-          <a:lstStyle/>
+            </a:lvl1pPr>
+            <a:extLst/>
+          </a:lstStyle>
           <a:p>
             <a:fld id="{E08B0571-F7F5-476B-BCA4-0951EFAF2FF0}" type="slidenum">
               <a:rPr lang="en-US" smtClean="0"/>
+              <a:pPr/>
               <a:t>‹#›</a:t>
             </a:fld>
             <a:endParaRPr lang="en-US"/>
@@ -384,13 +853,15 @@
         <p:spPr/>
         <p:txBody>
           <a:bodyPr/>
-          <a:lstStyle/>
-          <a:p>
-            <a:r>
-              <a:rPr lang="en-US" smtClean="0"/>
+          <a:lstStyle>
+            <a:extLst/>
+          </a:lstStyle>
+          <a:p>
+            <a:r>
+              <a:rPr kumimoji="0" lang="en-US" smtClean="0"/>
               <a:t>Click to edit Master title style</a:t>
             </a:r>
-            <a:endParaRPr lang="en-US"/>
+            <a:endParaRPr kumimoji="0" lang="en-US"/>
           </a:p>
         </p:txBody>
       </p:sp>
@@ -404,45 +875,52 @@
             <p:ph type="body" orient="vert" idx="1"/>
           </p:nvPr>
         </p:nvSpPr>
-        <p:spPr/>
+        <p:spPr>
+          <a:xfrm>
+            <a:off x="457200" y="1481329"/>
+            <a:ext cx="8229600" cy="4386071"/>
+          </a:xfrm>
+        </p:spPr>
         <p:txBody>
           <a:bodyPr vert="eaVert"/>
-          <a:lstStyle/>
-          <a:p>
-            <a:pPr lvl="0"/>
+          <a:lstStyle>
+            <a:extLst/>
+          </a:lstStyle>
+          <a:p>
+            <a:pPr lvl="0" eaLnBrk="1" latinLnBrk="0" hangingPunct="1"/>
             <a:r>
               <a:rPr lang="en-US" smtClean="0"/>
               <a:t>Click to edit Master text styles</a:t>
             </a:r>
           </a:p>
           <a:p>
-            <a:pPr lvl="1"/>
+            <a:pPr lvl="1" eaLnBrk="1" latinLnBrk="0" hangingPunct="1"/>
             <a:r>
               <a:rPr lang="en-US" smtClean="0"/>
               <a:t>Second level</a:t>
             </a:r>
           </a:p>
           <a:p>
-            <a:pPr lvl="2"/>
+            <a:pPr lvl="2" eaLnBrk="1" latinLnBrk="0" hangingPunct="1"/>
             <a:r>
               <a:rPr lang="en-US" smtClean="0"/>
               <a:t>Third level</a:t>
             </a:r>
           </a:p>
           <a:p>
-            <a:pPr lvl="3"/>
+            <a:pPr lvl="3" eaLnBrk="1" latinLnBrk="0" hangingPunct="1"/>
             <a:r>
               <a:rPr lang="en-US" smtClean="0"/>
               <a:t>Fourth level</a:t>
             </a:r>
           </a:p>
           <a:p>
-            <a:pPr lvl="4"/>
+            <a:pPr lvl="4" eaLnBrk="1" latinLnBrk="0" hangingPunct="1"/>
             <a:r>
               <a:rPr lang="en-US" smtClean="0"/>
               <a:t>Fifth level</a:t>
             </a:r>
-            <a:endParaRPr lang="en-US"/>
+            <a:endParaRPr kumimoji="0" lang="en-US"/>
           </a:p>
         </p:txBody>
       </p:sp>
@@ -459,11 +937,14 @@
         <p:spPr/>
         <p:txBody>
           <a:bodyPr/>
-          <a:lstStyle/>
+          <a:lstStyle>
+            <a:extLst/>
+          </a:lstStyle>
           <a:p>
             <a:fld id="{F08555C9-EF7E-4911-9E4E-4EA916DAA642}" type="datetimeFigureOut">
               <a:rPr lang="en-US" smtClean="0"/>
-              <a:t>10/28/2013</a:t>
+              <a:pPr/>
+              <a:t>11/4/2013</a:t>
             </a:fld>
             <a:endParaRPr lang="en-US"/>
           </a:p>
@@ -482,7 +963,9 @@
         <p:spPr/>
         <p:txBody>
           <a:bodyPr/>
-          <a:lstStyle/>
+          <a:lstStyle>
+            <a:extLst/>
+          </a:lstStyle>
           <a:p>
             <a:endParaRPr lang="en-US"/>
           </a:p>
@@ -501,10 +984,13 @@
         <p:spPr/>
         <p:txBody>
           <a:bodyPr/>
-          <a:lstStyle/>
+          <a:lstStyle>
+            <a:extLst/>
+          </a:lstStyle>
           <a:p>
             <a:fld id="{E08B0571-F7F5-476B-BCA4-0951EFAF2FF0}" type="slidenum">
               <a:rPr lang="en-US" smtClean="0"/>
+              <a:pPr/>
               <a:t>‹#›</a:t>
             </a:fld>
             <a:endParaRPr lang="en-US"/>
@@ -548,19 +1034,21 @@
         </p:nvSpPr>
         <p:spPr>
           <a:xfrm>
-            <a:off x="6629400" y="274638"/>
-            <a:ext cx="2057400" cy="5851525"/>
+            <a:off x="6844013" y="274640"/>
+            <a:ext cx="1777470" cy="5592761"/>
           </a:xfrm>
         </p:spPr>
         <p:txBody>
           <a:bodyPr vert="eaVert"/>
-          <a:lstStyle/>
-          <a:p>
-            <a:r>
-              <a:rPr lang="en-US" smtClean="0"/>
+          <a:lstStyle>
+            <a:extLst/>
+          </a:lstStyle>
+          <a:p>
+            <a:r>
+              <a:rPr kumimoji="0" lang="en-US" smtClean="0"/>
               <a:t>Click to edit Master title style</a:t>
             </a:r>
-            <a:endParaRPr lang="en-US"/>
+            <a:endParaRPr kumimoji="0" lang="en-US"/>
           </a:p>
         </p:txBody>
       </p:sp>
@@ -576,48 +1064,50 @@
         </p:nvSpPr>
         <p:spPr>
           <a:xfrm>
-            <a:off x="457200" y="274638"/>
-            <a:ext cx="6019800" cy="5851525"/>
+            <a:off x="457200" y="274641"/>
+            <a:ext cx="6324600" cy="5592760"/>
           </a:xfrm>
         </p:spPr>
         <p:txBody>
           <a:bodyPr vert="eaVert"/>
-          <a:lstStyle/>
-          <a:p>
-            <a:pPr lvl="0"/>
+          <a:lstStyle>
+            <a:extLst/>
+          </a:lstStyle>
+          <a:p>
+            <a:pPr lvl="0" eaLnBrk="1" latinLnBrk="0" hangingPunct="1"/>
             <a:r>
               <a:rPr lang="en-US" smtClean="0"/>
               <a:t>Click to edit Master text styles</a:t>
             </a:r>
           </a:p>
           <a:p>
-            <a:pPr lvl="1"/>
+            <a:pPr lvl="1" eaLnBrk="1" latinLnBrk="0" hangingPunct="1"/>
             <a:r>
               <a:rPr lang="en-US" smtClean="0"/>
               <a:t>Second level</a:t>
             </a:r>
           </a:p>
           <a:p>
-            <a:pPr lvl="2"/>
+            <a:pPr lvl="2" eaLnBrk="1" latinLnBrk="0" hangingPunct="1"/>
             <a:r>
               <a:rPr lang="en-US" smtClean="0"/>
               <a:t>Third level</a:t>
             </a:r>
           </a:p>
           <a:p>
-            <a:pPr lvl="3"/>
+            <a:pPr lvl="3" eaLnBrk="1" latinLnBrk="0" hangingPunct="1"/>
             <a:r>
               <a:rPr lang="en-US" smtClean="0"/>
               <a:t>Fourth level</a:t>
             </a:r>
           </a:p>
           <a:p>
-            <a:pPr lvl="4"/>
+            <a:pPr lvl="4" eaLnBrk="1" latinLnBrk="0" hangingPunct="1"/>
             <a:r>
               <a:rPr lang="en-US" smtClean="0"/>
               <a:t>Fifth level</a:t>
             </a:r>
-            <a:endParaRPr lang="en-US"/>
+            <a:endParaRPr kumimoji="0" lang="en-US"/>
           </a:p>
         </p:txBody>
       </p:sp>
@@ -634,11 +1124,14 @@
         <p:spPr/>
         <p:txBody>
           <a:bodyPr/>
-          <a:lstStyle/>
+          <a:lstStyle>
+            <a:extLst/>
+          </a:lstStyle>
           <a:p>
             <a:fld id="{F08555C9-EF7E-4911-9E4E-4EA916DAA642}" type="datetimeFigureOut">
               <a:rPr lang="en-US" smtClean="0"/>
-              <a:t>10/28/2013</a:t>
+              <a:pPr/>
+              <a:t>11/4/2013</a:t>
             </a:fld>
             <a:endParaRPr lang="en-US"/>
           </a:p>
@@ -657,7 +1150,9 @@
         <p:spPr/>
         <p:txBody>
           <a:bodyPr/>
-          <a:lstStyle/>
+          <a:lstStyle>
+            <a:extLst/>
+          </a:lstStyle>
           <a:p>
             <a:endParaRPr lang="en-US"/>
           </a:p>
@@ -676,10 +1171,13 @@
         <p:spPr/>
         <p:txBody>
           <a:bodyPr/>
-          <a:lstStyle/>
+          <a:lstStyle>
+            <a:extLst/>
+          </a:lstStyle>
           <a:p>
             <a:fld id="{E08B0571-F7F5-476B-BCA4-0951EFAF2FF0}" type="slidenum">
               <a:rPr lang="en-US" smtClean="0"/>
+              <a:pPr/>
               <a:t>‹#›</a:t>
             </a:fld>
             <a:endParaRPr lang="en-US"/>
@@ -713,76 +1211,55 @@
       </p:grpSpPr>
       <p:sp>
         <p:nvSpPr>
-          <p:cNvPr id="2" name="Title 1"/>
-          <p:cNvSpPr>
-            <a:spLocks noGrp="1"/>
-          </p:cNvSpPr>
-          <p:nvPr>
-            <p:ph type="title"/>
+          <p:cNvPr id="3" name="Content Placeholder 2"/>
+          <p:cNvSpPr>
+            <a:spLocks noGrp="1"/>
+          </p:cNvSpPr>
+          <p:nvPr>
+            <p:ph idx="1"/>
           </p:nvPr>
         </p:nvSpPr>
         <p:spPr/>
         <p:txBody>
           <a:bodyPr/>
-          <a:lstStyle/>
-          <a:p>
-            <a:r>
-              <a:rPr lang="en-US" smtClean="0"/>
-              <a:t>Click to edit Master title style</a:t>
-            </a:r>
-            <a:endParaRPr lang="en-US"/>
-          </a:p>
-        </p:txBody>
-      </p:sp>
-      <p:sp>
-        <p:nvSpPr>
-          <p:cNvPr id="3" name="Content Placeholder 2"/>
-          <p:cNvSpPr>
-            <a:spLocks noGrp="1"/>
-          </p:cNvSpPr>
-          <p:nvPr>
-            <p:ph idx="1"/>
-          </p:nvPr>
-        </p:nvSpPr>
-        <p:spPr/>
-        <p:txBody>
-          <a:bodyPr/>
-          <a:lstStyle/>
-          <a:p>
-            <a:pPr lvl="0"/>
+          <a:lstStyle>
+            <a:extLst/>
+          </a:lstStyle>
+          <a:p>
+            <a:pPr lvl="0" eaLnBrk="1" latinLnBrk="0" hangingPunct="1"/>
             <a:r>
               <a:rPr lang="en-US" smtClean="0"/>
               <a:t>Click to edit Master text styles</a:t>
             </a:r>
           </a:p>
           <a:p>
-            <a:pPr lvl="1"/>
+            <a:pPr lvl="1" eaLnBrk="1" latinLnBrk="0" hangingPunct="1"/>
             <a:r>
               <a:rPr lang="en-US" smtClean="0"/>
               <a:t>Second level</a:t>
             </a:r>
           </a:p>
           <a:p>
-            <a:pPr lvl="2"/>
+            <a:pPr lvl="2" eaLnBrk="1" latinLnBrk="0" hangingPunct="1"/>
             <a:r>
               <a:rPr lang="en-US" smtClean="0"/>
               <a:t>Third level</a:t>
             </a:r>
           </a:p>
           <a:p>
-            <a:pPr lvl="3"/>
+            <a:pPr lvl="3" eaLnBrk="1" latinLnBrk="0" hangingPunct="1"/>
             <a:r>
               <a:rPr lang="en-US" smtClean="0"/>
               <a:t>Fourth level</a:t>
             </a:r>
           </a:p>
           <a:p>
-            <a:pPr lvl="4"/>
+            <a:pPr lvl="4" eaLnBrk="1" latinLnBrk="0" hangingPunct="1"/>
             <a:r>
               <a:rPr lang="en-US" smtClean="0"/>
               <a:t>Fifth level</a:t>
             </a:r>
-            <a:endParaRPr lang="en-US"/>
+            <a:endParaRPr kumimoji="0" lang="en-US"/>
           </a:p>
         </p:txBody>
       </p:sp>
@@ -799,11 +1276,14 @@
         <p:spPr/>
         <p:txBody>
           <a:bodyPr/>
-          <a:lstStyle/>
+          <a:lstStyle>
+            <a:extLst/>
+          </a:lstStyle>
           <a:p>
             <a:fld id="{F08555C9-EF7E-4911-9E4E-4EA916DAA642}" type="datetimeFigureOut">
               <a:rPr lang="en-US" smtClean="0"/>
-              <a:t>10/28/2013</a:t>
+              <a:pPr/>
+              <a:t>11/4/2013</a:t>
             </a:fld>
             <a:endParaRPr lang="en-US"/>
           </a:p>
@@ -822,7 +1302,9 @@
         <p:spPr/>
         <p:txBody>
           <a:bodyPr/>
-          <a:lstStyle/>
+          <a:lstStyle>
+            <a:extLst/>
+          </a:lstStyle>
           <a:p>
             <a:endParaRPr lang="en-US"/>
           </a:p>
@@ -841,13 +1323,41 @@
         <p:spPr/>
         <p:txBody>
           <a:bodyPr/>
-          <a:lstStyle/>
+          <a:lstStyle>
+            <a:extLst/>
+          </a:lstStyle>
           <a:p>
             <a:fld id="{E08B0571-F7F5-476B-BCA4-0951EFAF2FF0}" type="slidenum">
               <a:rPr lang="en-US" smtClean="0"/>
+              <a:pPr/>
               <a:t>‹#›</a:t>
             </a:fld>
             <a:endParaRPr lang="en-US"/>
+          </a:p>
+        </p:txBody>
+      </p:sp>
+      <p:sp>
+        <p:nvSpPr>
+          <p:cNvPr id="7" name="Title 6"/>
+          <p:cNvSpPr>
+            <a:spLocks noGrp="1"/>
+          </p:cNvSpPr>
+          <p:nvPr>
+            <p:ph type="title"/>
+          </p:nvPr>
+        </p:nvSpPr>
+        <p:spPr/>
+        <p:txBody>
+          <a:bodyPr rtlCol="0"/>
+          <a:lstStyle>
+            <a:extLst/>
+          </a:lstStyle>
+          <a:p>
+            <a:r>
+              <a:rPr kumimoji="0" lang="en-US" smtClean="0"/>
+              <a:t>Click to edit Master title style</a:t>
+            </a:r>
+            <a:endParaRPr kumimoji="0" lang="en-US"/>
           </a:p>
         </p:txBody>
       </p:sp>
@@ -862,6 +1372,11 @@
 <file path=ppt/slideLayouts/slideLayout3.xml><?xml version="1.0" encoding="utf-8"?>
 <p:sldLayout xmlns:a="http://schemas.openxmlformats.org/drawingml/2006/main" xmlns:r="http://schemas.openxmlformats.org/officeDocument/2006/relationships" xmlns:p="http://schemas.openxmlformats.org/presentationml/2006/main" type="secHead" preserve="1">
   <p:cSld name="Section Header">
+    <p:bg>
+      <p:bgRef idx="1002">
+        <a:schemeClr val="bg1"/>
+      </p:bgRef>
+    </p:bg>
     <p:spTree>
       <p:nvGrpSpPr>
         <p:cNvPr id="1" name=""/>
@@ -888,23 +1403,42 @@
         </p:nvSpPr>
         <p:spPr>
           <a:xfrm>
-            <a:off x="722313" y="4406900"/>
-            <a:ext cx="7772400" cy="1362075"/>
+            <a:off x="722376" y="1059712"/>
+            <a:ext cx="7772400" cy="1828800"/>
           </a:xfrm>
         </p:spPr>
         <p:txBody>
-          <a:bodyPr anchor="t"/>
-          <a:lstStyle>
-            <a:lvl1pPr algn="l">
-              <a:defRPr sz="4000" b="1" cap="all"/>
+          <a:bodyPr vert="horz" anchor="b">
+            <a:normAutofit/>
+            <a:scene3d>
+              <a:camera prst="orthographicFront"/>
+              <a:lightRig rig="soft" dir="t"/>
+            </a:scene3d>
+            <a:sp3d prstMaterial="softEdge">
+              <a:bevelT w="25400" h="25400"/>
+            </a:sp3d>
+          </a:bodyPr>
+          <a:lstStyle>
+            <a:lvl1pPr algn="r">
+              <a:buNone/>
+              <a:defRPr sz="4800" b="1" cap="none" baseline="0">
+                <a:effectLst>
+                  <a:outerShdw blurRad="31750" dist="25400" dir="5400000" algn="tl" rotWithShape="0">
+                    <a:srgbClr val="000000">
+                      <a:alpha val="25000"/>
+                    </a:srgbClr>
+                  </a:outerShdw>
+                </a:effectLst>
+              </a:defRPr>
             </a:lvl1pPr>
-          </a:lstStyle>
-          <a:p>
-            <a:r>
-              <a:rPr lang="en-US" smtClean="0"/>
+            <a:extLst/>
+          </a:lstStyle>
+          <a:p>
+            <a:r>
+              <a:rPr kumimoji="0" lang="en-US" smtClean="0"/>
               <a:t>Click to edit Master title style</a:t>
             </a:r>
-            <a:endParaRPr lang="en-US"/>
+            <a:endParaRPr kumimoji="0" lang="en-US"/>
           </a:p>
         </p:txBody>
       </p:sp>
@@ -920,24 +1454,22 @@
         </p:nvSpPr>
         <p:spPr>
           <a:xfrm>
-            <a:off x="722313" y="2906713"/>
-            <a:ext cx="7772400" cy="1500187"/>
+            <a:off x="3922713" y="2931712"/>
+            <a:ext cx="4572000" cy="1454888"/>
           </a:xfrm>
         </p:spPr>
         <p:txBody>
-          <a:bodyPr anchor="b"/>
-          <a:lstStyle>
-            <a:lvl1pPr marL="0" indent="0">
+          <a:bodyPr lIns="91440" rIns="91440" anchor="t"/>
+          <a:lstStyle>
+            <a:lvl1pPr marL="0" indent="0" algn="l">
               <a:buNone/>
-              <a:defRPr sz="2000">
+              <a:defRPr sz="2300">
                 <a:solidFill>
-                  <a:schemeClr val="tx1">
-                    <a:tint val="75000"/>
-                  </a:schemeClr>
+                  <a:schemeClr val="tx1"/>
                 </a:solidFill>
               </a:defRPr>
             </a:lvl1pPr>
-            <a:lvl2pPr marL="457200" indent="0">
+            <a:lvl2pPr>
               <a:buNone/>
               <a:defRPr sz="1800">
                 <a:solidFill>
@@ -947,7 +1479,7 @@
                 </a:solidFill>
               </a:defRPr>
             </a:lvl2pPr>
-            <a:lvl3pPr marL="914400" indent="0">
+            <a:lvl3pPr>
               <a:buNone/>
               <a:defRPr sz="1600">
                 <a:solidFill>
@@ -957,7 +1489,7 @@
                 </a:solidFill>
               </a:defRPr>
             </a:lvl3pPr>
-            <a:lvl4pPr marL="1371600" indent="0">
+            <a:lvl4pPr>
               <a:buNone/>
               <a:defRPr sz="1400">
                 <a:solidFill>
@@ -967,7 +1499,7 @@
                 </a:solidFill>
               </a:defRPr>
             </a:lvl4pPr>
-            <a:lvl5pPr marL="1828800" indent="0">
+            <a:lvl5pPr>
               <a:buNone/>
               <a:defRPr sz="1400">
                 <a:solidFill>
@@ -977,51 +1509,12 @@
                 </a:solidFill>
               </a:defRPr>
             </a:lvl5pPr>
-            <a:lvl6pPr marL="2286000" indent="0">
-              <a:buNone/>
-              <a:defRPr sz="1400">
-                <a:solidFill>
-                  <a:schemeClr val="tx1">
-                    <a:tint val="75000"/>
-                  </a:schemeClr>
-                </a:solidFill>
-              </a:defRPr>
-            </a:lvl6pPr>
-            <a:lvl7pPr marL="2743200" indent="0">
-              <a:buNone/>
-              <a:defRPr sz="1400">
-                <a:solidFill>
-                  <a:schemeClr val="tx1">
-                    <a:tint val="75000"/>
-                  </a:schemeClr>
-                </a:solidFill>
-              </a:defRPr>
-            </a:lvl7pPr>
-            <a:lvl8pPr marL="3200400" indent="0">
-              <a:buNone/>
-              <a:defRPr sz="1400">
-                <a:solidFill>
-                  <a:schemeClr val="tx1">
-                    <a:tint val="75000"/>
-                  </a:schemeClr>
-                </a:solidFill>
-              </a:defRPr>
-            </a:lvl8pPr>
-            <a:lvl9pPr marL="3657600" indent="0">
-              <a:buNone/>
-              <a:defRPr sz="1400">
-                <a:solidFill>
-                  <a:schemeClr val="tx1">
-                    <a:tint val="75000"/>
-                  </a:schemeClr>
-                </a:solidFill>
-              </a:defRPr>
-            </a:lvl9pPr>
-          </a:lstStyle>
-          <a:p>
-            <a:pPr lvl="0"/>
-            <a:r>
-              <a:rPr lang="en-US" smtClean="0"/>
+            <a:extLst/>
+          </a:lstStyle>
+          <a:p>
+            <a:pPr lvl="0" eaLnBrk="1" latinLnBrk="0" hangingPunct="1"/>
+            <a:r>
+              <a:rPr kumimoji="0" lang="en-US" smtClean="0"/>
               <a:t>Click to edit Master text styles</a:t>
             </a:r>
           </a:p>
@@ -1040,11 +1533,14 @@
         <p:spPr/>
         <p:txBody>
           <a:bodyPr/>
-          <a:lstStyle/>
+          <a:lstStyle>
+            <a:extLst/>
+          </a:lstStyle>
           <a:p>
             <a:fld id="{F08555C9-EF7E-4911-9E4E-4EA916DAA642}" type="datetimeFigureOut">
               <a:rPr lang="en-US" smtClean="0"/>
-              <a:t>10/28/2013</a:t>
+              <a:pPr/>
+              <a:t>11/4/2013</a:t>
             </a:fld>
             <a:endParaRPr lang="en-US"/>
           </a:p>
@@ -1063,7 +1559,9 @@
         <p:spPr/>
         <p:txBody>
           <a:bodyPr/>
-          <a:lstStyle/>
+          <a:lstStyle>
+            <a:extLst/>
+          </a:lstStyle>
           <a:p>
             <a:endParaRPr lang="en-US"/>
           </a:p>
@@ -1082,20 +1580,183 @@
         <p:spPr/>
         <p:txBody>
           <a:bodyPr/>
-          <a:lstStyle/>
+          <a:lstStyle>
+            <a:extLst/>
+          </a:lstStyle>
           <a:p>
             <a:fld id="{E08B0571-F7F5-476B-BCA4-0951EFAF2FF0}" type="slidenum">
               <a:rPr lang="en-US" smtClean="0"/>
+              <a:pPr/>
               <a:t>‹#›</a:t>
             </a:fld>
             <a:endParaRPr lang="en-US"/>
           </a:p>
         </p:txBody>
       </p:sp>
+      <p:sp>
+        <p:nvSpPr>
+          <p:cNvPr id="7" name="Chevron 6"/>
+          <p:cNvSpPr/>
+          <p:nvPr/>
+        </p:nvSpPr>
+        <p:spPr>
+          <a:xfrm>
+            <a:off x="3636680" y="3005472"/>
+            <a:ext cx="182880" cy="228600"/>
+          </a:xfrm>
+          <a:prstGeom prst="chevron">
+            <a:avLst>
+              <a:gd name="adj" fmla="val 50000"/>
+            </a:avLst>
+          </a:prstGeom>
+          <a:gradFill flip="none" rotWithShape="1">
+            <a:gsLst>
+              <a:gs pos="0">
+                <a:schemeClr val="accent1">
+                  <a:shade val="60000"/>
+                  <a:satMod val="125000"/>
+                </a:schemeClr>
+              </a:gs>
+              <a:gs pos="72000">
+                <a:schemeClr val="accent1">
+                  <a:tint val="90000"/>
+                  <a:satMod val="138000"/>
+                </a:schemeClr>
+              </a:gs>
+              <a:gs pos="100000">
+                <a:schemeClr val="accent1">
+                  <a:tint val="76000"/>
+                  <a:satMod val="136000"/>
+                </a:schemeClr>
+              </a:gs>
+            </a:gsLst>
+            <a:lin ang="16200000" scaled="0"/>
+          </a:gradFill>
+          <a:ln w="3175" cap="rnd" cmpd="sng" algn="ctr">
+            <a:solidFill>
+              <a:schemeClr val="accent1">
+                <a:shade val="50000"/>
+              </a:schemeClr>
+            </a:solidFill>
+            <a:prstDash val="solid"/>
+          </a:ln>
+          <a:effectLst>
+            <a:outerShdw blurRad="50800" dist="25400" dir="5400000">
+              <a:srgbClr val="000000">
+                <a:alpha val="46000"/>
+              </a:srgbClr>
+            </a:outerShdw>
+          </a:effectLst>
+        </p:spPr>
+        <p:style>
+          <a:lnRef idx="1">
+            <a:schemeClr val="accent1"/>
+          </a:lnRef>
+          <a:fillRef idx="3">
+            <a:schemeClr val="accent1"/>
+          </a:fillRef>
+          <a:effectRef idx="2">
+            <a:schemeClr val="accent1"/>
+          </a:effectRef>
+          <a:fontRef idx="minor">
+            <a:schemeClr val="lt1"/>
+          </a:fontRef>
+        </p:style>
+        <p:txBody>
+          <a:bodyPr anchor="ctr"/>
+          <a:lstStyle>
+            <a:extLst/>
+          </a:lstStyle>
+          <a:p>
+            <a:pPr algn="l" eaLnBrk="1" latinLnBrk="0" hangingPunct="1"/>
+            <a:endParaRPr kumimoji="0" lang="en-US"/>
+          </a:p>
+        </p:txBody>
+      </p:sp>
+      <p:sp>
+        <p:nvSpPr>
+          <p:cNvPr id="8" name="Chevron 7"/>
+          <p:cNvSpPr/>
+          <p:nvPr/>
+        </p:nvSpPr>
+        <p:spPr>
+          <a:xfrm>
+            <a:off x="3450264" y="3005472"/>
+            <a:ext cx="182880" cy="228600"/>
+          </a:xfrm>
+          <a:prstGeom prst="chevron">
+            <a:avLst>
+              <a:gd name="adj" fmla="val 50000"/>
+            </a:avLst>
+          </a:prstGeom>
+          <a:gradFill flip="none" rotWithShape="1">
+            <a:gsLst>
+              <a:gs pos="0">
+                <a:schemeClr val="accent1">
+                  <a:shade val="60000"/>
+                  <a:satMod val="125000"/>
+                </a:schemeClr>
+              </a:gs>
+              <a:gs pos="72000">
+                <a:schemeClr val="accent1">
+                  <a:tint val="90000"/>
+                  <a:satMod val="138000"/>
+                </a:schemeClr>
+              </a:gs>
+              <a:gs pos="100000">
+                <a:schemeClr val="accent1">
+                  <a:tint val="76000"/>
+                  <a:satMod val="136000"/>
+                </a:schemeClr>
+              </a:gs>
+            </a:gsLst>
+            <a:lin ang="16200000" scaled="0"/>
+          </a:gradFill>
+          <a:ln w="3175" cap="rnd" cmpd="sng" algn="ctr">
+            <a:solidFill>
+              <a:schemeClr val="accent1">
+                <a:shade val="50000"/>
+              </a:schemeClr>
+            </a:solidFill>
+            <a:prstDash val="solid"/>
+          </a:ln>
+          <a:effectLst>
+            <a:outerShdw blurRad="50800" dist="25400" dir="5400000">
+              <a:srgbClr val="000000">
+                <a:alpha val="46000"/>
+              </a:srgbClr>
+            </a:outerShdw>
+          </a:effectLst>
+        </p:spPr>
+        <p:style>
+          <a:lnRef idx="1">
+            <a:schemeClr val="accent1"/>
+          </a:lnRef>
+          <a:fillRef idx="3">
+            <a:schemeClr val="accent1"/>
+          </a:fillRef>
+          <a:effectRef idx="2">
+            <a:schemeClr val="accent1"/>
+          </a:effectRef>
+          <a:fontRef idx="minor">
+            <a:schemeClr val="lt1"/>
+          </a:fontRef>
+        </p:style>
+        <p:txBody>
+          <a:bodyPr anchor="ctr"/>
+          <a:lstStyle>
+            <a:extLst/>
+          </a:lstStyle>
+          <a:p>
+            <a:pPr algn="l" eaLnBrk="1" latinLnBrk="0" hangingPunct="1"/>
+            <a:endParaRPr kumimoji="0" lang="en-US"/>
+          </a:p>
+        </p:txBody>
+      </p:sp>
     </p:spTree>
   </p:cSld>
   <p:clrMapOvr>
-    <a:masterClrMapping/>
+    <a:overrideClrMapping bg1="dk1" tx1="lt1" bg2="dk2" tx2="lt2" accent1="accent1" accent2="accent2" accent3="accent3" accent4="accent4" accent5="accent5" accent6="accent6" hlink="hlink" folHlink="folHlink"/>
   </p:clrMapOvr>
 </p:sldLayout>
 </file>
@@ -1103,6 +1764,11 @@
 <file path=ppt/slideLayouts/slideLayout4.xml><?xml version="1.0" encoding="utf-8"?>
 <p:sldLayout xmlns:a="http://schemas.openxmlformats.org/drawingml/2006/main" xmlns:r="http://schemas.openxmlformats.org/officeDocument/2006/relationships" xmlns:p="http://schemas.openxmlformats.org/presentationml/2006/main" type="twoObj" preserve="1">
   <p:cSld name="Two Content">
+    <p:bg>
+      <p:bgRef idx="1002">
+        <a:schemeClr val="bg1"/>
+      </p:bgRef>
+    </p:bg>
     <p:spTree>
       <p:nvGrpSpPr>
         <p:cNvPr id="1" name=""/>
@@ -1119,29 +1785,6 @@
       </p:grpSpPr>
       <p:sp>
         <p:nvSpPr>
-          <p:cNvPr id="2" name="Title 1"/>
-          <p:cNvSpPr>
-            <a:spLocks noGrp="1"/>
-          </p:cNvSpPr>
-          <p:nvPr>
-            <p:ph type="title"/>
-          </p:nvPr>
-        </p:nvSpPr>
-        <p:spPr/>
-        <p:txBody>
-          <a:bodyPr/>
-          <a:lstStyle/>
-          <a:p>
-            <a:r>
-              <a:rPr lang="en-US" smtClean="0"/>
-              <a:t>Click to edit Master title style</a:t>
-            </a:r>
-            <a:endParaRPr lang="en-US"/>
-          </a:p>
-        </p:txBody>
-      </p:sp>
-      <p:sp>
-        <p:nvSpPr>
           <p:cNvPr id="3" name="Content Placeholder 2"/>
           <p:cNvSpPr>
             <a:spLocks noGrp="1"/>
@@ -1152,7 +1795,7 @@
         </p:nvSpPr>
         <p:spPr>
           <a:xfrm>
-            <a:off x="457200" y="1600200"/>
+            <a:off x="457200" y="1481328"/>
             <a:ext cx="4038600" cy="4525963"/>
           </a:xfrm>
         </p:spPr>
@@ -1174,54 +1817,43 @@
             <a:lvl5pPr>
               <a:defRPr sz="1800"/>
             </a:lvl5pPr>
-            <a:lvl6pPr>
-              <a:defRPr sz="1800"/>
-            </a:lvl6pPr>
-            <a:lvl7pPr>
-              <a:defRPr sz="1800"/>
-            </a:lvl7pPr>
-            <a:lvl8pPr>
-              <a:defRPr sz="1800"/>
-            </a:lvl8pPr>
-            <a:lvl9pPr>
-              <a:defRPr sz="1800"/>
-            </a:lvl9pPr>
-          </a:lstStyle>
-          <a:p>
-            <a:pPr lvl="0"/>
+            <a:extLst/>
+          </a:lstStyle>
+          <a:p>
+            <a:pPr lvl="0" eaLnBrk="1" latinLnBrk="0" hangingPunct="1"/>
             <a:r>
               <a:rPr lang="en-US" smtClean="0"/>
               <a:t>Click to edit Master text styles</a:t>
             </a:r>
           </a:p>
           <a:p>
-            <a:pPr lvl="1"/>
+            <a:pPr lvl="1" eaLnBrk="1" latinLnBrk="0" hangingPunct="1"/>
             <a:r>
               <a:rPr lang="en-US" smtClean="0"/>
               <a:t>Second level</a:t>
             </a:r>
           </a:p>
           <a:p>
-            <a:pPr lvl="2"/>
+            <a:pPr lvl="2" eaLnBrk="1" latinLnBrk="0" hangingPunct="1"/>
             <a:r>
               <a:rPr lang="en-US" smtClean="0"/>
               <a:t>Third level</a:t>
             </a:r>
           </a:p>
           <a:p>
-            <a:pPr lvl="3"/>
+            <a:pPr lvl="3" eaLnBrk="1" latinLnBrk="0" hangingPunct="1"/>
             <a:r>
               <a:rPr lang="en-US" smtClean="0"/>
               <a:t>Fourth level</a:t>
             </a:r>
           </a:p>
           <a:p>
-            <a:pPr lvl="4"/>
+            <a:pPr lvl="4" eaLnBrk="1" latinLnBrk="0" hangingPunct="1"/>
             <a:r>
               <a:rPr lang="en-US" smtClean="0"/>
               <a:t>Fifth level</a:t>
             </a:r>
-            <a:endParaRPr lang="en-US"/>
+            <a:endParaRPr kumimoji="0" lang="en-US"/>
           </a:p>
         </p:txBody>
       </p:sp>
@@ -1237,7 +1869,7 @@
         </p:nvSpPr>
         <p:spPr>
           <a:xfrm>
-            <a:off x="4648200" y="1600200"/>
+            <a:off x="4648200" y="1481328"/>
             <a:ext cx="4038600" cy="4525963"/>
           </a:xfrm>
         </p:spPr>
@@ -1259,54 +1891,43 @@
             <a:lvl5pPr>
               <a:defRPr sz="1800"/>
             </a:lvl5pPr>
-            <a:lvl6pPr>
-              <a:defRPr sz="1800"/>
-            </a:lvl6pPr>
-            <a:lvl7pPr>
-              <a:defRPr sz="1800"/>
-            </a:lvl7pPr>
-            <a:lvl8pPr>
-              <a:defRPr sz="1800"/>
-            </a:lvl8pPr>
-            <a:lvl9pPr>
-              <a:defRPr sz="1800"/>
-            </a:lvl9pPr>
-          </a:lstStyle>
-          <a:p>
-            <a:pPr lvl="0"/>
+            <a:extLst/>
+          </a:lstStyle>
+          <a:p>
+            <a:pPr lvl="0" eaLnBrk="1" latinLnBrk="0" hangingPunct="1"/>
             <a:r>
               <a:rPr lang="en-US" smtClean="0"/>
               <a:t>Click to edit Master text styles</a:t>
             </a:r>
           </a:p>
           <a:p>
-            <a:pPr lvl="1"/>
+            <a:pPr lvl="1" eaLnBrk="1" latinLnBrk="0" hangingPunct="1"/>
             <a:r>
               <a:rPr lang="en-US" smtClean="0"/>
               <a:t>Second level</a:t>
             </a:r>
           </a:p>
           <a:p>
-            <a:pPr lvl="2"/>
+            <a:pPr lvl="2" eaLnBrk="1" latinLnBrk="0" hangingPunct="1"/>
             <a:r>
               <a:rPr lang="en-US" smtClean="0"/>
               <a:t>Third level</a:t>
             </a:r>
           </a:p>
           <a:p>
-            <a:pPr lvl="3"/>
+            <a:pPr lvl="3" eaLnBrk="1" latinLnBrk="0" hangingPunct="1"/>
             <a:r>
               <a:rPr lang="en-US" smtClean="0"/>
               <a:t>Fourth level</a:t>
             </a:r>
           </a:p>
           <a:p>
-            <a:pPr lvl="4"/>
+            <a:pPr lvl="4" eaLnBrk="1" latinLnBrk="0" hangingPunct="1"/>
             <a:r>
               <a:rPr lang="en-US" smtClean="0"/>
               <a:t>Fifth level</a:t>
             </a:r>
-            <a:endParaRPr lang="en-US"/>
+            <a:endParaRPr kumimoji="0" lang="en-US"/>
           </a:p>
         </p:txBody>
       </p:sp>
@@ -1323,11 +1944,14 @@
         <p:spPr/>
         <p:txBody>
           <a:bodyPr/>
-          <a:lstStyle/>
+          <a:lstStyle>
+            <a:extLst/>
+          </a:lstStyle>
           <a:p>
             <a:fld id="{F08555C9-EF7E-4911-9E4E-4EA916DAA642}" type="datetimeFigureOut">
               <a:rPr lang="en-US" smtClean="0"/>
-              <a:t>10/28/2013</a:t>
+              <a:pPr/>
+              <a:t>11/4/2013</a:t>
             </a:fld>
             <a:endParaRPr lang="en-US"/>
           </a:p>
@@ -1346,7 +1970,9 @@
         <p:spPr/>
         <p:txBody>
           <a:bodyPr/>
-          <a:lstStyle/>
+          <a:lstStyle>
+            <a:extLst/>
+          </a:lstStyle>
           <a:p>
             <a:endParaRPr lang="en-US"/>
           </a:p>
@@ -1365,27 +1991,60 @@
         <p:spPr/>
         <p:txBody>
           <a:bodyPr/>
-          <a:lstStyle/>
+          <a:lstStyle>
+            <a:extLst/>
+          </a:lstStyle>
           <a:p>
             <a:fld id="{E08B0571-F7F5-476B-BCA4-0951EFAF2FF0}" type="slidenum">
               <a:rPr lang="en-US" smtClean="0"/>
+              <a:pPr/>
               <a:t>‹#›</a:t>
             </a:fld>
             <a:endParaRPr lang="en-US"/>
           </a:p>
         </p:txBody>
       </p:sp>
+      <p:sp>
+        <p:nvSpPr>
+          <p:cNvPr id="8" name="Title 7"/>
+          <p:cNvSpPr>
+            <a:spLocks noGrp="1"/>
+          </p:cNvSpPr>
+          <p:nvPr>
+            <p:ph type="title"/>
+          </p:nvPr>
+        </p:nvSpPr>
+        <p:spPr/>
+        <p:txBody>
+          <a:bodyPr rtlCol="0"/>
+          <a:lstStyle>
+            <a:extLst/>
+          </a:lstStyle>
+          <a:p>
+            <a:r>
+              <a:rPr kumimoji="0" lang="en-US" smtClean="0"/>
+              <a:t>Click to edit Master title style</a:t>
+            </a:r>
+            <a:endParaRPr kumimoji="0" lang="en-US"/>
+          </a:p>
+        </p:txBody>
+      </p:sp>
     </p:spTree>
   </p:cSld>
   <p:clrMapOvr>
-    <a:masterClrMapping/>
+    <a:overrideClrMapping bg1="dk1" tx1="lt1" bg2="dk2" tx2="lt2" accent1="accent1" accent2="accent2" accent3="accent3" accent4="accent4" accent5="accent5" accent6="accent6" hlink="hlink" folHlink="folHlink"/>
   </p:clrMapOvr>
 </p:sldLayout>
 </file>
 
 <file path=ppt/slideLayouts/slideLayout5.xml><?xml version="1.0" encoding="utf-8"?>
-<p:sldLayout xmlns:a="http://schemas.openxmlformats.org/drawingml/2006/main" xmlns:r="http://schemas.openxmlformats.org/officeDocument/2006/relationships" xmlns:p="http://schemas.openxmlformats.org/presentationml/2006/main" type="twoTxTwoObj" preserve="1">
+<p:sldLayout xmlns:a="http://schemas.openxmlformats.org/drawingml/2006/main" xmlns:r="http://schemas.openxmlformats.org/officeDocument/2006/relationships" xmlns:p="http://schemas.openxmlformats.org/presentationml/2006/main" showMasterSp="0" type="twoTxTwoObj" preserve="1">
   <p:cSld name="Comparison">
+    <p:bg>
+      <p:bgRef idx="1003">
+        <a:schemeClr val="bg1"/>
+      </p:bgRef>
+    </p:bg>
     <p:spTree>
       <p:nvGrpSpPr>
         <p:cNvPr id="1" name=""/>
@@ -1410,20 +2069,26 @@
             <p:ph type="title"/>
           </p:nvPr>
         </p:nvSpPr>
-        <p:spPr/>
-        <p:txBody>
-          <a:bodyPr/>
+        <p:spPr>
+          <a:xfrm>
+            <a:off x="457200" y="273050"/>
+            <a:ext cx="8229600" cy="1143000"/>
+          </a:xfrm>
+        </p:spPr>
+        <p:txBody>
+          <a:bodyPr anchor="ctr"/>
           <a:lstStyle>
             <a:lvl1pPr>
               <a:defRPr/>
             </a:lvl1pPr>
-          </a:lstStyle>
-          <a:p>
-            <a:r>
-              <a:rPr lang="en-US" smtClean="0"/>
+            <a:extLst/>
+          </a:lstStyle>
+          <a:p>
+            <a:r>
+              <a:rPr kumimoji="0" lang="en-US" smtClean="0"/>
               <a:t>Click to edit Master title style</a:t>
             </a:r>
-            <a:endParaRPr lang="en-US"/>
+            <a:endParaRPr kumimoji="0" lang="en-US"/>
           </a:p>
         </p:txBody>
       </p:sp>
@@ -1439,54 +2104,115 @@
         </p:nvSpPr>
         <p:spPr>
           <a:xfrm>
-            <a:off x="457200" y="1535113"/>
-            <a:ext cx="4040188" cy="639762"/>
+            <a:off x="457200" y="5410200"/>
+            <a:ext cx="4040188" cy="762000"/>
           </a:xfrm>
+          <a:solidFill>
+            <a:schemeClr val="accent1"/>
+          </a:solidFill>
+          <a:ln w="9652">
+            <a:solidFill>
+              <a:schemeClr val="accent1"/>
+            </a:solidFill>
+            <a:miter lim="800000"/>
+          </a:ln>
         </p:spPr>
         <p:txBody>
-          <a:bodyPr anchor="b"/>
+          <a:bodyPr lIns="182880" anchor="ctr"/>
           <a:lstStyle>
             <a:lvl1pPr marL="0" indent="0">
               <a:buNone/>
-              <a:defRPr sz="2400" b="1"/>
+              <a:defRPr sz="2400" b="0">
+                <a:solidFill>
+                  <a:schemeClr val="bg1"/>
+                </a:solidFill>
+              </a:defRPr>
             </a:lvl1pPr>
-            <a:lvl2pPr marL="457200" indent="0">
+            <a:lvl2pPr>
               <a:buNone/>
               <a:defRPr sz="2000" b="1"/>
             </a:lvl2pPr>
-            <a:lvl3pPr marL="914400" indent="0">
+            <a:lvl3pPr>
               <a:buNone/>
               <a:defRPr sz="1800" b="1"/>
             </a:lvl3pPr>
-            <a:lvl4pPr marL="1371600" indent="0">
+            <a:lvl4pPr>
               <a:buNone/>
               <a:defRPr sz="1600" b="1"/>
             </a:lvl4pPr>
-            <a:lvl5pPr marL="1828800" indent="0">
+            <a:lvl5pPr>
               <a:buNone/>
               <a:defRPr sz="1600" b="1"/>
             </a:lvl5pPr>
-            <a:lvl6pPr marL="2286000" indent="0">
+            <a:extLst/>
+          </a:lstStyle>
+          <a:p>
+            <a:pPr lvl="0" eaLnBrk="1" latinLnBrk="0" hangingPunct="1"/>
+            <a:r>
+              <a:rPr kumimoji="0" lang="en-US" smtClean="0"/>
+              <a:t>Click to edit Master text styles</a:t>
+            </a:r>
+          </a:p>
+        </p:txBody>
+      </p:sp>
+      <p:sp>
+        <p:nvSpPr>
+          <p:cNvPr id="4" name="Text Placeholder 3"/>
+          <p:cNvSpPr>
+            <a:spLocks noGrp="1"/>
+          </p:cNvSpPr>
+          <p:nvPr>
+            <p:ph type="body" sz="half" idx="3"/>
+          </p:nvPr>
+        </p:nvSpPr>
+        <p:spPr>
+          <a:xfrm>
+            <a:off x="4645026" y="5410200"/>
+            <a:ext cx="4041775" cy="762000"/>
+          </a:xfrm>
+          <a:solidFill>
+            <a:schemeClr val="accent1"/>
+          </a:solidFill>
+          <a:ln w="9652">
+            <a:solidFill>
+              <a:schemeClr val="accent1"/>
+            </a:solidFill>
+            <a:miter lim="800000"/>
+          </a:ln>
+        </p:spPr>
+        <p:txBody>
+          <a:bodyPr lIns="182880" anchor="ctr"/>
+          <a:lstStyle>
+            <a:lvl1pPr marL="0" indent="0">
+              <a:buNone/>
+              <a:defRPr sz="2400" b="0">
+                <a:solidFill>
+                  <a:schemeClr val="bg1"/>
+                </a:solidFill>
+              </a:defRPr>
+            </a:lvl1pPr>
+            <a:lvl2pPr>
+              <a:buNone/>
+              <a:defRPr sz="2000" b="1"/>
+            </a:lvl2pPr>
+            <a:lvl3pPr>
+              <a:buNone/>
+              <a:defRPr sz="1800" b="1"/>
+            </a:lvl3pPr>
+            <a:lvl4pPr>
               <a:buNone/>
               <a:defRPr sz="1600" b="1"/>
-            </a:lvl6pPr>
-            <a:lvl7pPr marL="2743200" indent="0">
+            </a:lvl4pPr>
+            <a:lvl5pPr>
               <a:buNone/>
               <a:defRPr sz="1600" b="1"/>
-            </a:lvl7pPr>
-            <a:lvl8pPr marL="3200400" indent="0">
-              <a:buNone/>
-              <a:defRPr sz="1600" b="1"/>
-            </a:lvl8pPr>
-            <a:lvl9pPr marL="3657600" indent="0">
-              <a:buNone/>
-              <a:defRPr sz="1600" b="1"/>
-            </a:lvl9pPr>
-          </a:lstStyle>
-          <a:p>
-            <a:pPr lvl="0"/>
-            <a:r>
-              <a:rPr lang="en-US" smtClean="0"/>
+            </a:lvl5pPr>
+            <a:extLst/>
+          </a:lstStyle>
+          <a:p>
+            <a:pPr lvl="0" eaLnBrk="1" latinLnBrk="0" hangingPunct="1"/>
+            <a:r>
+              <a:rPr kumimoji="0" lang="en-US" smtClean="0"/>
               <a:t>Click to edit Master text styles</a:t>
             </a:r>
           </a:p>
@@ -1494,19 +2220,24 @@
       </p:sp>
       <p:sp>
         <p:nvSpPr>
-          <p:cNvPr id="4" name="Content Placeholder 3"/>
-          <p:cNvSpPr>
-            <a:spLocks noGrp="1"/>
-          </p:cNvSpPr>
-          <p:nvPr>
-            <p:ph sz="half" idx="2"/>
+          <p:cNvPr id="5" name="Content Placeholder 4"/>
+          <p:cNvSpPr>
+            <a:spLocks noGrp="1"/>
+          </p:cNvSpPr>
+          <p:nvPr>
+            <p:ph sz="quarter" idx="2"/>
           </p:nvPr>
         </p:nvSpPr>
         <p:spPr>
           <a:xfrm>
-            <a:off x="457200" y="2174875"/>
-            <a:ext cx="4040188" cy="3951288"/>
+            <a:off x="457200" y="1444294"/>
+            <a:ext cx="4040188" cy="3941763"/>
           </a:xfrm>
+          <a:ln>
+            <a:noFill/>
+            <a:prstDash val="sysDash"/>
+            <a:miter lim="800000"/>
+          </a:ln>
         </p:spPr>
         <p:txBody>
           <a:bodyPr/>
@@ -1526,142 +2257,74 @@
             <a:lvl5pPr>
               <a:defRPr sz="1600"/>
             </a:lvl5pPr>
-            <a:lvl6pPr>
-              <a:defRPr sz="1600"/>
-            </a:lvl6pPr>
-            <a:lvl7pPr>
-              <a:defRPr sz="1600"/>
-            </a:lvl7pPr>
-            <a:lvl8pPr>
-              <a:defRPr sz="1600"/>
-            </a:lvl8pPr>
-            <a:lvl9pPr>
-              <a:defRPr sz="1600"/>
-            </a:lvl9pPr>
-          </a:lstStyle>
-          <a:p>
-            <a:pPr lvl="0"/>
+            <a:extLst/>
+          </a:lstStyle>
+          <a:p>
+            <a:pPr lvl="0" eaLnBrk="1" latinLnBrk="0" hangingPunct="1"/>
             <a:r>
               <a:rPr lang="en-US" smtClean="0"/>
               <a:t>Click to edit Master text styles</a:t>
             </a:r>
           </a:p>
           <a:p>
-            <a:pPr lvl="1"/>
+            <a:pPr lvl="1" eaLnBrk="1" latinLnBrk="0" hangingPunct="1"/>
             <a:r>
               <a:rPr lang="en-US" smtClean="0"/>
               <a:t>Second level</a:t>
             </a:r>
           </a:p>
           <a:p>
-            <a:pPr lvl="2"/>
+            <a:pPr lvl="2" eaLnBrk="1" latinLnBrk="0" hangingPunct="1"/>
             <a:r>
               <a:rPr lang="en-US" smtClean="0"/>
               <a:t>Third level</a:t>
             </a:r>
           </a:p>
           <a:p>
-            <a:pPr lvl="3"/>
+            <a:pPr lvl="3" eaLnBrk="1" latinLnBrk="0" hangingPunct="1"/>
             <a:r>
               <a:rPr lang="en-US" smtClean="0"/>
               <a:t>Fourth level</a:t>
             </a:r>
           </a:p>
           <a:p>
-            <a:pPr lvl="4"/>
+            <a:pPr lvl="4" eaLnBrk="1" latinLnBrk="0" hangingPunct="1"/>
             <a:r>
               <a:rPr lang="en-US" smtClean="0"/>
               <a:t>Fifth level</a:t>
             </a:r>
-            <a:endParaRPr lang="en-US"/>
-          </a:p>
-        </p:txBody>
-      </p:sp>
-      <p:sp>
-        <p:nvSpPr>
-          <p:cNvPr id="5" name="Text Placeholder 4"/>
-          <p:cNvSpPr>
-            <a:spLocks noGrp="1"/>
-          </p:cNvSpPr>
-          <p:nvPr>
-            <p:ph type="body" sz="quarter" idx="3"/>
+            <a:endParaRPr kumimoji="0" lang="en-US"/>
+          </a:p>
+        </p:txBody>
+      </p:sp>
+      <p:sp>
+        <p:nvSpPr>
+          <p:cNvPr id="6" name="Content Placeholder 5"/>
+          <p:cNvSpPr>
+            <a:spLocks noGrp="1"/>
+          </p:cNvSpPr>
+          <p:nvPr>
+            <p:ph sz="quarter" idx="4"/>
           </p:nvPr>
         </p:nvSpPr>
         <p:spPr>
           <a:xfrm>
-            <a:off x="4645025" y="1535113"/>
-            <a:ext cx="4041775" cy="639762"/>
+            <a:off x="4645025" y="1444294"/>
+            <a:ext cx="4041775" cy="3941763"/>
           </a:xfrm>
+          <a:ln>
+            <a:noFill/>
+            <a:prstDash val="sysDash"/>
+            <a:miter lim="800000"/>
+          </a:ln>
         </p:spPr>
         <p:txBody>
-          <a:bodyPr anchor="b"/>
-          <a:lstStyle>
-            <a:lvl1pPr marL="0" indent="0">
-              <a:buNone/>
-              <a:defRPr sz="2400" b="1"/>
-            </a:lvl1pPr>
-            <a:lvl2pPr marL="457200" indent="0">
-              <a:buNone/>
-              <a:defRPr sz="2000" b="1"/>
-            </a:lvl2pPr>
-            <a:lvl3pPr marL="914400" indent="0">
-              <a:buNone/>
-              <a:defRPr sz="1800" b="1"/>
-            </a:lvl3pPr>
-            <a:lvl4pPr marL="1371600" indent="0">
-              <a:buNone/>
-              <a:defRPr sz="1600" b="1"/>
-            </a:lvl4pPr>
-            <a:lvl5pPr marL="1828800" indent="0">
-              <a:buNone/>
-              <a:defRPr sz="1600" b="1"/>
-            </a:lvl5pPr>
-            <a:lvl6pPr marL="2286000" indent="0">
-              <a:buNone/>
-              <a:defRPr sz="1600" b="1"/>
-            </a:lvl6pPr>
-            <a:lvl7pPr marL="2743200" indent="0">
-              <a:buNone/>
-              <a:defRPr sz="1600" b="1"/>
-            </a:lvl7pPr>
-            <a:lvl8pPr marL="3200400" indent="0">
-              <a:buNone/>
-              <a:defRPr sz="1600" b="1"/>
-            </a:lvl8pPr>
-            <a:lvl9pPr marL="3657600" indent="0">
-              <a:buNone/>
-              <a:defRPr sz="1600" b="1"/>
-            </a:lvl9pPr>
-          </a:lstStyle>
-          <a:p>
-            <a:pPr lvl="0"/>
-            <a:r>
-              <a:rPr lang="en-US" smtClean="0"/>
-              <a:t>Click to edit Master text styles</a:t>
-            </a:r>
-          </a:p>
-        </p:txBody>
-      </p:sp>
-      <p:sp>
-        <p:nvSpPr>
-          <p:cNvPr id="6" name="Content Placeholder 5"/>
-          <p:cNvSpPr>
-            <a:spLocks noGrp="1"/>
-          </p:cNvSpPr>
-          <p:nvPr>
-            <p:ph sz="quarter" idx="4"/>
-          </p:nvPr>
-        </p:nvSpPr>
-        <p:spPr>
-          <a:xfrm>
-            <a:off x="4645025" y="2174875"/>
-            <a:ext cx="4041775" cy="3951288"/>
-          </a:xfrm>
-        </p:spPr>
-        <p:txBody>
           <a:bodyPr/>
           <a:lstStyle>
             <a:lvl1pPr>
+              <a:spcBef>
+                <a:spcPts val="0"/>
+              </a:spcBef>
               <a:defRPr sz="2400"/>
             </a:lvl1pPr>
             <a:lvl2pPr>
@@ -1676,54 +2339,43 @@
             <a:lvl5pPr>
               <a:defRPr sz="1600"/>
             </a:lvl5pPr>
-            <a:lvl6pPr>
-              <a:defRPr sz="1600"/>
-            </a:lvl6pPr>
-            <a:lvl7pPr>
-              <a:defRPr sz="1600"/>
-            </a:lvl7pPr>
-            <a:lvl8pPr>
-              <a:defRPr sz="1600"/>
-            </a:lvl8pPr>
-            <a:lvl9pPr>
-              <a:defRPr sz="1600"/>
-            </a:lvl9pPr>
-          </a:lstStyle>
-          <a:p>
-            <a:pPr lvl="0"/>
+            <a:extLst/>
+          </a:lstStyle>
+          <a:p>
+            <a:pPr lvl="0" eaLnBrk="1" latinLnBrk="0" hangingPunct="1"/>
             <a:r>
               <a:rPr lang="en-US" smtClean="0"/>
               <a:t>Click to edit Master text styles</a:t>
             </a:r>
           </a:p>
           <a:p>
-            <a:pPr lvl="1"/>
+            <a:pPr lvl="1" eaLnBrk="1" latinLnBrk="0" hangingPunct="1"/>
             <a:r>
               <a:rPr lang="en-US" smtClean="0"/>
               <a:t>Second level</a:t>
             </a:r>
           </a:p>
           <a:p>
-            <a:pPr lvl="2"/>
+            <a:pPr lvl="2" eaLnBrk="1" latinLnBrk="0" hangingPunct="1"/>
             <a:r>
               <a:rPr lang="en-US" smtClean="0"/>
               <a:t>Third level</a:t>
             </a:r>
           </a:p>
           <a:p>
-            <a:pPr lvl="3"/>
+            <a:pPr lvl="3" eaLnBrk="1" latinLnBrk="0" hangingPunct="1"/>
             <a:r>
               <a:rPr lang="en-US" smtClean="0"/>
               <a:t>Fourth level</a:t>
             </a:r>
           </a:p>
           <a:p>
-            <a:pPr lvl="4"/>
+            <a:pPr lvl="4" eaLnBrk="1" latinLnBrk="0" hangingPunct="1"/>
             <a:r>
               <a:rPr lang="en-US" smtClean="0"/>
               <a:t>Fifth level</a:t>
             </a:r>
-            <a:endParaRPr lang="en-US"/>
+            <a:endParaRPr kumimoji="0" lang="en-US"/>
           </a:p>
         </p:txBody>
       </p:sp>
@@ -1740,11 +2392,14 @@
         <p:spPr/>
         <p:txBody>
           <a:bodyPr/>
-          <a:lstStyle/>
+          <a:lstStyle>
+            <a:extLst/>
+          </a:lstStyle>
           <a:p>
             <a:fld id="{F08555C9-EF7E-4911-9E4E-4EA916DAA642}" type="datetimeFigureOut">
               <a:rPr lang="en-US" smtClean="0"/>
-              <a:t>10/28/2013</a:t>
+              <a:pPr/>
+              <a:t>11/4/2013</a:t>
             </a:fld>
             <a:endParaRPr lang="en-US"/>
           </a:p>
@@ -1763,7 +2418,9 @@
         <p:spPr/>
         <p:txBody>
           <a:bodyPr/>
-          <a:lstStyle/>
+          <a:lstStyle>
+            <a:extLst/>
+          </a:lstStyle>
           <a:p>
             <a:endParaRPr lang="en-US"/>
           </a:p>
@@ -1782,10 +2439,13 @@
         <p:spPr/>
         <p:txBody>
           <a:bodyPr/>
-          <a:lstStyle/>
+          <a:lstStyle>
+            <a:extLst/>
+          </a:lstStyle>
           <a:p>
             <a:fld id="{E08B0571-F7F5-476B-BCA4-0951EFAF2FF0}" type="slidenum">
               <a:rPr lang="en-US" smtClean="0"/>
+              <a:pPr/>
               <a:t>‹#›</a:t>
             </a:fld>
             <a:endParaRPr lang="en-US"/>
@@ -1795,7 +2455,7 @@
     </p:spTree>
   </p:cSld>
   <p:clrMapOvr>
-    <a:masterClrMapping/>
+    <a:overrideClrMapping bg1="lt1" tx1="dk1" bg2="lt2" tx2="dk2" accent1="accent1" accent2="accent2" accent3="accent3" accent4="accent4" accent5="accent5" accent6="accent6" hlink="hlink" folHlink="folHlink"/>
   </p:clrMapOvr>
 </p:sldLayout>
 </file>
@@ -1803,6 +2463,11 @@
 <file path=ppt/slideLayouts/slideLayout6.xml><?xml version="1.0" encoding="utf-8"?>
 <p:sldLayout xmlns:a="http://schemas.openxmlformats.org/drawingml/2006/main" xmlns:r="http://schemas.openxmlformats.org/officeDocument/2006/relationships" xmlns:p="http://schemas.openxmlformats.org/presentationml/2006/main" type="titleOnly" preserve="1">
   <p:cSld name="Title Only">
+    <p:bg>
+      <p:bgRef idx="1002">
+        <a:schemeClr val="bg1"/>
+      </p:bgRef>
+    </p:bg>
     <p:spTree>
       <p:nvGrpSpPr>
         <p:cNvPr id="1" name=""/>
@@ -1819,45 +2484,25 @@
       </p:grpSpPr>
       <p:sp>
         <p:nvSpPr>
-          <p:cNvPr id="2" name="Title 1"/>
-          <p:cNvSpPr>
-            <a:spLocks noGrp="1"/>
-          </p:cNvSpPr>
-          <p:nvPr>
-            <p:ph type="title"/>
+          <p:cNvPr id="3" name="Date Placeholder 2"/>
+          <p:cNvSpPr>
+            <a:spLocks noGrp="1"/>
+          </p:cNvSpPr>
+          <p:nvPr>
+            <p:ph type="dt" sz="half" idx="10"/>
           </p:nvPr>
         </p:nvSpPr>
         <p:spPr/>
         <p:txBody>
           <a:bodyPr/>
-          <a:lstStyle/>
-          <a:p>
-            <a:r>
-              <a:rPr lang="en-US" smtClean="0"/>
-              <a:t>Click to edit Master title style</a:t>
-            </a:r>
-            <a:endParaRPr lang="en-US"/>
-          </a:p>
-        </p:txBody>
-      </p:sp>
-      <p:sp>
-        <p:nvSpPr>
-          <p:cNvPr id="3" name="Date Placeholder 2"/>
-          <p:cNvSpPr>
-            <a:spLocks noGrp="1"/>
-          </p:cNvSpPr>
-          <p:nvPr>
-            <p:ph type="dt" sz="half" idx="10"/>
-          </p:nvPr>
-        </p:nvSpPr>
-        <p:spPr/>
-        <p:txBody>
-          <a:bodyPr/>
-          <a:lstStyle/>
+          <a:lstStyle>
+            <a:extLst/>
+          </a:lstStyle>
           <a:p>
             <a:fld id="{F08555C9-EF7E-4911-9E4E-4EA916DAA642}" type="datetimeFigureOut">
               <a:rPr lang="en-US" smtClean="0"/>
-              <a:t>10/28/2013</a:t>
+              <a:pPr/>
+              <a:t>11/4/2013</a:t>
             </a:fld>
             <a:endParaRPr lang="en-US"/>
           </a:p>
@@ -1876,7 +2521,9 @@
         <p:spPr/>
         <p:txBody>
           <a:bodyPr/>
-          <a:lstStyle/>
+          <a:lstStyle>
+            <a:extLst/>
+          </a:lstStyle>
           <a:p>
             <a:endParaRPr lang="en-US"/>
           </a:p>
@@ -1895,20 +2542,48 @@
         <p:spPr/>
         <p:txBody>
           <a:bodyPr/>
-          <a:lstStyle/>
+          <a:lstStyle>
+            <a:extLst/>
+          </a:lstStyle>
           <a:p>
             <a:fld id="{E08B0571-F7F5-476B-BCA4-0951EFAF2FF0}" type="slidenum">
               <a:rPr lang="en-US" smtClean="0"/>
+              <a:pPr/>
               <a:t>‹#›</a:t>
             </a:fld>
             <a:endParaRPr lang="en-US"/>
           </a:p>
         </p:txBody>
       </p:sp>
+      <p:sp>
+        <p:nvSpPr>
+          <p:cNvPr id="6" name="Title 5"/>
+          <p:cNvSpPr>
+            <a:spLocks noGrp="1"/>
+          </p:cNvSpPr>
+          <p:nvPr>
+            <p:ph type="title"/>
+          </p:nvPr>
+        </p:nvSpPr>
+        <p:spPr/>
+        <p:txBody>
+          <a:bodyPr rtlCol="0"/>
+          <a:lstStyle>
+            <a:extLst/>
+          </a:lstStyle>
+          <a:p>
+            <a:r>
+              <a:rPr kumimoji="0" lang="en-US" smtClean="0"/>
+              <a:t>Click to edit Master title style</a:t>
+            </a:r>
+            <a:endParaRPr kumimoji="0" lang="en-US"/>
+          </a:p>
+        </p:txBody>
+      </p:sp>
     </p:spTree>
   </p:cSld>
   <p:clrMapOvr>
-    <a:masterClrMapping/>
+    <a:overrideClrMapping bg1="dk1" tx1="lt1" bg2="dk2" tx2="lt2" accent1="accent1" accent2="accent2" accent3="accent3" accent4="accent4" accent5="accent5" accent6="accent6" hlink="hlink" folHlink="folHlink"/>
   </p:clrMapOvr>
 </p:sldLayout>
 </file>
@@ -1943,11 +2618,14 @@
         <p:spPr/>
         <p:txBody>
           <a:bodyPr/>
-          <a:lstStyle/>
+          <a:lstStyle>
+            <a:extLst/>
+          </a:lstStyle>
           <a:p>
             <a:fld id="{F08555C9-EF7E-4911-9E4E-4EA916DAA642}" type="datetimeFigureOut">
               <a:rPr lang="en-US" smtClean="0"/>
-              <a:t>10/28/2013</a:t>
+              <a:pPr/>
+              <a:t>11/4/2013</a:t>
             </a:fld>
             <a:endParaRPr lang="en-US"/>
           </a:p>
@@ -1966,7 +2644,9 @@
         <p:spPr/>
         <p:txBody>
           <a:bodyPr/>
-          <a:lstStyle/>
+          <a:lstStyle>
+            <a:extLst/>
+          </a:lstStyle>
           <a:p>
             <a:endParaRPr lang="en-US"/>
           </a:p>
@@ -1985,10 +2665,13 @@
         <p:spPr/>
         <p:txBody>
           <a:bodyPr/>
-          <a:lstStyle/>
+          <a:lstStyle>
+            <a:extLst/>
+          </a:lstStyle>
           <a:p>
             <a:fld id="{E08B0571-F7F5-476B-BCA4-0951EFAF2FF0}" type="slidenum">
               <a:rPr lang="en-US" smtClean="0"/>
+              <a:pPr/>
               <a:t>‹#›</a:t>
             </a:fld>
             <a:endParaRPr lang="en-US"/>
@@ -2004,8 +2687,13 @@
 </file>
 
 <file path=ppt/slideLayouts/slideLayout8.xml><?xml version="1.0" encoding="utf-8"?>
-<p:sldLayout xmlns:a="http://schemas.openxmlformats.org/drawingml/2006/main" xmlns:r="http://schemas.openxmlformats.org/officeDocument/2006/relationships" xmlns:p="http://schemas.openxmlformats.org/presentationml/2006/main" type="objTx" preserve="1">
+<p:sldLayout xmlns:a="http://schemas.openxmlformats.org/drawingml/2006/main" xmlns:r="http://schemas.openxmlformats.org/officeDocument/2006/relationships" xmlns:p="http://schemas.openxmlformats.org/presentationml/2006/main" showMasterSp="0" type="objTx" preserve="1">
   <p:cSld name="Content with Caption">
+    <p:bg>
+      <p:bgRef idx="1003">
+        <a:schemeClr val="bg1"/>
+      </p:bgRef>
+    </p:bg>
     <p:spTree>
       <p:nvGrpSpPr>
         <p:cNvPr id="1" name=""/>
@@ -2032,40 +2720,102 @@
         </p:nvSpPr>
         <p:spPr>
           <a:xfrm>
-            <a:off x="457200" y="273050"/>
-            <a:ext cx="3008313" cy="1162050"/>
+            <a:off x="914400" y="4876800"/>
+            <a:ext cx="7481776" cy="457200"/>
           </a:xfrm>
         </p:spPr>
         <p:txBody>
-          <a:bodyPr anchor="b"/>
-          <a:lstStyle>
-            <a:lvl1pPr algn="l">
-              <a:defRPr sz="2000" b="1"/>
+          <a:bodyPr vert="horz" anchor="t">
+            <a:noAutofit/>
+            <a:sp3d prstMaterial="softEdge">
+              <a:bevelT w="0" h="0"/>
+            </a:sp3d>
+          </a:bodyPr>
+          <a:lstStyle>
+            <a:lvl1pPr algn="r">
+              <a:buNone/>
+              <a:defRPr sz="2500" b="0">
+                <a:solidFill>
+                  <a:schemeClr val="accent1"/>
+                </a:solidFill>
+                <a:effectLst/>
+              </a:defRPr>
             </a:lvl1pPr>
-          </a:lstStyle>
-          <a:p>
-            <a:r>
-              <a:rPr lang="en-US" smtClean="0"/>
+            <a:extLst/>
+          </a:lstStyle>
+          <a:p>
+            <a:r>
+              <a:rPr kumimoji="0" lang="en-US" smtClean="0"/>
               <a:t>Click to edit Master title style</a:t>
             </a:r>
-            <a:endParaRPr lang="en-US"/>
-          </a:p>
-        </p:txBody>
-      </p:sp>
-      <p:sp>
-        <p:nvSpPr>
-          <p:cNvPr id="3" name="Content Placeholder 2"/>
-          <p:cNvSpPr>
-            <a:spLocks noGrp="1"/>
-          </p:cNvSpPr>
-          <p:nvPr>
-            <p:ph idx="1"/>
+            <a:endParaRPr kumimoji="0" lang="en-US"/>
+          </a:p>
+        </p:txBody>
+      </p:sp>
+      <p:sp>
+        <p:nvSpPr>
+          <p:cNvPr id="3" name="Text Placeholder 2"/>
+          <p:cNvSpPr>
+            <a:spLocks noGrp="1"/>
+          </p:cNvSpPr>
+          <p:nvPr>
+            <p:ph type="body" idx="2"/>
           </p:nvPr>
         </p:nvSpPr>
         <p:spPr>
           <a:xfrm>
-            <a:off x="3575050" y="273050"/>
-            <a:ext cx="5111750" cy="5853113"/>
+            <a:off x="4419600" y="5355102"/>
+            <a:ext cx="3974592" cy="914400"/>
+          </a:xfrm>
+        </p:spPr>
+        <p:txBody>
+          <a:bodyPr/>
+          <a:lstStyle>
+            <a:lvl1pPr marL="0" indent="0" algn="r">
+              <a:buNone/>
+              <a:defRPr sz="1600"/>
+            </a:lvl1pPr>
+            <a:lvl2pPr>
+              <a:buNone/>
+              <a:defRPr sz="1200"/>
+            </a:lvl2pPr>
+            <a:lvl3pPr>
+              <a:buNone/>
+              <a:defRPr sz="1000"/>
+            </a:lvl3pPr>
+            <a:lvl4pPr>
+              <a:buNone/>
+              <a:defRPr sz="900"/>
+            </a:lvl4pPr>
+            <a:lvl5pPr>
+              <a:buNone/>
+              <a:defRPr sz="900"/>
+            </a:lvl5pPr>
+            <a:extLst/>
+          </a:lstStyle>
+          <a:p>
+            <a:pPr lvl="0" eaLnBrk="1" latinLnBrk="0" hangingPunct="1"/>
+            <a:r>
+              <a:rPr kumimoji="0" lang="en-US" smtClean="0"/>
+              <a:t>Click to edit Master text styles</a:t>
+            </a:r>
+          </a:p>
+        </p:txBody>
+      </p:sp>
+      <p:sp>
+        <p:nvSpPr>
+          <p:cNvPr id="4" name="Content Placeholder 3"/>
+          <p:cNvSpPr>
+            <a:spLocks noGrp="1"/>
+          </p:cNvSpPr>
+          <p:nvPr>
+            <p:ph sz="half" idx="1"/>
+          </p:nvPr>
+        </p:nvSpPr>
+        <p:spPr>
+          <a:xfrm>
+            <a:off x="914400" y="274320"/>
+            <a:ext cx="7479792" cy="4572000"/>
           </a:xfrm>
         </p:spPr>
         <p:txBody>
@@ -2086,140 +2836,72 @@
             <a:lvl5pPr>
               <a:defRPr sz="2000"/>
             </a:lvl5pPr>
-            <a:lvl6pPr>
-              <a:defRPr sz="2000"/>
-            </a:lvl6pPr>
-            <a:lvl7pPr>
-              <a:defRPr sz="2000"/>
-            </a:lvl7pPr>
-            <a:lvl8pPr>
-              <a:defRPr sz="2000"/>
-            </a:lvl8pPr>
-            <a:lvl9pPr>
-              <a:defRPr sz="2000"/>
-            </a:lvl9pPr>
-          </a:lstStyle>
-          <a:p>
-            <a:pPr lvl="0"/>
+            <a:extLst/>
+          </a:lstStyle>
+          <a:p>
+            <a:pPr lvl="0" eaLnBrk="1" latinLnBrk="0" hangingPunct="1"/>
             <a:r>
               <a:rPr lang="en-US" smtClean="0"/>
               <a:t>Click to edit Master text styles</a:t>
             </a:r>
           </a:p>
           <a:p>
-            <a:pPr lvl="1"/>
+            <a:pPr lvl="1" eaLnBrk="1" latinLnBrk="0" hangingPunct="1"/>
             <a:r>
               <a:rPr lang="en-US" smtClean="0"/>
               <a:t>Second level</a:t>
             </a:r>
           </a:p>
           <a:p>
-            <a:pPr lvl="2"/>
+            <a:pPr lvl="2" eaLnBrk="1" latinLnBrk="0" hangingPunct="1"/>
             <a:r>
               <a:rPr lang="en-US" smtClean="0"/>
               <a:t>Third level</a:t>
             </a:r>
           </a:p>
           <a:p>
-            <a:pPr lvl="3"/>
+            <a:pPr lvl="3" eaLnBrk="1" latinLnBrk="0" hangingPunct="1"/>
             <a:r>
               <a:rPr lang="en-US" smtClean="0"/>
               <a:t>Fourth level</a:t>
             </a:r>
           </a:p>
           <a:p>
-            <a:pPr lvl="4"/>
+            <a:pPr lvl="4" eaLnBrk="1" latinLnBrk="0" hangingPunct="1"/>
             <a:r>
               <a:rPr lang="en-US" smtClean="0"/>
               <a:t>Fifth level</a:t>
             </a:r>
-            <a:endParaRPr lang="en-US"/>
-          </a:p>
-        </p:txBody>
-      </p:sp>
-      <p:sp>
-        <p:nvSpPr>
-          <p:cNvPr id="4" name="Text Placeholder 3"/>
-          <p:cNvSpPr>
-            <a:spLocks noGrp="1"/>
-          </p:cNvSpPr>
-          <p:nvPr>
-            <p:ph type="body" sz="half" idx="2"/>
+            <a:endParaRPr kumimoji="0" lang="en-US"/>
+          </a:p>
+        </p:txBody>
+      </p:sp>
+      <p:sp>
+        <p:nvSpPr>
+          <p:cNvPr id="5" name="Date Placeholder 4"/>
+          <p:cNvSpPr>
+            <a:spLocks noGrp="1"/>
+          </p:cNvSpPr>
+          <p:nvPr>
+            <p:ph type="dt" sz="half" idx="10"/>
           </p:nvPr>
         </p:nvSpPr>
         <p:spPr>
           <a:xfrm>
-            <a:off x="457200" y="1435100"/>
-            <a:ext cx="3008313" cy="4691063"/>
+            <a:off x="6727032" y="6407944"/>
+            <a:ext cx="1920240" cy="365760"/>
           </a:xfrm>
         </p:spPr>
         <p:txBody>
           <a:bodyPr/>
           <a:lstStyle>
-            <a:lvl1pPr marL="0" indent="0">
-              <a:buNone/>
-              <a:defRPr sz="1400"/>
-            </a:lvl1pPr>
-            <a:lvl2pPr marL="457200" indent="0">
-              <a:buNone/>
-              <a:defRPr sz="1200"/>
-            </a:lvl2pPr>
-            <a:lvl3pPr marL="914400" indent="0">
-              <a:buNone/>
-              <a:defRPr sz="1000"/>
-            </a:lvl3pPr>
-            <a:lvl4pPr marL="1371600" indent="0">
-              <a:buNone/>
-              <a:defRPr sz="900"/>
-            </a:lvl4pPr>
-            <a:lvl5pPr marL="1828800" indent="0">
-              <a:buNone/>
-              <a:defRPr sz="900"/>
-            </a:lvl5pPr>
-            <a:lvl6pPr marL="2286000" indent="0">
-              <a:buNone/>
-              <a:defRPr sz="900"/>
-            </a:lvl6pPr>
-            <a:lvl7pPr marL="2743200" indent="0">
-              <a:buNone/>
-              <a:defRPr sz="900"/>
-            </a:lvl7pPr>
-            <a:lvl8pPr marL="3200400" indent="0">
-              <a:buNone/>
-              <a:defRPr sz="900"/>
-            </a:lvl8pPr>
-            <a:lvl9pPr marL="3657600" indent="0">
-              <a:buNone/>
-              <a:defRPr sz="900"/>
-            </a:lvl9pPr>
-          </a:lstStyle>
-          <a:p>
-            <a:pPr lvl="0"/>
-            <a:r>
-              <a:rPr lang="en-US" smtClean="0"/>
-              <a:t>Click to edit Master text styles</a:t>
-            </a:r>
-          </a:p>
-        </p:txBody>
-      </p:sp>
-      <p:sp>
-        <p:nvSpPr>
-          <p:cNvPr id="5" name="Date Placeholder 4"/>
-          <p:cNvSpPr>
-            <a:spLocks noGrp="1"/>
-          </p:cNvSpPr>
-          <p:nvPr>
-            <p:ph type="dt" sz="half" idx="10"/>
-          </p:nvPr>
-        </p:nvSpPr>
-        <p:spPr/>
-        <p:txBody>
-          <a:bodyPr/>
-          <a:lstStyle/>
+            <a:extLst/>
+          </a:lstStyle>
           <a:p>
             <a:fld id="{F08555C9-EF7E-4911-9E4E-4EA916DAA642}" type="datetimeFigureOut">
               <a:rPr lang="en-US" smtClean="0"/>
-              <a:t>10/28/2013</a:t>
+              <a:pPr/>
+              <a:t>11/4/2013</a:t>
             </a:fld>
             <a:endParaRPr lang="en-US"/>
           </a:p>
@@ -2238,7 +2920,9 @@
         <p:spPr/>
         <p:txBody>
           <a:bodyPr/>
-          <a:lstStyle/>
+          <a:lstStyle>
+            <a:extLst/>
+          </a:lstStyle>
           <a:p>
             <a:endParaRPr lang="en-US"/>
           </a:p>
@@ -2257,10 +2941,13 @@
         <p:spPr/>
         <p:txBody>
           <a:bodyPr/>
-          <a:lstStyle/>
+          <a:lstStyle>
+            <a:extLst/>
+          </a:lstStyle>
           <a:p>
             <a:fld id="{E08B0571-F7F5-476B-BCA4-0951EFAF2FF0}" type="slidenum">
               <a:rPr lang="en-US" smtClean="0"/>
+              <a:pPr/>
               <a:t>‹#›</a:t>
             </a:fld>
             <a:endParaRPr lang="en-US"/>
@@ -2270,14 +2957,19 @@
     </p:spTree>
   </p:cSld>
   <p:clrMapOvr>
-    <a:masterClrMapping/>
+    <a:overrideClrMapping bg1="lt1" tx1="dk1" bg2="lt2" tx2="dk2" accent1="accent1" accent2="accent2" accent3="accent3" accent4="accent4" accent5="accent5" accent6="accent6" hlink="hlink" folHlink="folHlink"/>
   </p:clrMapOvr>
 </p:sldLayout>
 </file>
 
 <file path=ppt/slideLayouts/slideLayout9.xml><?xml version="1.0" encoding="utf-8"?>
-<p:sldLayout xmlns:a="http://schemas.openxmlformats.org/drawingml/2006/main" xmlns:r="http://schemas.openxmlformats.org/officeDocument/2006/relationships" xmlns:p="http://schemas.openxmlformats.org/presentationml/2006/main" type="picTx" preserve="1">
+<p:sldLayout xmlns:a="http://schemas.openxmlformats.org/drawingml/2006/main" xmlns:r="http://schemas.openxmlformats.org/officeDocument/2006/relationships" xmlns:p="http://schemas.openxmlformats.org/presentationml/2006/main" showMasterSp="0" type="picTx" preserve="1">
   <p:cSld name="Picture with Caption">
+    <p:bg>
+      <p:bgRef idx="1002">
+        <a:schemeClr val="bg1"/>
+      </p:bgRef>
+    </p:bg>
     <p:spTree>
       <p:nvGrpSpPr>
         <p:cNvPr id="1" name=""/>
@@ -2294,33 +2986,48 @@
       </p:grpSpPr>
       <p:sp>
         <p:nvSpPr>
-          <p:cNvPr id="2" name="Title 1"/>
-          <p:cNvSpPr>
-            <a:spLocks noGrp="1"/>
-          </p:cNvSpPr>
-          <p:nvPr>
-            <p:ph type="title"/>
+          <p:cNvPr id="4" name="Text Placeholder 3"/>
+          <p:cNvSpPr>
+            <a:spLocks noGrp="1"/>
+          </p:cNvSpPr>
+          <p:nvPr>
+            <p:ph type="body" sz="half" idx="2"/>
           </p:nvPr>
         </p:nvSpPr>
         <p:spPr>
           <a:xfrm>
-            <a:off x="1792288" y="4800600"/>
-            <a:ext cx="5486400" cy="566738"/>
+            <a:off x="1141232" y="5443402"/>
+            <a:ext cx="7162800" cy="648232"/>
           </a:xfrm>
+          <a:noFill/>
         </p:spPr>
         <p:txBody>
-          <a:bodyPr anchor="b"/>
-          <a:lstStyle>
-            <a:lvl1pPr algn="l">
-              <a:defRPr sz="2000" b="1"/>
+          <a:bodyPr lIns="91440" tIns="0" rIns="91440" anchor="t"/>
+          <a:lstStyle>
+            <a:lvl1pPr marL="0" marR="18288" indent="0" algn="r">
+              <a:buNone/>
+              <a:defRPr sz="1400"/>
             </a:lvl1pPr>
-          </a:lstStyle>
-          <a:p>
-            <a:r>
-              <a:rPr lang="en-US" smtClean="0"/>
-              <a:t>Click to edit Master title style</a:t>
-            </a:r>
-            <a:endParaRPr lang="en-US"/>
+            <a:lvl2pPr>
+              <a:defRPr sz="1200"/>
+            </a:lvl2pPr>
+            <a:lvl3pPr>
+              <a:defRPr sz="1000"/>
+            </a:lvl3pPr>
+            <a:lvl4pPr>
+              <a:defRPr sz="900"/>
+            </a:lvl4pPr>
+            <a:lvl5pPr>
+              <a:defRPr sz="900"/>
+            </a:lvl5pPr>
+            <a:extLst/>
+          </a:lstStyle>
+          <a:p>
+            <a:pPr lvl="0" eaLnBrk="1" latinLnBrk="0" hangingPunct="1"/>
+            <a:r>
+              <a:rPr kumimoji="0" lang="en-US" smtClean="0"/>
+              <a:t>Click to edit Master text styles</a:t>
+            </a:r>
           </a:p>
         </p:txBody>
       </p:sp>
@@ -2336,9 +3043,25 @@
         </p:nvSpPr>
         <p:spPr>
           <a:xfrm>
-            <a:off x="1792288" y="612775"/>
-            <a:ext cx="5486400" cy="4114800"/>
+            <a:off x="228600" y="189968"/>
+            <a:ext cx="8686800" cy="4389120"/>
           </a:xfrm>
+          <a:prstGeom prst="rect">
+            <a:avLst/>
+          </a:prstGeom>
+          <a:solidFill>
+            <a:schemeClr val="bg2"/>
+          </a:solidFill>
+          <a:ln>
+            <a:solidFill>
+              <a:schemeClr val="bg1"/>
+            </a:solidFill>
+          </a:ln>
+          <a:effectLst>
+            <a:innerShdw blurRad="95250">
+              <a:srgbClr val="000000"/>
+            </a:innerShdw>
+          </a:effectLst>
         </p:spPr>
         <p:txBody>
           <a:bodyPr/>
@@ -2347,178 +3070,658 @@
               <a:buNone/>
               <a:defRPr sz="3200"/>
             </a:lvl1pPr>
-            <a:lvl2pPr marL="457200" indent="0">
-              <a:buNone/>
-              <a:defRPr sz="2800"/>
-            </a:lvl2pPr>
-            <a:lvl3pPr marL="914400" indent="0">
-              <a:buNone/>
-              <a:defRPr sz="2400"/>
-            </a:lvl3pPr>
-            <a:lvl4pPr marL="1371600" indent="0">
-              <a:buNone/>
-              <a:defRPr sz="2000"/>
-            </a:lvl4pPr>
-            <a:lvl5pPr marL="1828800" indent="0">
-              <a:buNone/>
-              <a:defRPr sz="2000"/>
-            </a:lvl5pPr>
-            <a:lvl6pPr marL="2286000" indent="0">
-              <a:buNone/>
-              <a:defRPr sz="2000"/>
-            </a:lvl6pPr>
-            <a:lvl7pPr marL="2743200" indent="0">
-              <a:buNone/>
-              <a:defRPr sz="2000"/>
-            </a:lvl7pPr>
-            <a:lvl8pPr marL="3200400" indent="0">
-              <a:buNone/>
-              <a:defRPr sz="2000"/>
-            </a:lvl8pPr>
-            <a:lvl9pPr marL="3657600" indent="0">
-              <a:buNone/>
-              <a:defRPr sz="2000"/>
-            </a:lvl9pPr>
-          </a:lstStyle>
-          <a:p>
+            <a:extLst/>
+          </a:lstStyle>
+          <a:p>
+            <a:r>
+              <a:rPr kumimoji="0" lang="en-US" smtClean="0"/>
+              <a:t>Click icon to add picture</a:t>
+            </a:r>
+            <a:endParaRPr kumimoji="0" lang="en-US" dirty="0"/>
+          </a:p>
+        </p:txBody>
+      </p:sp>
+      <p:sp>
+        <p:nvSpPr>
+          <p:cNvPr id="5" name="Date Placeholder 4"/>
+          <p:cNvSpPr>
+            <a:spLocks noGrp="1"/>
+          </p:cNvSpPr>
+          <p:nvPr>
+            <p:ph type="dt" sz="half" idx="10"/>
+          </p:nvPr>
+        </p:nvSpPr>
+        <p:spPr/>
+        <p:txBody>
+          <a:bodyPr/>
+          <a:lstStyle>
+            <a:lvl1pPr>
+              <a:defRPr>
+                <a:solidFill>
+                  <a:schemeClr val="tx1"/>
+                </a:solidFill>
+              </a:defRPr>
+            </a:lvl1pPr>
+            <a:extLst/>
+          </a:lstStyle>
+          <a:p>
+            <a:fld id="{F08555C9-EF7E-4911-9E4E-4EA916DAA642}" type="datetimeFigureOut">
+              <a:rPr lang="en-US" smtClean="0"/>
+              <a:pPr/>
+              <a:t>11/4/2013</a:t>
+            </a:fld>
             <a:endParaRPr lang="en-US"/>
           </a:p>
         </p:txBody>
       </p:sp>
       <p:sp>
         <p:nvSpPr>
-          <p:cNvPr id="4" name="Text Placeholder 3"/>
-          <p:cNvSpPr>
-            <a:spLocks noGrp="1"/>
-          </p:cNvSpPr>
-          <p:nvPr>
-            <p:ph type="body" sz="half" idx="2"/>
+          <p:cNvPr id="6" name="Footer Placeholder 5"/>
+          <p:cNvSpPr>
+            <a:spLocks noGrp="1"/>
+          </p:cNvSpPr>
+          <p:nvPr>
+            <p:ph type="ftr" sz="quarter" idx="11"/>
           </p:nvPr>
         </p:nvSpPr>
         <p:spPr>
           <a:xfrm>
-            <a:off x="1792288" y="5367338"/>
-            <a:ext cx="5486400" cy="804862"/>
+            <a:off x="4380072" y="6407944"/>
+            <a:ext cx="2350681" cy="365125"/>
           </a:xfrm>
         </p:spPr>
         <p:txBody>
           <a:bodyPr/>
           <a:lstStyle>
-            <a:lvl1pPr marL="0" indent="0">
-              <a:buNone/>
-              <a:defRPr sz="1400"/>
+            <a:lvl1pPr>
+              <a:defRPr>
+                <a:solidFill>
+                  <a:schemeClr val="tx1"/>
+                </a:solidFill>
+              </a:defRPr>
             </a:lvl1pPr>
-            <a:lvl2pPr marL="457200" indent="0">
-              <a:buNone/>
-              <a:defRPr sz="1200"/>
-            </a:lvl2pPr>
-            <a:lvl3pPr marL="914400" indent="0">
-              <a:buNone/>
-              <a:defRPr sz="1000"/>
-            </a:lvl3pPr>
-            <a:lvl4pPr marL="1371600" indent="0">
-              <a:buNone/>
-              <a:defRPr sz="900"/>
-            </a:lvl4pPr>
-            <a:lvl5pPr marL="1828800" indent="0">
-              <a:buNone/>
-              <a:defRPr sz="900"/>
-            </a:lvl5pPr>
-            <a:lvl6pPr marL="2286000" indent="0">
-              <a:buNone/>
-              <a:defRPr sz="900"/>
-            </a:lvl6pPr>
-            <a:lvl7pPr marL="2743200" indent="0">
-              <a:buNone/>
-              <a:defRPr sz="900"/>
-            </a:lvl7pPr>
-            <a:lvl8pPr marL="3200400" indent="0">
-              <a:buNone/>
-              <a:defRPr sz="900"/>
-            </a:lvl8pPr>
-            <a:lvl9pPr marL="3657600" indent="0">
-              <a:buNone/>
-              <a:defRPr sz="900"/>
-            </a:lvl9pPr>
-          </a:lstStyle>
-          <a:p>
-            <a:pPr lvl="0"/>
-            <a:r>
-              <a:rPr lang="en-US" smtClean="0"/>
-              <a:t>Click to edit Master text styles</a:t>
-            </a:r>
-          </a:p>
-        </p:txBody>
-      </p:sp>
-      <p:sp>
-        <p:nvSpPr>
-          <p:cNvPr id="5" name="Date Placeholder 4"/>
-          <p:cNvSpPr>
-            <a:spLocks noGrp="1"/>
-          </p:cNvSpPr>
-          <p:nvPr>
-            <p:ph type="dt" sz="half" idx="10"/>
+            <a:extLst/>
+          </a:lstStyle>
+          <a:p>
+            <a:endParaRPr lang="en-US"/>
+          </a:p>
+        </p:txBody>
+      </p:sp>
+      <p:sp>
+        <p:nvSpPr>
+          <p:cNvPr id="7" name="Slide Number Placeholder 6"/>
+          <p:cNvSpPr>
+            <a:spLocks noGrp="1"/>
+          </p:cNvSpPr>
+          <p:nvPr>
+            <p:ph type="sldNum" sz="quarter" idx="12"/>
           </p:nvPr>
         </p:nvSpPr>
         <p:spPr/>
         <p:txBody>
           <a:bodyPr/>
-          <a:lstStyle/>
-          <a:p>
-            <a:fld id="{F08555C9-EF7E-4911-9E4E-4EA916DAA642}" type="datetimeFigureOut">
-              <a:rPr lang="en-US" smtClean="0"/>
-              <a:t>10/28/2013</a:t>
-            </a:fld>
-            <a:endParaRPr lang="en-US"/>
-          </a:p>
-        </p:txBody>
-      </p:sp>
-      <p:sp>
-        <p:nvSpPr>
-          <p:cNvPr id="6" name="Footer Placeholder 5"/>
-          <p:cNvSpPr>
-            <a:spLocks noGrp="1"/>
-          </p:cNvSpPr>
-          <p:nvPr>
-            <p:ph type="ftr" sz="quarter" idx="11"/>
-          </p:nvPr>
-        </p:nvSpPr>
-        <p:spPr/>
-        <p:txBody>
-          <a:bodyPr/>
-          <a:lstStyle/>
-          <a:p>
-            <a:endParaRPr lang="en-US"/>
-          </a:p>
-        </p:txBody>
-      </p:sp>
-      <p:sp>
-        <p:nvSpPr>
-          <p:cNvPr id="7" name="Slide Number Placeholder 6"/>
-          <p:cNvSpPr>
-            <a:spLocks noGrp="1"/>
-          </p:cNvSpPr>
-          <p:nvPr>
-            <p:ph type="sldNum" sz="quarter" idx="12"/>
-          </p:nvPr>
-        </p:nvSpPr>
-        <p:spPr/>
-        <p:txBody>
-          <a:bodyPr/>
-          <a:lstStyle/>
+          <a:lstStyle>
+            <a:lvl1pPr>
+              <a:defRPr>
+                <a:solidFill>
+                  <a:schemeClr val="tx1"/>
+                </a:solidFill>
+              </a:defRPr>
+            </a:lvl1pPr>
+            <a:extLst/>
+          </a:lstStyle>
           <a:p>
             <a:fld id="{E08B0571-F7F5-476B-BCA4-0951EFAF2FF0}" type="slidenum">
               <a:rPr lang="en-US" smtClean="0"/>
+              <a:pPr/>
               <a:t>‹#›</a:t>
             </a:fld>
             <a:endParaRPr lang="en-US"/>
           </a:p>
         </p:txBody>
       </p:sp>
+      <p:sp>
+        <p:nvSpPr>
+          <p:cNvPr id="2" name="Title 1"/>
+          <p:cNvSpPr>
+            <a:spLocks noGrp="1"/>
+          </p:cNvSpPr>
+          <p:nvPr>
+            <p:ph type="title"/>
+          </p:nvPr>
+        </p:nvSpPr>
+        <p:spPr>
+          <a:xfrm>
+            <a:off x="228600" y="4865122"/>
+            <a:ext cx="8075432" cy="562672"/>
+          </a:xfrm>
+          <a:noFill/>
+        </p:spPr>
+        <p:txBody>
+          <a:bodyPr anchor="t">
+            <a:sp3d prstMaterial="softEdge"/>
+          </a:bodyPr>
+          <a:lstStyle>
+            <a:lvl1pPr marR="0" algn="r">
+              <a:buNone/>
+              <a:defRPr sz="3000" b="0">
+                <a:solidFill>
+                  <a:schemeClr val="accent1"/>
+                </a:solidFill>
+                <a:effectLst>
+                  <a:outerShdw blurRad="50800" dist="25000" dir="5400000" algn="t" rotWithShape="0">
+                    <a:prstClr val="black">
+                      <a:alpha val="45000"/>
+                    </a:prstClr>
+                  </a:outerShdw>
+                </a:effectLst>
+              </a:defRPr>
+            </a:lvl1pPr>
+            <a:extLst/>
+          </a:lstStyle>
+          <a:p>
+            <a:r>
+              <a:rPr kumimoji="0" lang="en-US" smtClean="0"/>
+              <a:t>Click to edit Master title style</a:t>
+            </a:r>
+            <a:endParaRPr kumimoji="0" lang="en-US"/>
+          </a:p>
+        </p:txBody>
+      </p:sp>
+      <p:sp>
+        <p:nvSpPr>
+          <p:cNvPr id="8" name="Freeform 7"/>
+          <p:cNvSpPr>
+            <a:spLocks/>
+          </p:cNvSpPr>
+          <p:nvPr/>
+        </p:nvSpPr>
+        <p:spPr bwMode="auto">
+          <a:xfrm>
+            <a:off x="499273" y="5944936"/>
+            <a:ext cx="4940624" cy="921076"/>
+          </a:xfrm>
+          <a:custGeom>
+            <a:avLst>
+              <a:gd name="A1" fmla="val 0"/>
+              <a:gd name="A2" fmla="val 0"/>
+              <a:gd name="A3" fmla="val 0"/>
+              <a:gd name="A4" fmla="val 0"/>
+              <a:gd name="A5" fmla="val 0"/>
+              <a:gd name="A6" fmla="val 0"/>
+              <a:gd name="A7" fmla="val 0"/>
+              <a:gd name="A8" fmla="val 0"/>
+            </a:avLst>
+            <a:gdLst/>
+            <a:ahLst/>
+            <a:cxnLst>
+              <a:cxn ang="0">
+                <a:pos x="0" y="0"/>
+              </a:cxn>
+              <a:cxn ang="0">
+                <a:pos x="5760" y="0"/>
+              </a:cxn>
+              <a:cxn ang="0">
+                <a:pos x="5760" y="528"/>
+              </a:cxn>
+              <a:cxn ang="0">
+                <a:pos x="48" y="0"/>
+              </a:cxn>
+            </a:cxnLst>
+            <a:rect l="0" t="0" r="0" b="0"/>
+            <a:pathLst>
+              <a:path w="7485" h="337">
+                <a:moveTo>
+                  <a:pt x="0" y="2"/>
+                </a:moveTo>
+                <a:lnTo>
+                  <a:pt x="7485" y="337"/>
+                </a:lnTo>
+                <a:lnTo>
+                  <a:pt x="5558" y="337"/>
+                </a:lnTo>
+                <a:lnTo>
+                  <a:pt x="1" y="0"/>
+                </a:lnTo>
+              </a:path>
+            </a:pathLst>
+          </a:custGeom>
+          <a:solidFill>
+            <a:schemeClr val="accent1">
+              <a:tint val="65000"/>
+              <a:satMod val="115000"/>
+              <a:alpha val="40000"/>
+            </a:schemeClr>
+          </a:solidFill>
+          <a:ln w="9525" cap="flat" cmpd="sng" algn="ctr">
+            <a:noFill/>
+            <a:prstDash val="solid"/>
+            <a:round/>
+            <a:headEnd type="none" w="med" len="med"/>
+            <a:tailEnd type="none" w="med" len="med"/>
+          </a:ln>
+          <a:effectLst/>
+        </p:spPr>
+        <p:txBody>
+          <a:bodyPr vert="horz" wrap="square" lIns="91440" tIns="45720" rIns="91440" bIns="45720" anchor="t" compatLnSpc="1"/>
+          <a:lstStyle>
+            <a:extLst/>
+          </a:lstStyle>
+          <a:p>
+            <a:endParaRPr kumimoji="0" lang="en-US"/>
+          </a:p>
+        </p:txBody>
+      </p:sp>
+      <p:sp>
+        <p:nvSpPr>
+          <p:cNvPr id="9" name="Freeform 8"/>
+          <p:cNvSpPr>
+            <a:spLocks/>
+          </p:cNvSpPr>
+          <p:nvPr/>
+        </p:nvSpPr>
+        <p:spPr bwMode="auto">
+          <a:xfrm>
+            <a:off x="485717" y="5939011"/>
+            <a:ext cx="3690451" cy="933450"/>
+          </a:xfrm>
+          <a:custGeom>
+            <a:avLst>
+              <a:gd name="A1" fmla="val 0"/>
+              <a:gd name="A2" fmla="val 0"/>
+              <a:gd name="A3" fmla="val 0"/>
+              <a:gd name="A4" fmla="val 0"/>
+              <a:gd name="A5" fmla="val 0"/>
+              <a:gd name="A6" fmla="val 0"/>
+              <a:gd name="A7" fmla="val 0"/>
+              <a:gd name="A8" fmla="val 0"/>
+            </a:avLst>
+            <a:gdLst/>
+            <a:ahLst/>
+            <a:cxnLst>
+              <a:cxn ang="0">
+                <a:pos x="0" y="0"/>
+              </a:cxn>
+              <a:cxn ang="0">
+                <a:pos x="5760" y="0"/>
+              </a:cxn>
+              <a:cxn ang="0">
+                <a:pos x="5760" y="528"/>
+              </a:cxn>
+              <a:cxn ang="0">
+                <a:pos x="48" y="0"/>
+              </a:cxn>
+            </a:cxnLst>
+            <a:rect l="0" t="0" r="0" b="0"/>
+            <a:pathLst>
+              <a:path w="5591" h="588">
+                <a:moveTo>
+                  <a:pt x="0" y="0"/>
+                </a:moveTo>
+                <a:lnTo>
+                  <a:pt x="5591" y="585"/>
+                </a:lnTo>
+                <a:lnTo>
+                  <a:pt x="4415" y="588"/>
+                </a:lnTo>
+                <a:lnTo>
+                  <a:pt x="12" y="4"/>
+                </a:lnTo>
+              </a:path>
+            </a:pathLst>
+          </a:custGeom>
+          <a:solidFill>
+            <a:srgbClr val="000000">
+              <a:alpha val="100000"/>
+            </a:srgbClr>
+          </a:solidFill>
+          <a:ln w="9525" cap="flat" cmpd="sng" algn="ctr">
+            <a:noFill/>
+            <a:prstDash val="solid"/>
+            <a:round/>
+            <a:headEnd type="none" w="med" len="med"/>
+            <a:tailEnd type="none" w="med" len="med"/>
+          </a:ln>
+          <a:effectLst/>
+        </p:spPr>
+        <p:txBody>
+          <a:bodyPr vert="horz" wrap="square" lIns="91440" tIns="45720" rIns="91440" bIns="45720" anchor="t" compatLnSpc="1"/>
+          <a:lstStyle>
+            <a:extLst/>
+          </a:lstStyle>
+          <a:p>
+            <a:endParaRPr kumimoji="0" lang="en-US"/>
+          </a:p>
+        </p:txBody>
+      </p:sp>
+      <p:sp>
+        <p:nvSpPr>
+          <p:cNvPr id="10" name="Right Triangle 9"/>
+          <p:cNvSpPr>
+            <a:spLocks/>
+          </p:cNvSpPr>
+          <p:nvPr/>
+        </p:nvSpPr>
+        <p:spPr bwMode="auto">
+          <a:xfrm>
+            <a:off x="-6042" y="5791253"/>
+            <a:ext cx="3402314" cy="1080868"/>
+          </a:xfrm>
+          <a:prstGeom prst="rtTriangle">
+            <a:avLst/>
+          </a:prstGeom>
+          <a:blipFill>
+            <a:blip r:embed="rId2" cstate="print">
+              <a:alphaModFix amt="50000"/>
+            </a:blip>
+            <a:tile tx="0" ty="0" sx="50000" sy="50000" flip="none" algn="t"/>
+          </a:blipFill>
+          <a:ln w="12700" cap="rnd" cmpd="thickThin" algn="ctr">
+            <a:noFill/>
+            <a:prstDash val="solid"/>
+          </a:ln>
+          <a:effectLst>
+            <a:fillOverlay blend="mult">
+              <a:gradFill flip="none" rotWithShape="1">
+                <a:gsLst>
+                  <a:gs pos="0">
+                    <a:schemeClr val="accent1">
+                      <a:shade val="20000"/>
+                      <a:satMod val="176000"/>
+                      <a:alpha val="100000"/>
+                    </a:schemeClr>
+                  </a:gs>
+                  <a:gs pos="18000">
+                    <a:schemeClr val="accent1">
+                      <a:shade val="48000"/>
+                      <a:satMod val="153000"/>
+                      <a:alpha val="100000"/>
+                    </a:schemeClr>
+                  </a:gs>
+                  <a:gs pos="43000">
+                    <a:schemeClr val="accent1">
+                      <a:tint val="86000"/>
+                      <a:satMod val="149000"/>
+                      <a:alpha val="100000"/>
+                    </a:schemeClr>
+                  </a:gs>
+                  <a:gs pos="45000">
+                    <a:schemeClr val="accent1">
+                      <a:tint val="85000"/>
+                      <a:satMod val="150000"/>
+                      <a:alpha val="100000"/>
+                    </a:schemeClr>
+                  </a:gs>
+                  <a:gs pos="50000">
+                    <a:schemeClr val="accent1">
+                      <a:tint val="86000"/>
+                      <a:satMod val="149000"/>
+                      <a:alpha val="100000"/>
+                    </a:schemeClr>
+                  </a:gs>
+                  <a:gs pos="79000">
+                    <a:schemeClr val="accent1">
+                      <a:shade val="53000"/>
+                      <a:satMod val="150000"/>
+                      <a:alpha val="100000"/>
+                    </a:schemeClr>
+                  </a:gs>
+                  <a:gs pos="100000">
+                    <a:schemeClr val="accent1">
+                      <a:shade val="25000"/>
+                      <a:satMod val="170000"/>
+                      <a:alpha val="100000"/>
+                    </a:schemeClr>
+                  </a:gs>
+                </a:gsLst>
+                <a:lin ang="450000" scaled="1"/>
+                <a:tileRect/>
+              </a:gradFill>
+            </a:fillOverlay>
+          </a:effectLst>
+        </p:spPr>
+        <p:style>
+          <a:lnRef idx="3">
+            <a:schemeClr val="lt1"/>
+          </a:lnRef>
+          <a:fillRef idx="1">
+            <a:schemeClr val="accent1"/>
+          </a:fillRef>
+          <a:effectRef idx="1">
+            <a:schemeClr val="accent1"/>
+          </a:effectRef>
+          <a:fontRef idx="minor">
+            <a:schemeClr val="lt1"/>
+          </a:fontRef>
+        </p:style>
+        <p:txBody>
+          <a:bodyPr vert="horz" wrap="square" lIns="91440" tIns="45720" rIns="91440" bIns="45720" anchor="ctr" compatLnSpc="1"/>
+          <a:lstStyle>
+            <a:extLst/>
+          </a:lstStyle>
+          <a:p>
+            <a:pPr algn="ctr" eaLnBrk="1" latinLnBrk="0" hangingPunct="1"/>
+            <a:endParaRPr kumimoji="0" lang="en-US"/>
+          </a:p>
+        </p:txBody>
+      </p:sp>
+      <p:cxnSp>
+        <p:nvCxnSpPr>
+          <p:cNvPr id="11" name="Straight Connector 10"/>
+          <p:cNvCxnSpPr/>
+          <p:nvPr/>
+        </p:nvCxnSpPr>
+        <p:spPr>
+          <a:xfrm>
+            <a:off x="-9237" y="5787738"/>
+            <a:ext cx="3405509" cy="1084383"/>
+          </a:xfrm>
+          <a:prstGeom prst="line">
+            <a:avLst/>
+          </a:prstGeom>
+          <a:noFill/>
+          <a:ln w="12065" cap="flat" cmpd="sng" algn="ctr">
+            <a:gradFill>
+              <a:gsLst>
+                <a:gs pos="45000">
+                  <a:schemeClr val="accent1">
+                    <a:tint val="70000"/>
+                    <a:satMod val="110000"/>
+                  </a:schemeClr>
+                </a:gs>
+                <a:gs pos="15000">
+                  <a:schemeClr val="accent1">
+                    <a:shade val="40000"/>
+                    <a:satMod val="110000"/>
+                  </a:schemeClr>
+                </a:gs>
+              </a:gsLst>
+              <a:lin ang="5400000" scaled="1"/>
+            </a:gradFill>
+            <a:prstDash val="solid"/>
+            <a:miter lim="800000"/>
+          </a:ln>
+          <a:effectLst/>
+        </p:spPr>
+        <p:style>
+          <a:lnRef idx="2">
+            <a:schemeClr val="accent1"/>
+          </a:lnRef>
+          <a:fillRef idx="0">
+            <a:schemeClr val="accent1"/>
+          </a:fillRef>
+          <a:effectRef idx="1">
+            <a:schemeClr val="accent1"/>
+          </a:effectRef>
+          <a:fontRef idx="minor">
+            <a:schemeClr val="tx1"/>
+          </a:fontRef>
+        </p:style>
+      </p:cxnSp>
+      <p:sp>
+        <p:nvSpPr>
+          <p:cNvPr id="12" name="Chevron 11"/>
+          <p:cNvSpPr/>
+          <p:nvPr/>
+        </p:nvSpPr>
+        <p:spPr>
+          <a:xfrm>
+            <a:off x="8664112" y="4988440"/>
+            <a:ext cx="182880" cy="228600"/>
+          </a:xfrm>
+          <a:prstGeom prst="chevron">
+            <a:avLst>
+              <a:gd name="adj" fmla="val 50000"/>
+            </a:avLst>
+          </a:prstGeom>
+          <a:gradFill flip="none" rotWithShape="1">
+            <a:gsLst>
+              <a:gs pos="0">
+                <a:schemeClr val="accent1">
+                  <a:shade val="60000"/>
+                  <a:satMod val="125000"/>
+                </a:schemeClr>
+              </a:gs>
+              <a:gs pos="72000">
+                <a:schemeClr val="accent1">
+                  <a:tint val="90000"/>
+                  <a:satMod val="138000"/>
+                </a:schemeClr>
+              </a:gs>
+              <a:gs pos="100000">
+                <a:schemeClr val="accent1">
+                  <a:tint val="76000"/>
+                  <a:satMod val="136000"/>
+                </a:schemeClr>
+              </a:gs>
+            </a:gsLst>
+            <a:lin ang="16200000" scaled="0"/>
+          </a:gradFill>
+          <a:ln w="3175" cap="rnd" cmpd="sng" algn="ctr">
+            <a:solidFill>
+              <a:schemeClr val="accent1">
+                <a:shade val="50000"/>
+              </a:schemeClr>
+            </a:solidFill>
+            <a:prstDash val="solid"/>
+          </a:ln>
+          <a:effectLst>
+            <a:outerShdw blurRad="50800" dist="25400" dir="5400000">
+              <a:srgbClr val="000000">
+                <a:alpha val="46000"/>
+              </a:srgbClr>
+            </a:outerShdw>
+          </a:effectLst>
+        </p:spPr>
+        <p:style>
+          <a:lnRef idx="1">
+            <a:schemeClr val="accent1"/>
+          </a:lnRef>
+          <a:fillRef idx="3">
+            <a:schemeClr val="accent1"/>
+          </a:fillRef>
+          <a:effectRef idx="2">
+            <a:schemeClr val="accent1"/>
+          </a:effectRef>
+          <a:fontRef idx="minor">
+            <a:schemeClr val="lt1"/>
+          </a:fontRef>
+        </p:style>
+        <p:txBody>
+          <a:bodyPr anchor="ctr"/>
+          <a:lstStyle>
+            <a:extLst/>
+          </a:lstStyle>
+          <a:p>
+            <a:pPr algn="l" eaLnBrk="1" latinLnBrk="0" hangingPunct="1"/>
+            <a:endParaRPr kumimoji="0" lang="en-US"/>
+          </a:p>
+        </p:txBody>
+      </p:sp>
+      <p:sp>
+        <p:nvSpPr>
+          <p:cNvPr id="13" name="Chevron 12"/>
+          <p:cNvSpPr/>
+          <p:nvPr/>
+        </p:nvSpPr>
+        <p:spPr>
+          <a:xfrm>
+            <a:off x="8477696" y="4988440"/>
+            <a:ext cx="182880" cy="228600"/>
+          </a:xfrm>
+          <a:prstGeom prst="chevron">
+            <a:avLst>
+              <a:gd name="adj" fmla="val 50000"/>
+            </a:avLst>
+          </a:prstGeom>
+          <a:gradFill flip="none" rotWithShape="1">
+            <a:gsLst>
+              <a:gs pos="0">
+                <a:schemeClr val="accent1">
+                  <a:shade val="60000"/>
+                  <a:satMod val="125000"/>
+                </a:schemeClr>
+              </a:gs>
+              <a:gs pos="72000">
+                <a:schemeClr val="accent1">
+                  <a:tint val="90000"/>
+                  <a:satMod val="138000"/>
+                </a:schemeClr>
+              </a:gs>
+              <a:gs pos="100000">
+                <a:schemeClr val="accent1">
+                  <a:tint val="76000"/>
+                  <a:satMod val="136000"/>
+                </a:schemeClr>
+              </a:gs>
+            </a:gsLst>
+            <a:lin ang="16200000" scaled="0"/>
+          </a:gradFill>
+          <a:ln w="3175" cap="rnd" cmpd="sng" algn="ctr">
+            <a:solidFill>
+              <a:schemeClr val="accent1">
+                <a:shade val="50000"/>
+              </a:schemeClr>
+            </a:solidFill>
+            <a:prstDash val="solid"/>
+          </a:ln>
+          <a:effectLst>
+            <a:outerShdw blurRad="50800" dist="25400" dir="5400000">
+              <a:srgbClr val="000000">
+                <a:alpha val="46000"/>
+              </a:srgbClr>
+            </a:outerShdw>
+          </a:effectLst>
+        </p:spPr>
+        <p:style>
+          <a:lnRef idx="1">
+            <a:schemeClr val="accent1"/>
+          </a:lnRef>
+          <a:fillRef idx="3">
+            <a:schemeClr val="accent1"/>
+          </a:fillRef>
+          <a:effectRef idx="2">
+            <a:schemeClr val="accent1"/>
+          </a:effectRef>
+          <a:fontRef idx="minor">
+            <a:schemeClr val="lt1"/>
+          </a:fontRef>
+        </p:style>
+        <p:txBody>
+          <a:bodyPr anchor="ctr"/>
+          <a:lstStyle>
+            <a:extLst/>
+          </a:lstStyle>
+          <a:p>
+            <a:pPr algn="l" eaLnBrk="1" latinLnBrk="0" hangingPunct="1"/>
+            <a:endParaRPr kumimoji="0" lang="en-US"/>
+          </a:p>
+        </p:txBody>
+      </p:sp>
     </p:spTree>
   </p:cSld>
   <p:clrMapOvr>
-    <a:masterClrMapping/>
+    <a:overrideClrMapping bg1="dk1" tx1="lt1" bg2="dk2" tx2="lt2" accent1="accent1" accent2="accent2" accent3="accent3" accent4="accent4" accent5="accent5" accent6="accent6" hlink="hlink" folHlink="folHlink"/>
   </p:clrMapOvr>
 </p:sldLayout>
 </file>
@@ -2547,7 +3750,337 @@
       </p:grpSpPr>
       <p:sp>
         <p:nvSpPr>
-          <p:cNvPr id="2" name="Title Placeholder 1"/>
+          <p:cNvPr id="13" name="Freeform 12"/>
+          <p:cNvSpPr>
+            <a:spLocks/>
+          </p:cNvSpPr>
+          <p:nvPr/>
+        </p:nvSpPr>
+        <p:spPr bwMode="auto">
+          <a:xfrm>
+            <a:off x="499273" y="5944936"/>
+            <a:ext cx="4940624" cy="921076"/>
+          </a:xfrm>
+          <a:custGeom>
+            <a:avLst>
+              <a:gd name="A1" fmla="val 0"/>
+              <a:gd name="A2" fmla="val 0"/>
+              <a:gd name="A3" fmla="val 0"/>
+              <a:gd name="A4" fmla="val 0"/>
+              <a:gd name="A5" fmla="val 0"/>
+              <a:gd name="A6" fmla="val 0"/>
+              <a:gd name="A7" fmla="val 0"/>
+              <a:gd name="A8" fmla="val 0"/>
+            </a:avLst>
+            <a:gdLst/>
+            <a:ahLst/>
+            <a:cxnLst>
+              <a:cxn ang="0">
+                <a:pos x="0" y="0"/>
+              </a:cxn>
+              <a:cxn ang="0">
+                <a:pos x="5760" y="0"/>
+              </a:cxn>
+              <a:cxn ang="0">
+                <a:pos x="5760" y="528"/>
+              </a:cxn>
+              <a:cxn ang="0">
+                <a:pos x="48" y="0"/>
+              </a:cxn>
+            </a:cxnLst>
+            <a:rect l="0" t="0" r="0" b="0"/>
+            <a:pathLst>
+              <a:path w="7485" h="337">
+                <a:moveTo>
+                  <a:pt x="0" y="2"/>
+                </a:moveTo>
+                <a:lnTo>
+                  <a:pt x="7485" y="337"/>
+                </a:lnTo>
+                <a:lnTo>
+                  <a:pt x="5558" y="337"/>
+                </a:lnTo>
+                <a:lnTo>
+                  <a:pt x="1" y="0"/>
+                </a:lnTo>
+              </a:path>
+            </a:pathLst>
+          </a:custGeom>
+          <a:solidFill>
+            <a:schemeClr val="accent1">
+              <a:tint val="65000"/>
+              <a:satMod val="115000"/>
+              <a:alpha val="40000"/>
+            </a:schemeClr>
+          </a:solidFill>
+          <a:ln w="9525" cap="flat" cmpd="sng" algn="ctr">
+            <a:noFill/>
+            <a:prstDash val="solid"/>
+            <a:round/>
+            <a:headEnd type="none" w="med" len="med"/>
+            <a:tailEnd type="none" w="med" len="med"/>
+          </a:ln>
+          <a:effectLst/>
+        </p:spPr>
+        <p:txBody>
+          <a:bodyPr vert="horz" wrap="square" lIns="91440" tIns="45720" rIns="91440" bIns="45720" anchor="t" compatLnSpc="1"/>
+          <a:lstStyle>
+            <a:extLst/>
+          </a:lstStyle>
+          <a:p>
+            <a:endParaRPr kumimoji="0" lang="en-US"/>
+          </a:p>
+        </p:txBody>
+      </p:sp>
+      <p:sp>
+        <p:nvSpPr>
+          <p:cNvPr id="12" name="Freeform 11"/>
+          <p:cNvSpPr>
+            <a:spLocks/>
+          </p:cNvSpPr>
+          <p:nvPr/>
+        </p:nvSpPr>
+        <p:spPr bwMode="auto">
+          <a:xfrm>
+            <a:off x="485717" y="5939011"/>
+            <a:ext cx="3690451" cy="933450"/>
+          </a:xfrm>
+          <a:custGeom>
+            <a:avLst>
+              <a:gd name="A1" fmla="val 0"/>
+              <a:gd name="A2" fmla="val 0"/>
+              <a:gd name="A3" fmla="val 0"/>
+              <a:gd name="A4" fmla="val 0"/>
+              <a:gd name="A5" fmla="val 0"/>
+              <a:gd name="A6" fmla="val 0"/>
+              <a:gd name="A7" fmla="val 0"/>
+              <a:gd name="A8" fmla="val 0"/>
+            </a:avLst>
+            <a:gdLst/>
+            <a:ahLst/>
+            <a:cxnLst>
+              <a:cxn ang="0">
+                <a:pos x="0" y="0"/>
+              </a:cxn>
+              <a:cxn ang="0">
+                <a:pos x="5760" y="0"/>
+              </a:cxn>
+              <a:cxn ang="0">
+                <a:pos x="5760" y="528"/>
+              </a:cxn>
+              <a:cxn ang="0">
+                <a:pos x="48" y="0"/>
+              </a:cxn>
+            </a:cxnLst>
+            <a:rect l="0" t="0" r="0" b="0"/>
+            <a:pathLst>
+              <a:path w="5591" h="588">
+                <a:moveTo>
+                  <a:pt x="0" y="0"/>
+                </a:moveTo>
+                <a:lnTo>
+                  <a:pt x="5591" y="585"/>
+                </a:lnTo>
+                <a:lnTo>
+                  <a:pt x="4415" y="588"/>
+                </a:lnTo>
+                <a:lnTo>
+                  <a:pt x="12" y="4"/>
+                </a:lnTo>
+              </a:path>
+            </a:pathLst>
+          </a:custGeom>
+          <a:solidFill>
+            <a:srgbClr val="000000">
+              <a:alpha val="100000"/>
+            </a:srgbClr>
+          </a:solidFill>
+          <a:ln w="9525" cap="flat" cmpd="sng" algn="ctr">
+            <a:noFill/>
+            <a:prstDash val="solid"/>
+            <a:round/>
+            <a:headEnd type="none" w="med" len="med"/>
+            <a:tailEnd type="none" w="med" len="med"/>
+          </a:ln>
+          <a:effectLst/>
+        </p:spPr>
+        <p:txBody>
+          <a:bodyPr vert="horz" wrap="square" lIns="91440" tIns="45720" rIns="91440" bIns="45720" anchor="t" compatLnSpc="1"/>
+          <a:lstStyle>
+            <a:extLst/>
+          </a:lstStyle>
+          <a:p>
+            <a:endParaRPr kumimoji="0" lang="en-US"/>
+          </a:p>
+        </p:txBody>
+      </p:sp>
+      <p:sp>
+        <p:nvSpPr>
+          <p:cNvPr id="14" name="Right Triangle 13"/>
+          <p:cNvSpPr>
+            <a:spLocks/>
+          </p:cNvSpPr>
+          <p:nvPr/>
+        </p:nvSpPr>
+        <p:spPr bwMode="auto">
+          <a:xfrm>
+            <a:off x="-6042" y="5791253"/>
+            <a:ext cx="3402314" cy="1080868"/>
+          </a:xfrm>
+          <a:prstGeom prst="rtTriangle">
+            <a:avLst/>
+          </a:prstGeom>
+          <a:blipFill>
+            <a:blip r:embed="rId13" cstate="print">
+              <a:alphaModFix amt="50000"/>
+            </a:blip>
+            <a:tile tx="0" ty="0" sx="50000" sy="50000" flip="none" algn="t"/>
+          </a:blipFill>
+          <a:ln w="12700" cap="rnd" cmpd="thickThin" algn="ctr">
+            <a:noFill/>
+            <a:prstDash val="solid"/>
+          </a:ln>
+          <a:effectLst>
+            <a:fillOverlay blend="mult">
+              <a:gradFill flip="none" rotWithShape="1">
+                <a:gsLst>
+                  <a:gs pos="0">
+                    <a:schemeClr val="accent1">
+                      <a:shade val="20000"/>
+                      <a:satMod val="176000"/>
+                      <a:alpha val="100000"/>
+                    </a:schemeClr>
+                  </a:gs>
+                  <a:gs pos="18000">
+                    <a:schemeClr val="accent1">
+                      <a:shade val="48000"/>
+                      <a:satMod val="153000"/>
+                      <a:alpha val="100000"/>
+                    </a:schemeClr>
+                  </a:gs>
+                  <a:gs pos="43000">
+                    <a:schemeClr val="accent1">
+                      <a:tint val="86000"/>
+                      <a:satMod val="149000"/>
+                      <a:alpha val="100000"/>
+                    </a:schemeClr>
+                  </a:gs>
+                  <a:gs pos="45000">
+                    <a:schemeClr val="accent1">
+                      <a:tint val="85000"/>
+                      <a:satMod val="150000"/>
+                      <a:alpha val="100000"/>
+                    </a:schemeClr>
+                  </a:gs>
+                  <a:gs pos="50000">
+                    <a:schemeClr val="accent1">
+                      <a:tint val="86000"/>
+                      <a:satMod val="149000"/>
+                      <a:alpha val="100000"/>
+                    </a:schemeClr>
+                  </a:gs>
+                  <a:gs pos="79000">
+                    <a:schemeClr val="accent1">
+                      <a:shade val="53000"/>
+                      <a:satMod val="150000"/>
+                      <a:alpha val="100000"/>
+                    </a:schemeClr>
+                  </a:gs>
+                  <a:gs pos="100000">
+                    <a:schemeClr val="accent1">
+                      <a:shade val="25000"/>
+                      <a:satMod val="170000"/>
+                      <a:alpha val="100000"/>
+                    </a:schemeClr>
+                  </a:gs>
+                </a:gsLst>
+                <a:lin ang="450000" scaled="1"/>
+                <a:tileRect/>
+              </a:gradFill>
+            </a:fillOverlay>
+          </a:effectLst>
+        </p:spPr>
+        <p:style>
+          <a:lnRef idx="3">
+            <a:schemeClr val="lt1"/>
+          </a:lnRef>
+          <a:fillRef idx="1">
+            <a:schemeClr val="accent1"/>
+          </a:fillRef>
+          <a:effectRef idx="1">
+            <a:schemeClr val="accent1"/>
+          </a:effectRef>
+          <a:fontRef idx="minor">
+            <a:schemeClr val="lt1"/>
+          </a:fontRef>
+        </p:style>
+        <p:txBody>
+          <a:bodyPr vert="horz" wrap="square" lIns="91440" tIns="45720" rIns="91440" bIns="45720" anchor="ctr" compatLnSpc="1"/>
+          <a:lstStyle>
+            <a:extLst/>
+          </a:lstStyle>
+          <a:p>
+            <a:pPr algn="ctr" eaLnBrk="1" latinLnBrk="0" hangingPunct="1"/>
+            <a:endParaRPr kumimoji="0" lang="en-US"/>
+          </a:p>
+        </p:txBody>
+      </p:sp>
+      <p:cxnSp>
+        <p:nvCxnSpPr>
+          <p:cNvPr id="15" name="Straight Connector 14"/>
+          <p:cNvCxnSpPr/>
+          <p:nvPr/>
+        </p:nvCxnSpPr>
+        <p:spPr>
+          <a:xfrm>
+            <a:off x="-9237" y="5787738"/>
+            <a:ext cx="3405509" cy="1084383"/>
+          </a:xfrm>
+          <a:prstGeom prst="line">
+            <a:avLst/>
+          </a:prstGeom>
+          <a:noFill/>
+          <a:ln w="12065" cap="flat" cmpd="sng" algn="ctr">
+            <a:gradFill>
+              <a:gsLst>
+                <a:gs pos="45000">
+                  <a:schemeClr val="accent1">
+                    <a:tint val="70000"/>
+                    <a:satMod val="110000"/>
+                  </a:schemeClr>
+                </a:gs>
+                <a:gs pos="15000">
+                  <a:schemeClr val="accent1">
+                    <a:shade val="40000"/>
+                    <a:satMod val="110000"/>
+                  </a:schemeClr>
+                </a:gs>
+              </a:gsLst>
+              <a:lin ang="5400000" scaled="1"/>
+            </a:gradFill>
+            <a:prstDash val="solid"/>
+            <a:miter lim="800000"/>
+          </a:ln>
+          <a:effectLst/>
+        </p:spPr>
+        <p:style>
+          <a:lnRef idx="2">
+            <a:schemeClr val="accent1"/>
+          </a:lnRef>
+          <a:fillRef idx="0">
+            <a:schemeClr val="accent1"/>
+          </a:fillRef>
+          <a:effectRef idx="1">
+            <a:schemeClr val="accent1"/>
+          </a:effectRef>
+          <a:fontRef idx="minor">
+            <a:schemeClr val="tx1"/>
+          </a:fontRef>
+        </p:style>
+      </p:cxnSp>
+      <p:sp>
+        <p:nvSpPr>
+          <p:cNvPr id="9" name="Title Placeholder 8"/>
           <p:cNvSpPr>
             <a:spLocks noGrp="1"/>
           </p:cNvSpPr>
@@ -2565,22 +4098,31 @@
           </a:prstGeom>
         </p:spPr>
         <p:txBody>
-          <a:bodyPr vert="horz" lIns="91440" tIns="45720" rIns="91440" bIns="45720" rtlCol="0" anchor="ctr">
+          <a:bodyPr vert="horz" anchor="ctr">
             <a:normAutofit/>
+            <a:scene3d>
+              <a:camera prst="orthographicFront"/>
+              <a:lightRig rig="soft" dir="t"/>
+            </a:scene3d>
+            <a:sp3d prstMaterial="softEdge">
+              <a:bevelT w="25400" h="25400"/>
+            </a:sp3d>
           </a:bodyPr>
-          <a:lstStyle/>
-          <a:p>
-            <a:r>
-              <a:rPr lang="en-US" smtClean="0"/>
+          <a:lstStyle>
+            <a:extLst/>
+          </a:lstStyle>
+          <a:p>
+            <a:r>
+              <a:rPr kumimoji="0" lang="en-US" smtClean="0"/>
               <a:t>Click to edit Master title style</a:t>
             </a:r>
-            <a:endParaRPr lang="en-US"/>
-          </a:p>
-        </p:txBody>
-      </p:sp>
-      <p:sp>
-        <p:nvSpPr>
-          <p:cNvPr id="3" name="Text Placeholder 2"/>
+            <a:endParaRPr kumimoji="0" lang="en-US"/>
+          </a:p>
+        </p:txBody>
+      </p:sp>
+      <p:sp>
+        <p:nvSpPr>
+          <p:cNvPr id="30" name="Text Placeholder 29"/>
           <p:cNvSpPr>
             <a:spLocks noGrp="1"/>
           </p:cNvSpPr>
@@ -2590,7 +4132,7 @@
         </p:nvSpPr>
         <p:spPr>
           <a:xfrm>
-            <a:off x="457200" y="1600200"/>
+            <a:off x="457200" y="1481328"/>
             <a:ext cx="8229600" cy="4525963"/>
           </a:xfrm>
           <a:prstGeom prst="rect">
@@ -2598,51 +4140,53 @@
           </a:prstGeom>
         </p:spPr>
         <p:txBody>
-          <a:bodyPr vert="horz" lIns="91440" tIns="45720" rIns="91440" bIns="45720" rtlCol="0">
+          <a:bodyPr vert="horz">
             <a:normAutofit/>
           </a:bodyPr>
-          <a:lstStyle/>
-          <a:p>
-            <a:pPr lvl="0"/>
-            <a:r>
-              <a:rPr lang="en-US" smtClean="0"/>
+          <a:lstStyle>
+            <a:extLst/>
+          </a:lstStyle>
+          <a:p>
+            <a:pPr lvl="0" eaLnBrk="1" latinLnBrk="0" hangingPunct="1"/>
+            <a:r>
+              <a:rPr kumimoji="0" lang="en-US" smtClean="0"/>
               <a:t>Click to edit Master text styles</a:t>
             </a:r>
           </a:p>
           <a:p>
-            <a:pPr lvl="1"/>
-            <a:r>
-              <a:rPr lang="en-US" smtClean="0"/>
+            <a:pPr lvl="1" eaLnBrk="1" latinLnBrk="0" hangingPunct="1"/>
+            <a:r>
+              <a:rPr kumimoji="0" lang="en-US" smtClean="0"/>
               <a:t>Second level</a:t>
             </a:r>
           </a:p>
           <a:p>
-            <a:pPr lvl="2"/>
-            <a:r>
-              <a:rPr lang="en-US" smtClean="0"/>
+            <a:pPr lvl="2" eaLnBrk="1" latinLnBrk="0" hangingPunct="1"/>
+            <a:r>
+              <a:rPr kumimoji="0" lang="en-US" smtClean="0"/>
               <a:t>Third level</a:t>
             </a:r>
           </a:p>
           <a:p>
-            <a:pPr lvl="3"/>
-            <a:r>
-              <a:rPr lang="en-US" smtClean="0"/>
+            <a:pPr lvl="3" eaLnBrk="1" latinLnBrk="0" hangingPunct="1"/>
+            <a:r>
+              <a:rPr kumimoji="0" lang="en-US" smtClean="0"/>
               <a:t>Fourth level</a:t>
             </a:r>
           </a:p>
           <a:p>
-            <a:pPr lvl="4"/>
-            <a:r>
-              <a:rPr lang="en-US" smtClean="0"/>
+            <a:pPr lvl="4" eaLnBrk="1" latinLnBrk="0" hangingPunct="1"/>
+            <a:r>
+              <a:rPr kumimoji="0" lang="en-US" smtClean="0"/>
               <a:t>Fifth level</a:t>
             </a:r>
-            <a:endParaRPr lang="en-US"/>
-          </a:p>
-        </p:txBody>
-      </p:sp>
-      <p:sp>
-        <p:nvSpPr>
-          <p:cNvPr id="4" name="Date Placeholder 3"/>
+            <a:endParaRPr kumimoji="0" lang="en-US"/>
+          </a:p>
+        </p:txBody>
+      </p:sp>
+      <p:sp>
+        <p:nvSpPr>
+          <p:cNvPr id="10" name="Date Placeholder 9"/>
           <p:cNvSpPr>
             <a:spLocks noGrp="1"/>
           </p:cNvSpPr>
@@ -2652,30 +4196,30 @@
         </p:nvSpPr>
         <p:spPr>
           <a:xfrm>
-            <a:off x="457200" y="6356350"/>
-            <a:ext cx="2133600" cy="365125"/>
+            <a:off x="6727032" y="6407944"/>
+            <a:ext cx="1920240" cy="365760"/>
           </a:xfrm>
           <a:prstGeom prst="rect">
             <a:avLst/>
           </a:prstGeom>
         </p:spPr>
         <p:txBody>
-          <a:bodyPr vert="horz" lIns="91440" tIns="45720" rIns="91440" bIns="45720" rtlCol="0" anchor="ctr"/>
-          <a:lstStyle>
-            <a:lvl1pPr algn="l">
-              <a:defRPr sz="1200">
+          <a:bodyPr vert="horz" anchor="b"/>
+          <a:lstStyle>
+            <a:lvl1pPr algn="l" eaLnBrk="1" latinLnBrk="0" hangingPunct="1">
+              <a:defRPr kumimoji="0" sz="1000">
                 <a:solidFill>
-                  <a:schemeClr val="tx1">
-                    <a:tint val="75000"/>
-                  </a:schemeClr>
+                  <a:schemeClr val="tx1"/>
                 </a:solidFill>
               </a:defRPr>
             </a:lvl1pPr>
+            <a:extLst/>
           </a:lstStyle>
           <a:p>
             <a:fld id="{F08555C9-EF7E-4911-9E4E-4EA916DAA642}" type="datetimeFigureOut">
               <a:rPr lang="en-US" smtClean="0"/>
-              <a:t>10/28/2013</a:t>
+              <a:pPr/>
+              <a:t>11/4/2013</a:t>
             </a:fld>
             <a:endParaRPr lang="en-US"/>
           </a:p>
@@ -2683,7 +4227,7 @@
       </p:sp>
       <p:sp>
         <p:nvSpPr>
-          <p:cNvPr id="5" name="Footer Placeholder 4"/>
+          <p:cNvPr id="22" name="Footer Placeholder 21"/>
           <p:cNvSpPr>
             <a:spLocks noGrp="1"/>
           </p:cNvSpPr>
@@ -2693,25 +4237,24 @@
         </p:nvSpPr>
         <p:spPr>
           <a:xfrm>
-            <a:off x="3124200" y="6356350"/>
-            <a:ext cx="2895600" cy="365125"/>
+            <a:off x="4380072" y="6407944"/>
+            <a:ext cx="2350681" cy="365125"/>
           </a:xfrm>
           <a:prstGeom prst="rect">
             <a:avLst/>
           </a:prstGeom>
         </p:spPr>
         <p:txBody>
-          <a:bodyPr vert="horz" lIns="91440" tIns="45720" rIns="91440" bIns="45720" rtlCol="0" anchor="ctr"/>
-          <a:lstStyle>
-            <a:lvl1pPr algn="ctr">
-              <a:defRPr sz="1200">
+          <a:bodyPr vert="horz" anchor="b"/>
+          <a:lstStyle>
+            <a:lvl1pPr algn="r" eaLnBrk="1" latinLnBrk="0" hangingPunct="1">
+              <a:defRPr kumimoji="0" sz="1000">
                 <a:solidFill>
-                  <a:schemeClr val="tx1">
-                    <a:tint val="75000"/>
-                  </a:schemeClr>
+                  <a:schemeClr val="tx1"/>
                 </a:solidFill>
               </a:defRPr>
             </a:lvl1pPr>
+            <a:extLst/>
           </a:lstStyle>
           <a:p>
             <a:endParaRPr lang="en-US"/>
@@ -2720,7 +4263,7 @@
       </p:sp>
       <p:sp>
         <p:nvSpPr>
-          <p:cNvPr id="6" name="Slide Number Placeholder 5"/>
+          <p:cNvPr id="18" name="Slide Number Placeholder 17"/>
           <p:cNvSpPr>
             <a:spLocks noGrp="1"/>
           </p:cNvSpPr>
@@ -2730,29 +4273,29 @@
         </p:nvSpPr>
         <p:spPr>
           <a:xfrm>
-            <a:off x="6553200" y="6356350"/>
-            <a:ext cx="2133600" cy="365125"/>
+            <a:off x="8647272" y="6407944"/>
+            <a:ext cx="365760" cy="365125"/>
           </a:xfrm>
           <a:prstGeom prst="rect">
             <a:avLst/>
           </a:prstGeom>
         </p:spPr>
         <p:txBody>
-          <a:bodyPr vert="horz" lIns="91440" tIns="45720" rIns="91440" bIns="45720" rtlCol="0" anchor="ctr"/>
-          <a:lstStyle>
-            <a:lvl1pPr algn="r">
-              <a:defRPr sz="1200">
+          <a:bodyPr vert="horz" anchor="b"/>
+          <a:lstStyle>
+            <a:lvl1pPr algn="r" eaLnBrk="1" latinLnBrk="0" hangingPunct="1">
+              <a:defRPr kumimoji="0" sz="1000" b="0">
                 <a:solidFill>
-                  <a:schemeClr val="tx1">
-                    <a:tint val="75000"/>
-                  </a:schemeClr>
+                  <a:schemeClr val="tx1"/>
                 </a:solidFill>
               </a:defRPr>
             </a:lvl1pPr>
+            <a:extLst/>
           </a:lstStyle>
           <a:p>
             <a:fld id="{E08B0571-F7F5-476B-BCA4-0951EFAF2FF0}" type="slidenum">
               <a:rPr lang="en-US" smtClean="0"/>
+              <a:pPr/>
               <a:t>‹#›</a:t>
             </a:fld>
             <a:endParaRPr lang="en-US"/>
@@ -2763,43 +4306,58 @@
   </p:cSld>
   <p:clrMap bg1="lt1" tx1="dk1" bg2="lt2" tx2="dk2" accent1="accent1" accent2="accent2" accent3="accent3" accent4="accent4" accent5="accent5" accent6="accent6" hlink="hlink" folHlink="folHlink"/>
   <p:sldLayoutIdLst>
-    <p:sldLayoutId id="2147483649" r:id="rId1"/>
-    <p:sldLayoutId id="2147483650" r:id="rId2"/>
-    <p:sldLayoutId id="2147483651" r:id="rId3"/>
-    <p:sldLayoutId id="2147483652" r:id="rId4"/>
-    <p:sldLayoutId id="2147483653" r:id="rId5"/>
-    <p:sldLayoutId id="2147483654" r:id="rId6"/>
-    <p:sldLayoutId id="2147483655" r:id="rId7"/>
-    <p:sldLayoutId id="2147483656" r:id="rId8"/>
-    <p:sldLayoutId id="2147483657" r:id="rId9"/>
-    <p:sldLayoutId id="2147483658" r:id="rId10"/>
-    <p:sldLayoutId id="2147483659" r:id="rId11"/>
+    <p:sldLayoutId id="2147483661" r:id="rId1"/>
+    <p:sldLayoutId id="2147483662" r:id="rId2"/>
+    <p:sldLayoutId id="2147483663" r:id="rId3"/>
+    <p:sldLayoutId id="2147483664" r:id="rId4"/>
+    <p:sldLayoutId id="2147483665" r:id="rId5"/>
+    <p:sldLayoutId id="2147483666" r:id="rId6"/>
+    <p:sldLayoutId id="2147483667" r:id="rId7"/>
+    <p:sldLayoutId id="2147483668" r:id="rId8"/>
+    <p:sldLayoutId id="2147483669" r:id="rId9"/>
+    <p:sldLayoutId id="2147483670" r:id="rId10"/>
+    <p:sldLayoutId id="2147483671" r:id="rId11"/>
   </p:sldLayoutIdLst>
   <p:txStyles>
     <p:titleStyle>
-      <a:lvl1pPr algn="ctr" defTabSz="914400" rtl="0" eaLnBrk="1" latinLnBrk="0" hangingPunct="1">
+      <a:lvl1pPr algn="l" rtl="0" eaLnBrk="1" latinLnBrk="0" hangingPunct="1">
         <a:spcBef>
           <a:spcPct val="0"/>
         </a:spcBef>
         <a:buNone/>
-        <a:defRPr sz="4400" kern="1200">
+        <a:defRPr kumimoji="0" sz="4100" b="1" kern="1200">
           <a:solidFill>
-            <a:schemeClr val="tx1"/>
+            <a:schemeClr val="tx2"/>
           </a:solidFill>
+          <a:effectLst>
+            <a:outerShdw blurRad="31750" dist="25400" dir="5400000" algn="tl" rotWithShape="0">
+              <a:srgbClr val="000000">
+                <a:alpha val="25000"/>
+              </a:srgbClr>
+            </a:outerShdw>
+          </a:effectLst>
           <a:latin typeface="+mj-lt"/>
           <a:ea typeface="+mj-ea"/>
           <a:cs typeface="+mj-cs"/>
         </a:defRPr>
       </a:lvl1pPr>
+      <a:extLst/>
     </p:titleStyle>
     <p:bodyStyle>
-      <a:lvl1pPr marL="342900" indent="-342900" algn="l" defTabSz="914400" rtl="0" eaLnBrk="1" latinLnBrk="0" hangingPunct="1">
+      <a:lvl1pPr marL="365760" indent="-256032" algn="l" rtl="0" eaLnBrk="1" latinLnBrk="0" hangingPunct="1">
         <a:spcBef>
-          <a:spcPct val="20000"/>
+          <a:spcPts val="400"/>
         </a:spcBef>
-        <a:buFont typeface="Arial" pitchFamily="34" charset="0"/>
-        <a:buChar char="•"/>
-        <a:defRPr sz="3200" kern="1200">
+        <a:spcAft>
+          <a:spcPts val="0"/>
+        </a:spcAft>
+        <a:buClr>
+          <a:schemeClr val="accent1"/>
+        </a:buClr>
+        <a:buSzPct val="68000"/>
+        <a:buFont typeface="Wingdings 3"/>
+        <a:buChar char=""/>
+        <a:defRPr kumimoji="0" sz="2700" kern="1200">
           <a:solidFill>
             <a:schemeClr val="tx1"/>
           </a:solidFill>
@@ -2808,13 +4366,16 @@
           <a:cs typeface="+mn-cs"/>
         </a:defRPr>
       </a:lvl1pPr>
-      <a:lvl2pPr marL="742950" indent="-285750" algn="l" defTabSz="914400" rtl="0" eaLnBrk="1" latinLnBrk="0" hangingPunct="1">
+      <a:lvl2pPr marL="621792" indent="-228600" algn="l" rtl="0" eaLnBrk="1" latinLnBrk="0" hangingPunct="1">
         <a:spcBef>
-          <a:spcPct val="20000"/>
+          <a:spcPts val="324"/>
         </a:spcBef>
-        <a:buFont typeface="Arial" pitchFamily="34" charset="0"/>
-        <a:buChar char="–"/>
-        <a:defRPr sz="2800" kern="1200">
+        <a:buClr>
+          <a:schemeClr val="accent1"/>
+        </a:buClr>
+        <a:buFont typeface="Verdana"/>
+        <a:buChar char="◦"/>
+        <a:defRPr kumimoji="0" sz="2300" kern="1200">
           <a:solidFill>
             <a:schemeClr val="tx1"/>
           </a:solidFill>
@@ -2823,13 +4384,17 @@
           <a:cs typeface="+mn-cs"/>
         </a:defRPr>
       </a:lvl2pPr>
-      <a:lvl3pPr marL="1143000" indent="-228600" algn="l" defTabSz="914400" rtl="0" eaLnBrk="1" latinLnBrk="0" hangingPunct="1">
+      <a:lvl3pPr marL="859536" indent="-228600" algn="l" rtl="0" eaLnBrk="1" latinLnBrk="0" hangingPunct="1">
         <a:spcBef>
-          <a:spcPct val="20000"/>
+          <a:spcPts val="350"/>
         </a:spcBef>
-        <a:buFont typeface="Arial" pitchFamily="34" charset="0"/>
-        <a:buChar char="•"/>
-        <a:defRPr sz="2400" kern="1200">
+        <a:buClr>
+          <a:schemeClr val="accent2"/>
+        </a:buClr>
+        <a:buSzPct val="100000"/>
+        <a:buFont typeface="Wingdings 2"/>
+        <a:buChar char=""/>
+        <a:defRPr kumimoji="0" sz="2100" kern="1200">
           <a:solidFill>
             <a:schemeClr val="tx1"/>
           </a:solidFill>
@@ -2838,13 +4403,16 @@
           <a:cs typeface="+mn-cs"/>
         </a:defRPr>
       </a:lvl3pPr>
-      <a:lvl4pPr marL="1600200" indent="-228600" algn="l" defTabSz="914400" rtl="0" eaLnBrk="1" latinLnBrk="0" hangingPunct="1">
+      <a:lvl4pPr marL="1143000" indent="-228600" algn="l" rtl="0" eaLnBrk="1" latinLnBrk="0" hangingPunct="1">
         <a:spcBef>
-          <a:spcPct val="20000"/>
+          <a:spcPts val="350"/>
         </a:spcBef>
-        <a:buFont typeface="Arial" pitchFamily="34" charset="0"/>
-        <a:buChar char="–"/>
-        <a:defRPr sz="2000" kern="1200">
+        <a:buClr>
+          <a:schemeClr val="accent2"/>
+        </a:buClr>
+        <a:buFont typeface="Wingdings 2"/>
+        <a:buChar char=""/>
+        <a:defRPr kumimoji="0" sz="1900" kern="1200">
           <a:solidFill>
             <a:schemeClr val="tx1"/>
           </a:solidFill>
@@ -2853,13 +4421,16 @@
           <a:cs typeface="+mn-cs"/>
         </a:defRPr>
       </a:lvl4pPr>
-      <a:lvl5pPr marL="2057400" indent="-228600" algn="l" defTabSz="914400" rtl="0" eaLnBrk="1" latinLnBrk="0" hangingPunct="1">
+      <a:lvl5pPr marL="1371600" indent="-228600" algn="l" rtl="0" eaLnBrk="1" latinLnBrk="0" hangingPunct="1">
         <a:spcBef>
-          <a:spcPct val="20000"/>
+          <a:spcPts val="350"/>
         </a:spcBef>
-        <a:buFont typeface="Arial" pitchFamily="34" charset="0"/>
-        <a:buChar char="»"/>
-        <a:defRPr sz="2000" kern="1200">
+        <a:buClr>
+          <a:schemeClr val="accent2"/>
+        </a:buClr>
+        <a:buFont typeface="Wingdings 2"/>
+        <a:buChar char=""/>
+        <a:defRPr kumimoji="0" sz="1800" kern="1200">
           <a:solidFill>
             <a:schemeClr val="tx1"/>
           </a:solidFill>
@@ -2868,13 +4439,16 @@
           <a:cs typeface="+mn-cs"/>
         </a:defRPr>
       </a:lvl5pPr>
-      <a:lvl6pPr marL="2514600" indent="-228600" algn="l" defTabSz="914400" rtl="0" eaLnBrk="1" latinLnBrk="0" hangingPunct="1">
+      <a:lvl6pPr marL="1600200" indent="-228600" algn="l" rtl="0" eaLnBrk="1" latinLnBrk="0" hangingPunct="1">
         <a:spcBef>
-          <a:spcPct val="20000"/>
+          <a:spcPts val="350"/>
         </a:spcBef>
-        <a:buFont typeface="Arial" pitchFamily="34" charset="0"/>
-        <a:buChar char="•"/>
-        <a:defRPr sz="2000" kern="1200">
+        <a:buClr>
+          <a:schemeClr val="accent3"/>
+        </a:buClr>
+        <a:buFont typeface="Wingdings 2"/>
+        <a:buChar char=""/>
+        <a:defRPr kumimoji="0" sz="1800" kern="1200">
           <a:solidFill>
             <a:schemeClr val="tx1"/>
           </a:solidFill>
@@ -2883,13 +4457,16 @@
           <a:cs typeface="+mn-cs"/>
         </a:defRPr>
       </a:lvl6pPr>
-      <a:lvl7pPr marL="2971800" indent="-228600" algn="l" defTabSz="914400" rtl="0" eaLnBrk="1" latinLnBrk="0" hangingPunct="1">
+      <a:lvl7pPr marL="1828800" indent="-228600" algn="l" rtl="0" eaLnBrk="1" latinLnBrk="0" hangingPunct="1">
         <a:spcBef>
-          <a:spcPct val="20000"/>
+          <a:spcPts val="350"/>
         </a:spcBef>
-        <a:buFont typeface="Arial" pitchFamily="34" charset="0"/>
-        <a:buChar char="•"/>
-        <a:defRPr sz="2000" kern="1200">
+        <a:buClr>
+          <a:schemeClr val="accent3"/>
+        </a:buClr>
+        <a:buFont typeface="Wingdings 2"/>
+        <a:buChar char=""/>
+        <a:defRPr kumimoji="0" sz="1600" kern="1200">
           <a:solidFill>
             <a:schemeClr val="tx1"/>
           </a:solidFill>
@@ -2898,13 +4475,16 @@
           <a:cs typeface="+mn-cs"/>
         </a:defRPr>
       </a:lvl7pPr>
-      <a:lvl8pPr marL="3429000" indent="-228600" algn="l" defTabSz="914400" rtl="0" eaLnBrk="1" latinLnBrk="0" hangingPunct="1">
+      <a:lvl8pPr marL="2057400" indent="-228600" algn="l" rtl="0" eaLnBrk="1" latinLnBrk="0" hangingPunct="1">
         <a:spcBef>
-          <a:spcPct val="20000"/>
+          <a:spcPts val="350"/>
         </a:spcBef>
-        <a:buFont typeface="Arial" pitchFamily="34" charset="0"/>
-        <a:buChar char="•"/>
-        <a:defRPr sz="2000" kern="1200">
+        <a:buClr>
+          <a:schemeClr val="accent3"/>
+        </a:buClr>
+        <a:buFont typeface="Wingdings 2"/>
+        <a:buChar char=""/>
+        <a:defRPr kumimoji="0" sz="1600" kern="1200">
           <a:solidFill>
             <a:schemeClr val="tx1"/>
           </a:solidFill>
@@ -2913,13 +4493,16 @@
           <a:cs typeface="+mn-cs"/>
         </a:defRPr>
       </a:lvl8pPr>
-      <a:lvl9pPr marL="3886200" indent="-228600" algn="l" defTabSz="914400" rtl="0" eaLnBrk="1" latinLnBrk="0" hangingPunct="1">
+      <a:lvl9pPr marL="2286000" indent="-228600" algn="l" rtl="0" eaLnBrk="1" latinLnBrk="0" hangingPunct="1">
         <a:spcBef>
-          <a:spcPct val="20000"/>
+          <a:spcPts val="350"/>
         </a:spcBef>
-        <a:buFont typeface="Arial" pitchFamily="34" charset="0"/>
-        <a:buChar char="•"/>
-        <a:defRPr sz="2000" kern="1200">
+        <a:buClr>
+          <a:schemeClr val="accent3"/>
+        </a:buClr>
+        <a:buFont typeface="Wingdings 2"/>
+        <a:buChar char=""/>
+        <a:defRPr kumimoji="0" sz="1600" kern="1200" baseline="0">
           <a:solidFill>
             <a:schemeClr val="tx1"/>
           </a:solidFill>
@@ -2928,13 +4511,11 @@
           <a:cs typeface="+mn-cs"/>
         </a:defRPr>
       </a:lvl9pPr>
+      <a:extLst/>
     </p:bodyStyle>
     <p:otherStyle>
-      <a:defPPr>
-        <a:defRPr lang="en-US"/>
-      </a:defPPr>
-      <a:lvl1pPr marL="0" algn="l" defTabSz="914400" rtl="0" eaLnBrk="1" latinLnBrk="0" hangingPunct="1">
-        <a:defRPr sz="1800" kern="1200">
+      <a:lvl1pPr marL="0" algn="l" rtl="0" eaLnBrk="1" latinLnBrk="0" hangingPunct="1">
+        <a:defRPr kumimoji="0" kern="1200">
           <a:solidFill>
             <a:schemeClr val="tx1"/>
           </a:solidFill>
@@ -2943,8 +4524,8 @@
           <a:cs typeface="+mn-cs"/>
         </a:defRPr>
       </a:lvl1pPr>
-      <a:lvl2pPr marL="457200" algn="l" defTabSz="914400" rtl="0" eaLnBrk="1" latinLnBrk="0" hangingPunct="1">
-        <a:defRPr sz="1800" kern="1200">
+      <a:lvl2pPr marL="457200" algn="l" rtl="0" eaLnBrk="1" latinLnBrk="0" hangingPunct="1">
+        <a:defRPr kumimoji="0" kern="1200">
           <a:solidFill>
             <a:schemeClr val="tx1"/>
           </a:solidFill>
@@ -2953,8 +4534,8 @@
           <a:cs typeface="+mn-cs"/>
         </a:defRPr>
       </a:lvl2pPr>
-      <a:lvl3pPr marL="914400" algn="l" defTabSz="914400" rtl="0" eaLnBrk="1" latinLnBrk="0" hangingPunct="1">
-        <a:defRPr sz="1800" kern="1200">
+      <a:lvl3pPr marL="914400" algn="l" rtl="0" eaLnBrk="1" latinLnBrk="0" hangingPunct="1">
+        <a:defRPr kumimoji="0" kern="1200">
           <a:solidFill>
             <a:schemeClr val="tx1"/>
           </a:solidFill>
@@ -2963,8 +4544,8 @@
           <a:cs typeface="+mn-cs"/>
         </a:defRPr>
       </a:lvl3pPr>
-      <a:lvl4pPr marL="1371600" algn="l" defTabSz="914400" rtl="0" eaLnBrk="1" latinLnBrk="0" hangingPunct="1">
-        <a:defRPr sz="1800" kern="1200">
+      <a:lvl4pPr marL="1371600" algn="l" rtl="0" eaLnBrk="1" latinLnBrk="0" hangingPunct="1">
+        <a:defRPr kumimoji="0" kern="1200">
           <a:solidFill>
             <a:schemeClr val="tx1"/>
           </a:solidFill>
@@ -2973,8 +4554,8 @@
           <a:cs typeface="+mn-cs"/>
         </a:defRPr>
       </a:lvl4pPr>
-      <a:lvl5pPr marL="1828800" algn="l" defTabSz="914400" rtl="0" eaLnBrk="1" latinLnBrk="0" hangingPunct="1">
-        <a:defRPr sz="1800" kern="1200">
+      <a:lvl5pPr marL="1828800" algn="l" rtl="0" eaLnBrk="1" latinLnBrk="0" hangingPunct="1">
+        <a:defRPr kumimoji="0" kern="1200">
           <a:solidFill>
             <a:schemeClr val="tx1"/>
           </a:solidFill>
@@ -2983,8 +4564,8 @@
           <a:cs typeface="+mn-cs"/>
         </a:defRPr>
       </a:lvl5pPr>
-      <a:lvl6pPr marL="2286000" algn="l" defTabSz="914400" rtl="0" eaLnBrk="1" latinLnBrk="0" hangingPunct="1">
-        <a:defRPr sz="1800" kern="1200">
+      <a:lvl6pPr marL="2286000" algn="l" rtl="0" eaLnBrk="1" latinLnBrk="0" hangingPunct="1">
+        <a:defRPr kumimoji="0" kern="1200">
           <a:solidFill>
             <a:schemeClr val="tx1"/>
           </a:solidFill>
@@ -2993,8 +4574,8 @@
           <a:cs typeface="+mn-cs"/>
         </a:defRPr>
       </a:lvl6pPr>
-      <a:lvl7pPr marL="2743200" algn="l" defTabSz="914400" rtl="0" eaLnBrk="1" latinLnBrk="0" hangingPunct="1">
-        <a:defRPr sz="1800" kern="1200">
+      <a:lvl7pPr marL="2743200" algn="l" rtl="0" eaLnBrk="1" latinLnBrk="0" hangingPunct="1">
+        <a:defRPr kumimoji="0" kern="1200">
           <a:solidFill>
             <a:schemeClr val="tx1"/>
           </a:solidFill>
@@ -3003,8 +4584,8 @@
           <a:cs typeface="+mn-cs"/>
         </a:defRPr>
       </a:lvl7pPr>
-      <a:lvl8pPr marL="3200400" algn="l" defTabSz="914400" rtl="0" eaLnBrk="1" latinLnBrk="0" hangingPunct="1">
-        <a:defRPr sz="1800" kern="1200">
+      <a:lvl8pPr marL="3200400" algn="l" rtl="0" eaLnBrk="1" latinLnBrk="0" hangingPunct="1">
+        <a:defRPr kumimoji="0" kern="1200">
           <a:solidFill>
             <a:schemeClr val="tx1"/>
           </a:solidFill>
@@ -3013,8 +4594,8 @@
           <a:cs typeface="+mn-cs"/>
         </a:defRPr>
       </a:lvl8pPr>
-      <a:lvl9pPr marL="3657600" algn="l" defTabSz="914400" rtl="0" eaLnBrk="1" latinLnBrk="0" hangingPunct="1">
-        <a:defRPr sz="1800" kern="1200">
+      <a:lvl9pPr marL="3657600" algn="l" rtl="0" eaLnBrk="1" latinLnBrk="0" hangingPunct="1">
+        <a:defRPr kumimoji="0" kern="1200">
           <a:solidFill>
             <a:schemeClr val="tx1"/>
           </a:solidFill>
@@ -3023,6 +4604,7 @@
           <a:cs typeface="+mn-cs"/>
         </a:defRPr>
       </a:lvl9pPr>
+      <a:extLst/>
     </p:otherStyle>
   </p:txStyles>
 </p:sldMaster>
@@ -3062,18 +4644,30 @@
           </a:bodyPr>
           <a:lstStyle/>
           <a:p>
-            <a:r>
-              <a:rPr lang="en-US" sz="4800" b="1" dirty="0" smtClean="0">
+            <a:pPr algn="ctr"/>
+            <a:r>
+              <a:rPr lang="en-US" sz="6000" b="1" dirty="0" smtClean="0">
                 <a:solidFill>
                   <a:srgbClr val="00B050"/>
                 </a:solidFill>
+                <a:latin typeface="Calibri" pitchFamily="34" charset="0"/>
               </a:rPr>
-              <a:t>Apache Flume</a:t>
-            </a:r>
-            <a:endParaRPr lang="en-US" sz="4800" b="1" dirty="0">
+              <a:t>       Apache </a:t>
+            </a:r>
+            <a:r>
+              <a:rPr lang="en-US" sz="6000" b="1" dirty="0" smtClean="0">
+                <a:solidFill>
+                  <a:srgbClr val="00B050"/>
+                </a:solidFill>
+                <a:latin typeface="Calibri" pitchFamily="34" charset="0"/>
+              </a:rPr>
+              <a:t>Flume</a:t>
+            </a:r>
+            <a:endParaRPr lang="en-US" sz="6000" b="1" dirty="0">
               <a:solidFill>
                 <a:srgbClr val="00B050"/>
               </a:solidFill>
+              <a:latin typeface="Calibri" pitchFamily="34" charset="0"/>
             </a:endParaRPr>
           </a:p>
         </p:txBody>
@@ -3097,25 +4691,35 @@
           <a:p>
             <a:pPr algn="r"/>
             <a:r>
-              <a:rPr lang="en-US" sz="2400" dirty="0" smtClean="0"/>
+              <a:rPr lang="en-US" sz="2400" dirty="0" smtClean="0">
+                <a:latin typeface="Calibri" pitchFamily="34" charset="0"/>
+              </a:rPr>
               <a:t>By</a:t>
             </a:r>
           </a:p>
           <a:p>
             <a:pPr algn="r"/>
             <a:r>
-              <a:rPr lang="en-US" sz="2400" dirty="0" err="1" smtClean="0"/>
+              <a:rPr lang="en-US" sz="2400" dirty="0" err="1" smtClean="0">
+                <a:latin typeface="Calibri" pitchFamily="34" charset="0"/>
+              </a:rPr>
               <a:t>Vinil</a:t>
             </a:r>
             <a:r>
-              <a:rPr lang="en-US" sz="2400" dirty="0" smtClean="0"/>
+              <a:rPr lang="en-US" sz="2400" dirty="0" smtClean="0">
+                <a:latin typeface="Calibri" pitchFamily="34" charset="0"/>
+              </a:rPr>
               <a:t> Kumar </a:t>
             </a:r>
             <a:r>
-              <a:rPr lang="en-US" sz="2400" dirty="0" err="1" smtClean="0"/>
+              <a:rPr lang="en-US" sz="2400" dirty="0" err="1" smtClean="0">
+                <a:latin typeface="Calibri" pitchFamily="34" charset="0"/>
+              </a:rPr>
               <a:t>Kamigari</a:t>
             </a:r>
-            <a:endParaRPr lang="en-US" sz="2400" dirty="0"/>
+            <a:endParaRPr lang="en-US" sz="2400" dirty="0">
+              <a:latin typeface="Calibri" pitchFamily="34" charset="0"/>
+            </a:endParaRPr>
           </a:p>
         </p:txBody>
       </p:sp>
@@ -3188,17 +4792,172 @@
         </p:nvSpPr>
         <p:spPr/>
         <p:txBody>
-          <a:bodyPr/>
+          <a:bodyPr>
+            <a:normAutofit/>
+          </a:bodyPr>
           <a:lstStyle/>
           <a:p>
             <a:r>
-              <a:rPr lang="en-US" b="1" dirty="0" smtClean="0"/>
-              <a:t>Starting Agent</a:t>
-            </a:r>
-            <a:endParaRPr lang="en-US" b="1" dirty="0"/>
-          </a:p>
-        </p:txBody>
-      </p:sp>
+              <a:rPr lang="en-US" b="1" dirty="0" smtClean="0">
+                <a:latin typeface="Calibri" pitchFamily="34" charset="0"/>
+              </a:rPr>
+              <a:t>Process Event Listening using Flume</a:t>
+            </a:r>
+            <a:endParaRPr lang="en-US" b="1" dirty="0">
+              <a:latin typeface="Calibri" pitchFamily="34" charset="0"/>
+            </a:endParaRPr>
+          </a:p>
+        </p:txBody>
+      </p:sp>
+      <p:pic>
+        <p:nvPicPr>
+          <p:cNvPr id="2050" name="Picture 2"/>
+          <p:cNvPicPr>
+            <a:picLocks noChangeAspect="1" noChangeArrowheads="1"/>
+          </p:cNvPicPr>
+          <p:nvPr/>
+        </p:nvPicPr>
+        <p:blipFill>
+          <a:blip r:embed="rId2" cstate="print"/>
+          <a:srcRect/>
+          <a:stretch>
+            <a:fillRect/>
+          </a:stretch>
+        </p:blipFill>
+        <p:spPr bwMode="auto">
+          <a:xfrm>
+            <a:off x="457200" y="1600200"/>
+            <a:ext cx="8305800" cy="4572000"/>
+          </a:xfrm>
+          <a:prstGeom prst="rect">
+            <a:avLst/>
+          </a:prstGeom>
+          <a:noFill/>
+          <a:ln w="9525">
+            <a:noFill/>
+            <a:miter lim="800000"/>
+            <a:headEnd/>
+            <a:tailEnd/>
+          </a:ln>
+        </p:spPr>
+      </p:pic>
+    </p:spTree>
+  </p:cSld>
+  <p:clrMapOvr>
+    <a:masterClrMapping/>
+  </p:clrMapOvr>
+</p:sld>
+</file>
+
+<file path=ppt/slides/slide11.xml><?xml version="1.0" encoding="utf-8"?>
+<p:sld xmlns:a="http://schemas.openxmlformats.org/drawingml/2006/main" xmlns:r="http://schemas.openxmlformats.org/officeDocument/2006/relationships" xmlns:p="http://schemas.openxmlformats.org/presentationml/2006/main">
+  <p:cSld>
+    <p:spTree>
+      <p:nvGrpSpPr>
+        <p:cNvPr id="1" name=""/>
+        <p:cNvGrpSpPr/>
+        <p:nvPr/>
+      </p:nvGrpSpPr>
+      <p:grpSpPr>
+        <a:xfrm>
+          <a:off x="0" y="0"/>
+          <a:ext cx="0" cy="0"/>
+          <a:chOff x="0" y="0"/>
+          <a:chExt cx="0" cy="0"/>
+        </a:xfrm>
+      </p:grpSpPr>
+      <p:sp>
+        <p:nvSpPr>
+          <p:cNvPr id="3" name="Content Placeholder 2"/>
+          <p:cNvSpPr>
+            <a:spLocks noGrp="1"/>
+          </p:cNvSpPr>
+          <p:nvPr>
+            <p:ph idx="1"/>
+          </p:nvPr>
+        </p:nvSpPr>
+        <p:spPr/>
+        <p:txBody>
+          <a:bodyPr>
+            <a:normAutofit/>
+          </a:bodyPr>
+          <a:lstStyle/>
+          <a:p>
+            <a:r>
+              <a:rPr lang="en-US" dirty="0">
+                <a:latin typeface="Calibri" pitchFamily="34" charset="0"/>
+              </a:rPr>
+              <a:t>Each component (source, sink or channel) in the flow has a name, type, and set of properties that are specific to the type and instantiation. For example, an Avro source needs a hostname (or IP address) and a port number to receive data from. A memory channel can have max queue size (“capacity”), and an HDFS sink needs to know the file system URI, path to create files, frequency of file rotation (“</a:t>
+            </a:r>
+            <a:r>
+              <a:rPr lang="en-US" dirty="0" err="1">
+                <a:latin typeface="Calibri" pitchFamily="34" charset="0"/>
+              </a:rPr>
+              <a:t>hdfs.rollInterval</a:t>
+            </a:r>
+            <a:r>
+              <a:rPr lang="en-US" dirty="0">
+                <a:latin typeface="Calibri" pitchFamily="34" charset="0"/>
+              </a:rPr>
+              <a:t>”) etc. All such attributes of a component needs to be set in the properties file of the hosting Flume agent.</a:t>
+            </a:r>
+          </a:p>
+        </p:txBody>
+      </p:sp>
+      <p:sp>
+        <p:nvSpPr>
+          <p:cNvPr id="2" name="Title 1"/>
+          <p:cNvSpPr>
+            <a:spLocks noGrp="1"/>
+          </p:cNvSpPr>
+          <p:nvPr>
+            <p:ph type="title"/>
+          </p:nvPr>
+        </p:nvSpPr>
+        <p:spPr/>
+        <p:txBody>
+          <a:bodyPr>
+            <a:normAutofit/>
+          </a:bodyPr>
+          <a:lstStyle/>
+          <a:p>
+            <a:r>
+              <a:rPr lang="en-US" b="1" dirty="0" smtClean="0">
+                <a:latin typeface="Calibri" pitchFamily="34" charset="0"/>
+              </a:rPr>
+              <a:t>Configuring Individual Components</a:t>
+            </a:r>
+            <a:endParaRPr lang="en-US" b="1" dirty="0">
+              <a:latin typeface="Calibri" pitchFamily="34" charset="0"/>
+            </a:endParaRPr>
+          </a:p>
+        </p:txBody>
+      </p:sp>
+    </p:spTree>
+  </p:cSld>
+  <p:clrMapOvr>
+    <a:masterClrMapping/>
+  </p:clrMapOvr>
+</p:sld>
+</file>
+
+<file path=ppt/slides/slide12.xml><?xml version="1.0" encoding="utf-8"?>
+<p:sld xmlns:a="http://schemas.openxmlformats.org/drawingml/2006/main" xmlns:r="http://schemas.openxmlformats.org/officeDocument/2006/relationships" xmlns:p="http://schemas.openxmlformats.org/presentationml/2006/main">
+  <p:cSld>
+    <p:spTree>
+      <p:nvGrpSpPr>
+        <p:cNvPr id="1" name=""/>
+        <p:cNvGrpSpPr/>
+        <p:nvPr/>
+      </p:nvGrpSpPr>
+      <p:grpSpPr>
+        <a:xfrm>
+          <a:off x="0" y="0"/>
+          <a:ext cx="0" cy="0"/>
+          <a:chOff x="0" y="0"/>
+          <a:chExt cx="0" cy="0"/>
+        </a:xfrm>
+      </p:grpSpPr>
       <p:sp>
         <p:nvSpPr>
           <p:cNvPr id="3" name="Content Placeholder 2"/>
@@ -3220,12 +4979,43 @@
           <a:lstStyle/>
           <a:p>
             <a:r>
-              <a:rPr lang="en-US" dirty="0" smtClean="0"/>
+              <a:rPr lang="en-US" dirty="0" smtClean="0">
+                <a:latin typeface="Calibri" pitchFamily="34" charset="0"/>
+              </a:rPr>
               <a:t>This is the command we give for starting the Flume Agent.</a:t>
             </a:r>
           </a:p>
           <a:p>
-            <a:endParaRPr lang="en-US" dirty="0"/>
+            <a:endParaRPr lang="en-US" dirty="0">
+              <a:latin typeface="Calibri" pitchFamily="34" charset="0"/>
+            </a:endParaRPr>
+          </a:p>
+        </p:txBody>
+      </p:sp>
+      <p:sp>
+        <p:nvSpPr>
+          <p:cNvPr id="2" name="Title 1"/>
+          <p:cNvSpPr>
+            <a:spLocks noGrp="1"/>
+          </p:cNvSpPr>
+          <p:nvPr>
+            <p:ph type="title"/>
+          </p:nvPr>
+        </p:nvSpPr>
+        <p:spPr/>
+        <p:txBody>
+          <a:bodyPr/>
+          <a:lstStyle/>
+          <a:p>
+            <a:r>
+              <a:rPr lang="en-US" b="1" dirty="0" smtClean="0">
+                <a:latin typeface="Calibri" pitchFamily="34" charset="0"/>
+              </a:rPr>
+              <a:t>Starting Agent</a:t>
+            </a:r>
+            <a:endParaRPr lang="en-US" b="1" dirty="0">
+              <a:latin typeface="Calibri" pitchFamily="34" charset="0"/>
+            </a:endParaRPr>
           </a:p>
         </p:txBody>
       </p:sp>
@@ -3269,7 +5059,7 @@
 </p:sld>
 </file>
 
-<file path=ppt/slides/slide11.xml><?xml version="1.0" encoding="utf-8"?>
+<file path=ppt/slides/slide13.xml><?xml version="1.0" encoding="utf-8"?>
 <p:sld xmlns:a="http://schemas.openxmlformats.org/drawingml/2006/main" xmlns:r="http://schemas.openxmlformats.org/officeDocument/2006/relationships" xmlns:p="http://schemas.openxmlformats.org/presentationml/2006/main">
   <p:cSld>
     <p:spTree>
@@ -3288,29 +5078,6 @@
       </p:grpSpPr>
       <p:sp>
         <p:nvSpPr>
-          <p:cNvPr id="2" name="Title 1"/>
-          <p:cNvSpPr>
-            <a:spLocks noGrp="1"/>
-          </p:cNvSpPr>
-          <p:nvPr>
-            <p:ph type="title"/>
-          </p:nvPr>
-        </p:nvSpPr>
-        <p:spPr/>
-        <p:txBody>
-          <a:bodyPr/>
-          <a:lstStyle/>
-          <a:p>
-            <a:r>
-              <a:rPr lang="en-US" b="1" dirty="0" smtClean="0"/>
-              <a:t>Conclusion</a:t>
-            </a:r>
-            <a:endParaRPr lang="en-US" b="1" dirty="0"/>
-          </a:p>
-        </p:txBody>
-      </p:sp>
-      <p:sp>
-        <p:nvSpPr>
           <p:cNvPr id="3" name="Content Placeholder 2"/>
           <p:cNvSpPr>
             <a:spLocks noGrp="1"/>
@@ -3328,31 +5095,119 @@
               <a:buNone/>
             </a:pPr>
             <a:r>
-              <a:rPr lang="en-US" dirty="0" smtClean="0"/>
+              <a:rPr lang="en-US" dirty="0" smtClean="0">
+                <a:latin typeface="Calibri" pitchFamily="34" charset="0"/>
+              </a:rPr>
               <a:t>Flume is helpful for</a:t>
             </a:r>
           </a:p>
           <a:p>
             <a:r>
-              <a:rPr lang="en-US" dirty="0" smtClean="0"/>
+              <a:rPr lang="en-US" dirty="0" smtClean="0">
+                <a:latin typeface="Calibri" pitchFamily="34" charset="0"/>
+              </a:rPr>
               <a:t>Distributed data collection service.</a:t>
             </a:r>
           </a:p>
           <a:p>
             <a:r>
-              <a:rPr lang="en-US" dirty="0" smtClean="0"/>
+              <a:rPr lang="en-US" dirty="0" smtClean="0">
+                <a:latin typeface="Calibri" pitchFamily="34" charset="0"/>
+              </a:rPr>
               <a:t>Suitable Enterprise Setting.</a:t>
             </a:r>
           </a:p>
           <a:p>
             <a:r>
-              <a:rPr lang="en-US" dirty="0" smtClean="0"/>
+              <a:rPr lang="en-US" dirty="0" smtClean="0">
+                <a:latin typeface="Calibri" pitchFamily="34" charset="0"/>
+              </a:rPr>
               <a:t>Large amount of event or data log for processing.</a:t>
             </a:r>
-            <a:endParaRPr lang="en-US" dirty="0"/>
-          </a:p>
-        </p:txBody>
-      </p:sp>
+            <a:endParaRPr lang="en-US" dirty="0">
+              <a:latin typeface="Calibri" pitchFamily="34" charset="0"/>
+            </a:endParaRPr>
+          </a:p>
+        </p:txBody>
+      </p:sp>
+      <p:sp>
+        <p:nvSpPr>
+          <p:cNvPr id="2" name="Title 1"/>
+          <p:cNvSpPr>
+            <a:spLocks noGrp="1"/>
+          </p:cNvSpPr>
+          <p:nvPr>
+            <p:ph type="title"/>
+          </p:nvPr>
+        </p:nvSpPr>
+        <p:spPr/>
+        <p:txBody>
+          <a:bodyPr/>
+          <a:lstStyle/>
+          <a:p>
+            <a:r>
+              <a:rPr lang="en-US" b="1" dirty="0" smtClean="0">
+                <a:latin typeface="Calibri" pitchFamily="34" charset="0"/>
+              </a:rPr>
+              <a:t>Conclusion</a:t>
+            </a:r>
+            <a:endParaRPr lang="en-US" b="1" dirty="0">
+              <a:latin typeface="Calibri" pitchFamily="34" charset="0"/>
+            </a:endParaRPr>
+          </a:p>
+        </p:txBody>
+      </p:sp>
+    </p:spTree>
+  </p:cSld>
+  <p:clrMapOvr>
+    <a:masterClrMapping/>
+  </p:clrMapOvr>
+</p:sld>
+</file>
+
+<file path=ppt/slides/slide14.xml><?xml version="1.0" encoding="utf-8"?>
+<p:sld xmlns:a="http://schemas.openxmlformats.org/drawingml/2006/main" xmlns:r="http://schemas.openxmlformats.org/officeDocument/2006/relationships" xmlns:p="http://schemas.openxmlformats.org/presentationml/2006/main">
+  <p:cSld>
+    <p:spTree>
+      <p:nvGrpSpPr>
+        <p:cNvPr id="1" name=""/>
+        <p:cNvGrpSpPr/>
+        <p:nvPr/>
+      </p:nvGrpSpPr>
+      <p:grpSpPr>
+        <a:xfrm>
+          <a:off x="0" y="0"/>
+          <a:ext cx="0" cy="0"/>
+          <a:chOff x="0" y="0"/>
+          <a:chExt cx="0" cy="0"/>
+        </a:xfrm>
+      </p:grpSpPr>
+      <p:pic>
+        <p:nvPicPr>
+          <p:cNvPr id="1026" name="Picture 2" descr="http://allmendingerenterprises.com/wp-content/uploads/2013/10/demo.jpg"/>
+          <p:cNvPicPr>
+            <a:picLocks noChangeAspect="1" noChangeArrowheads="1"/>
+          </p:cNvPicPr>
+          <p:nvPr/>
+        </p:nvPicPr>
+        <p:blipFill>
+          <a:blip r:embed="rId2" cstate="print"/>
+          <a:srcRect/>
+          <a:stretch>
+            <a:fillRect/>
+          </a:stretch>
+        </p:blipFill>
+        <p:spPr bwMode="auto">
+          <a:xfrm>
+            <a:off x="838200" y="914400"/>
+            <a:ext cx="7239000" cy="4343400"/>
+          </a:xfrm>
+          <a:prstGeom prst="rect">
+            <a:avLst/>
+          </a:prstGeom>
+          <a:noFill/>
+        </p:spPr>
+      </p:pic>
     </p:spTree>
   </p:cSld>
   <p:clrMapOvr>
@@ -3380,12 +5235,12 @@
       </p:grpSpPr>
       <p:sp>
         <p:nvSpPr>
-          <p:cNvPr id="2" name="Title 1"/>
-          <p:cNvSpPr>
-            <a:spLocks noGrp="1"/>
-          </p:cNvSpPr>
-          <p:nvPr>
-            <p:ph type="title"/>
+          <p:cNvPr id="3" name="Content Placeholder 2"/>
+          <p:cNvSpPr>
+            <a:spLocks noGrp="1"/>
+          </p:cNvSpPr>
+          <p:nvPr>
+            <p:ph idx="1"/>
           </p:nvPr>
         </p:nvSpPr>
         <p:spPr/>
@@ -3394,21 +5249,92 @@
           <a:lstStyle/>
           <a:p>
             <a:r>
-              <a:rPr lang="en-US" b="1" dirty="0" smtClean="0"/>
-              <a:t>Overview</a:t>
-            </a:r>
-            <a:endParaRPr lang="en-US" b="1" dirty="0"/>
-          </a:p>
-        </p:txBody>
-      </p:sp>
-      <p:sp>
-        <p:nvSpPr>
-          <p:cNvPr id="3" name="Content Placeholder 2"/>
-          <p:cNvSpPr>
-            <a:spLocks noGrp="1"/>
-          </p:cNvSpPr>
-          <p:nvPr>
-            <p:ph idx="1"/>
+              <a:rPr lang="en-US" dirty="0" smtClean="0">
+                <a:latin typeface="Calibri" pitchFamily="34" charset="0"/>
+              </a:rPr>
+              <a:t>What is flume?</a:t>
+            </a:r>
+            <a:endParaRPr lang="en-US" dirty="0" smtClean="0">
+              <a:latin typeface="Calibri" pitchFamily="34" charset="0"/>
+            </a:endParaRPr>
+          </a:p>
+          <a:p>
+            <a:r>
+              <a:rPr lang="en-US" dirty="0" smtClean="0">
+                <a:latin typeface="Calibri" pitchFamily="34" charset="0"/>
+              </a:rPr>
+              <a:t>Event </a:t>
+            </a:r>
+            <a:r>
+              <a:rPr lang="en-US" dirty="0" smtClean="0">
+                <a:latin typeface="Calibri" pitchFamily="34" charset="0"/>
+              </a:rPr>
+              <a:t>Data </a:t>
+            </a:r>
+            <a:r>
+              <a:rPr lang="en-US" dirty="0" smtClean="0">
+                <a:latin typeface="Calibri" pitchFamily="34" charset="0"/>
+              </a:rPr>
+              <a:t>Flow Model</a:t>
+            </a:r>
+          </a:p>
+          <a:p>
+            <a:r>
+              <a:rPr lang="en-US" dirty="0" smtClean="0">
+                <a:latin typeface="Calibri" pitchFamily="34" charset="0"/>
+              </a:rPr>
+              <a:t>Network Streams</a:t>
+            </a:r>
+          </a:p>
+          <a:p>
+            <a:r>
+              <a:rPr lang="en-US" dirty="0" smtClean="0">
+                <a:latin typeface="Calibri" pitchFamily="34" charset="0"/>
+              </a:rPr>
+              <a:t>Complex Flows</a:t>
+            </a:r>
+          </a:p>
+          <a:p>
+            <a:r>
+              <a:rPr lang="en-US" dirty="0" smtClean="0">
+                <a:latin typeface="Calibri" pitchFamily="34" charset="0"/>
+              </a:rPr>
+              <a:t>Setting up Agent</a:t>
+            </a:r>
+          </a:p>
+          <a:p>
+            <a:r>
+              <a:rPr lang="en-US" dirty="0" smtClean="0">
+                <a:latin typeface="Calibri" pitchFamily="34" charset="0"/>
+              </a:rPr>
+              <a:t>Conclusion</a:t>
+            </a:r>
+          </a:p>
+          <a:p>
+            <a:endParaRPr lang="en-US" dirty="0" smtClean="0">
+              <a:latin typeface="Calibri" pitchFamily="34" charset="0"/>
+            </a:endParaRPr>
+          </a:p>
+          <a:p>
+            <a:endParaRPr lang="en-US" dirty="0" smtClean="0">
+              <a:latin typeface="Calibri" pitchFamily="34" charset="0"/>
+            </a:endParaRPr>
+          </a:p>
+          <a:p>
+            <a:endParaRPr lang="en-US" dirty="0">
+              <a:latin typeface="Calibri" pitchFamily="34" charset="0"/>
+            </a:endParaRPr>
+          </a:p>
+        </p:txBody>
+      </p:sp>
+      <p:sp>
+        <p:nvSpPr>
+          <p:cNvPr id="2" name="Title 1"/>
+          <p:cNvSpPr>
+            <a:spLocks noGrp="1"/>
+          </p:cNvSpPr>
+          <p:nvPr>
+            <p:ph type="title"/>
           </p:nvPr>
         </p:nvSpPr>
         <p:spPr/>
@@ -3417,48 +5343,14 @@
           <a:lstStyle/>
           <a:p>
             <a:r>
-              <a:rPr lang="en-US" dirty="0" smtClean="0"/>
-              <a:t>Introduction</a:t>
-            </a:r>
-          </a:p>
-          <a:p>
-            <a:r>
-              <a:rPr lang="en-US" dirty="0" smtClean="0"/>
-              <a:t>Data Flow Model</a:t>
-            </a:r>
-          </a:p>
-          <a:p>
-            <a:r>
-              <a:rPr lang="en-US" dirty="0" smtClean="0"/>
-              <a:t>Network Streams</a:t>
-            </a:r>
-          </a:p>
-          <a:p>
-            <a:r>
-              <a:rPr lang="en-US" dirty="0" smtClean="0"/>
-              <a:t>Complex Flows</a:t>
-            </a:r>
-          </a:p>
-          <a:p>
-            <a:r>
-              <a:rPr lang="en-US" dirty="0" smtClean="0"/>
-              <a:t>Setting up Agent</a:t>
-            </a:r>
-          </a:p>
-          <a:p>
-            <a:r>
-              <a:rPr lang="en-US" dirty="0" smtClean="0"/>
-              <a:t>Conclusion</a:t>
-            </a:r>
-          </a:p>
-          <a:p>
-            <a:endParaRPr lang="en-US" dirty="0" smtClean="0"/>
-          </a:p>
-          <a:p>
-            <a:endParaRPr lang="en-US" dirty="0" smtClean="0"/>
-          </a:p>
-          <a:p>
-            <a:endParaRPr lang="en-US" dirty="0"/>
+              <a:rPr lang="en-US" b="1" dirty="0" smtClean="0">
+                <a:latin typeface="Calibri" pitchFamily="34" charset="0"/>
+              </a:rPr>
+              <a:t>Overview</a:t>
+            </a:r>
+            <a:endParaRPr lang="en-US" b="1" dirty="0">
+              <a:latin typeface="Calibri" pitchFamily="34" charset="0"/>
+            </a:endParaRPr>
           </a:p>
         </p:txBody>
       </p:sp>
@@ -3489,6 +5381,66 @@
       </p:grpSpPr>
       <p:sp>
         <p:nvSpPr>
+          <p:cNvPr id="3" name="Content Placeholder 2"/>
+          <p:cNvSpPr>
+            <a:spLocks noGrp="1"/>
+          </p:cNvSpPr>
+          <p:nvPr>
+            <p:ph idx="1"/>
+          </p:nvPr>
+        </p:nvSpPr>
+        <p:spPr/>
+        <p:txBody>
+          <a:bodyPr>
+            <a:normAutofit/>
+          </a:bodyPr>
+          <a:lstStyle/>
+          <a:p>
+            <a:r>
+              <a:rPr lang="en-US" dirty="0">
+                <a:latin typeface="Calibri" pitchFamily="34" charset="0"/>
+              </a:rPr>
+              <a:t>Apache Flume is a distributed, reliable, and available system for efficiently collecting, aggregating and moving large amounts </a:t>
+            </a:r>
+            <a:r>
+              <a:rPr lang="en-US" dirty="0" smtClean="0">
+                <a:latin typeface="Calibri" pitchFamily="34" charset="0"/>
+              </a:rPr>
+              <a:t>of log </a:t>
+            </a:r>
+            <a:r>
+              <a:rPr lang="en-US" dirty="0">
+                <a:latin typeface="Calibri" pitchFamily="34" charset="0"/>
+              </a:rPr>
+              <a:t>data from many different sources to a centralized data store.</a:t>
+            </a:r>
+          </a:p>
+          <a:p>
+            <a:r>
+              <a:rPr lang="en-US" dirty="0">
+                <a:latin typeface="Calibri" pitchFamily="34" charset="0"/>
+              </a:rPr>
+              <a:t>The use of Apache Flume is not only restricted to log data aggregation. Since data sources are customizable, Flume can be used to transport massive quantities of event </a:t>
+            </a:r>
+            <a:r>
+              <a:rPr lang="en-US" dirty="0" smtClean="0">
+                <a:latin typeface="Calibri" pitchFamily="34" charset="0"/>
+              </a:rPr>
+              <a:t>data.</a:t>
+            </a:r>
+            <a:endParaRPr lang="en-US" dirty="0">
+              <a:latin typeface="Calibri" pitchFamily="34" charset="0"/>
+            </a:endParaRPr>
+          </a:p>
+          <a:p>
+            <a:endParaRPr lang="en-US" dirty="0">
+              <a:latin typeface="Calibri" pitchFamily="34" charset="0"/>
+            </a:endParaRPr>
+          </a:p>
+        </p:txBody>
+      </p:sp>
+      <p:sp>
+        <p:nvSpPr>
           <p:cNvPr id="2" name="Title 1"/>
           <p:cNvSpPr>
             <a:spLocks noGrp="1"/>
@@ -3503,51 +5455,14 @@
           <a:lstStyle/>
           <a:p>
             <a:r>
-              <a:rPr lang="en-US" b="1" dirty="0" smtClean="0"/>
-              <a:t>Introduction</a:t>
-            </a:r>
-            <a:endParaRPr lang="en-US" b="1" dirty="0"/>
-          </a:p>
-        </p:txBody>
-      </p:sp>
-      <p:sp>
-        <p:nvSpPr>
-          <p:cNvPr id="3" name="Content Placeholder 2"/>
-          <p:cNvSpPr>
-            <a:spLocks noGrp="1"/>
-          </p:cNvSpPr>
-          <p:nvPr>
-            <p:ph idx="1"/>
-          </p:nvPr>
-        </p:nvSpPr>
-        <p:spPr/>
-        <p:txBody>
-          <a:bodyPr>
-            <a:normAutofit fontScale="85000" lnSpcReduction="10000"/>
-          </a:bodyPr>
-          <a:lstStyle/>
-          <a:p>
-            <a:r>
-              <a:rPr lang="en-US" dirty="0"/>
-              <a:t>Apache Flume is a distributed, reliable, and available system for efficiently collecting, aggregating and moving large amounts </a:t>
-            </a:r>
-            <a:r>
-              <a:rPr lang="en-US" dirty="0" smtClean="0"/>
-              <a:t>of log </a:t>
-            </a:r>
-            <a:r>
-              <a:rPr lang="en-US" dirty="0"/>
-              <a:t>data from many different sources to a centralized data store.</a:t>
-            </a:r>
-          </a:p>
-          <a:p>
-            <a:r>
-              <a:rPr lang="en-US" dirty="0"/>
-              <a:t>The use of Apache Flume is not only restricted to log data aggregation. Since data sources are customizable, Flume can be used to transport massive quantities of event data including but not limited to network traffic data, social-media-generated data, email messages and pretty much any data source possible.</a:t>
-            </a:r>
-          </a:p>
-          <a:p>
-            <a:endParaRPr lang="en-US" dirty="0"/>
+              <a:rPr lang="en-US" dirty="0" smtClean="0">
+                <a:latin typeface="Calibri" pitchFamily="34" charset="0"/>
+              </a:rPr>
+              <a:t>What is flume?</a:t>
+            </a:r>
+            <a:endParaRPr lang="en-US" b="1" dirty="0">
+              <a:latin typeface="Calibri" pitchFamily="34" charset="0"/>
+            </a:endParaRPr>
           </a:p>
         </p:txBody>
       </p:sp>
@@ -3578,6 +5493,40 @@
       </p:grpSpPr>
       <p:sp>
         <p:nvSpPr>
+          <p:cNvPr id="3" name="Content Placeholder 2"/>
+          <p:cNvSpPr>
+            <a:spLocks noGrp="1"/>
+          </p:cNvSpPr>
+          <p:nvPr>
+            <p:ph idx="1"/>
+          </p:nvPr>
+        </p:nvSpPr>
+        <p:spPr>
+          <a:xfrm>
+            <a:off x="457200" y="1600201"/>
+            <a:ext cx="8229600" cy="1447800"/>
+          </a:xfrm>
+        </p:spPr>
+        <p:txBody>
+          <a:bodyPr>
+            <a:normAutofit/>
+          </a:bodyPr>
+          <a:lstStyle/>
+          <a:p>
+            <a:r>
+              <a:rPr lang="en-US" dirty="0" smtClean="0">
+                <a:latin typeface="Calibri" pitchFamily="34" charset="0"/>
+              </a:rPr>
+              <a:t>A flume is a channel that directs water from a source to some other location where water is needed.</a:t>
+            </a:r>
+            <a:endParaRPr lang="en-US" dirty="0">
+              <a:latin typeface="Calibri" pitchFamily="34" charset="0"/>
+            </a:endParaRPr>
+          </a:p>
+        </p:txBody>
+      </p:sp>
+      <p:sp>
+        <p:nvSpPr>
           <p:cNvPr id="2" name="Title 1"/>
           <p:cNvSpPr>
             <a:spLocks noGrp="1"/>
@@ -3592,35 +5541,43 @@
           <a:lstStyle/>
           <a:p>
             <a:r>
-              <a:rPr lang="en-US" b="1" dirty="0" smtClean="0"/>
-              <a:t>Data Flow Model</a:t>
-            </a:r>
-            <a:endParaRPr lang="en-US" b="1" dirty="0"/>
-          </a:p>
-        </p:txBody>
-      </p:sp>
-      <p:sp>
-        <p:nvSpPr>
-          <p:cNvPr id="3" name="Content Placeholder 2"/>
-          <p:cNvSpPr>
-            <a:spLocks noGrp="1"/>
-          </p:cNvSpPr>
-          <p:nvPr>
-            <p:ph idx="1"/>
-          </p:nvPr>
-        </p:nvSpPr>
-        <p:spPr/>
-        <p:txBody>
-          <a:bodyPr/>
-          <a:lstStyle/>
-          <a:p>
-            <a:r>
-              <a:rPr lang="en-US" dirty="0"/>
-              <a:t>A Flume event is defined as a unit of data flow having a byte payload and an optional set of string attributes. A Flume agent is a (JVM) process that hosts the components through which events flow from an external source to the next destination (hop).</a:t>
-            </a:r>
-          </a:p>
-        </p:txBody>
-      </p:sp>
+              <a:rPr lang="en-US" dirty="0" smtClean="0">
+                <a:latin typeface="Calibri" pitchFamily="34" charset="0"/>
+              </a:rPr>
+              <a:t>What is flume?</a:t>
+            </a:r>
+            <a:endParaRPr lang="en-US" dirty="0">
+              <a:latin typeface="Calibri" pitchFamily="34" charset="0"/>
+            </a:endParaRPr>
+          </a:p>
+        </p:txBody>
+      </p:sp>
+      <p:pic>
+        <p:nvPicPr>
+          <p:cNvPr id="1026" name="Picture 2" descr="http://www.garverusa.com/assets/projectimages/65/img6.jpg?image_title=Steady%20Flow%20for%20Trout%20Below"/>
+          <p:cNvPicPr>
+            <a:picLocks noChangeAspect="1" noChangeArrowheads="1"/>
+          </p:cNvPicPr>
+          <p:nvPr/>
+        </p:nvPicPr>
+        <p:blipFill>
+          <a:blip r:embed="rId2" cstate="print"/>
+          <a:srcRect/>
+          <a:stretch>
+            <a:fillRect/>
+          </a:stretch>
+        </p:blipFill>
+        <p:spPr bwMode="auto">
+          <a:xfrm>
+            <a:off x="2514600" y="2667000"/>
+            <a:ext cx="6629400" cy="3952875"/>
+          </a:xfrm>
+          <a:prstGeom prst="rect">
+            <a:avLst/>
+          </a:prstGeom>
+          <a:noFill/>
+        </p:spPr>
+      </p:pic>
     </p:spTree>
   </p:cSld>
   <p:clrMapOvr>
@@ -3648,12 +5605,12 @@
       </p:grpSpPr>
       <p:sp>
         <p:nvSpPr>
-          <p:cNvPr id="2" name="Title 1"/>
-          <p:cNvSpPr>
-            <a:spLocks noGrp="1"/>
-          </p:cNvSpPr>
-          <p:nvPr>
-            <p:ph type="title"/>
+          <p:cNvPr id="3" name="Content Placeholder 2"/>
+          <p:cNvSpPr>
+            <a:spLocks noGrp="1"/>
+          </p:cNvSpPr>
+          <p:nvPr>
+            <p:ph idx="1"/>
           </p:nvPr>
         </p:nvSpPr>
         <p:spPr/>
@@ -3662,13 +5619,72 @@
           <a:lstStyle/>
           <a:p>
             <a:r>
-              <a:rPr lang="en-US" b="1" dirty="0" smtClean="0"/>
-              <a:t>Data Flow Model Contd.</a:t>
-            </a:r>
-            <a:endParaRPr lang="en-US" b="1" dirty="0"/>
-          </a:p>
-        </p:txBody>
-      </p:sp>
+              <a:rPr lang="en-US" dirty="0">
+                <a:latin typeface="Calibri" pitchFamily="34" charset="0"/>
+              </a:rPr>
+              <a:t>A Flume event is defined as a unit of data flow having a byte payload and an optional set of string attributes. A Flume agent is a (JVM) process that hosts the components through which events flow from an external source to the next destination (hop).</a:t>
+            </a:r>
+          </a:p>
+        </p:txBody>
+      </p:sp>
+      <p:sp>
+        <p:nvSpPr>
+          <p:cNvPr id="2" name="Title 1"/>
+          <p:cNvSpPr>
+            <a:spLocks noGrp="1"/>
+          </p:cNvSpPr>
+          <p:nvPr>
+            <p:ph type="title"/>
+          </p:nvPr>
+        </p:nvSpPr>
+        <p:spPr/>
+        <p:txBody>
+          <a:bodyPr/>
+          <a:lstStyle/>
+          <a:p>
+            <a:r>
+              <a:rPr lang="en-US" b="1" dirty="0" smtClean="0">
+                <a:latin typeface="Calibri" pitchFamily="34" charset="0"/>
+              </a:rPr>
+              <a:t>Event Data </a:t>
+            </a:r>
+            <a:r>
+              <a:rPr lang="en-US" b="1" dirty="0" smtClean="0">
+                <a:latin typeface="Calibri" pitchFamily="34" charset="0"/>
+              </a:rPr>
+              <a:t>Flow Model</a:t>
+            </a:r>
+            <a:endParaRPr lang="en-US" b="1" dirty="0">
+              <a:latin typeface="Calibri" pitchFamily="34" charset="0"/>
+            </a:endParaRPr>
+          </a:p>
+        </p:txBody>
+      </p:sp>
+    </p:spTree>
+  </p:cSld>
+  <p:clrMapOvr>
+    <a:masterClrMapping/>
+  </p:clrMapOvr>
+</p:sld>
+</file>
+
+<file path=ppt/slides/slide6.xml><?xml version="1.0" encoding="utf-8"?>
+<p:sld xmlns:a="http://schemas.openxmlformats.org/drawingml/2006/main" xmlns:r="http://schemas.openxmlformats.org/officeDocument/2006/relationships" xmlns:p="http://schemas.openxmlformats.org/presentationml/2006/main">
+  <p:cSld>
+    <p:spTree>
+      <p:nvGrpSpPr>
+        <p:cNvPr id="1" name=""/>
+        <p:cNvGrpSpPr/>
+        <p:nvPr/>
+      </p:nvGrpSpPr>
+      <p:grpSpPr>
+        <a:xfrm>
+          <a:off x="0" y="0"/>
+          <a:ext cx="0" cy="0"/>
+          <a:chOff x="0" y="0"/>
+          <a:chExt cx="0" cy="0"/>
+        </a:xfrm>
+      </p:grpSpPr>
       <p:pic>
         <p:nvPicPr>
           <p:cNvPr id="2050" name="Picture 2"/>
@@ -3703,31 +5719,6 @@
           </a:ln>
         </p:spPr>
       </p:pic>
-    </p:spTree>
-  </p:cSld>
-  <p:clrMapOvr>
-    <a:masterClrMapping/>
-  </p:clrMapOvr>
-</p:sld>
-</file>
-
-<file path=ppt/slides/slide6.xml><?xml version="1.0" encoding="utf-8"?>
-<p:sld xmlns:a="http://schemas.openxmlformats.org/drawingml/2006/main" xmlns:r="http://schemas.openxmlformats.org/officeDocument/2006/relationships" xmlns:p="http://schemas.openxmlformats.org/presentationml/2006/main">
-  <p:cSld>
-    <p:spTree>
-      <p:nvGrpSpPr>
-        <p:cNvPr id="1" name=""/>
-        <p:cNvGrpSpPr/>
-        <p:nvPr/>
-      </p:nvGrpSpPr>
-      <p:grpSpPr>
-        <a:xfrm>
-          <a:off x="0" y="0"/>
-          <a:ext cx="0" cy="0"/>
-          <a:chOff x="0" y="0"/>
-          <a:chExt cx="0" cy="0"/>
-        </a:xfrm>
-      </p:grpSpPr>
       <p:sp>
         <p:nvSpPr>
           <p:cNvPr id="2" name="Title 1"/>
@@ -3744,61 +5735,20 @@
           <a:lstStyle/>
           <a:p>
             <a:r>
-              <a:rPr lang="en-US" b="1" dirty="0" smtClean="0"/>
-              <a:t>Network Streams</a:t>
-            </a:r>
-            <a:endParaRPr lang="en-US" b="1" dirty="0"/>
-          </a:p>
-        </p:txBody>
-      </p:sp>
-      <p:sp>
-        <p:nvSpPr>
-          <p:cNvPr id="3" name="Content Placeholder 2"/>
-          <p:cNvSpPr>
-            <a:spLocks noGrp="1"/>
-          </p:cNvSpPr>
-          <p:nvPr>
-            <p:ph idx="1"/>
-          </p:nvPr>
-        </p:nvSpPr>
-        <p:spPr/>
-        <p:txBody>
-          <a:bodyPr/>
-          <a:lstStyle/>
-          <a:p>
-            <a:r>
-              <a:rPr lang="en-US" dirty="0"/>
-              <a:t>Flume supports the following mechanisms to read data from popular log stream types, such as:</a:t>
-            </a:r>
-          </a:p>
-          <a:p>
-            <a:r>
-              <a:rPr lang="en-US" dirty="0"/>
-              <a:t>Avro</a:t>
-            </a:r>
-          </a:p>
-          <a:p>
-            <a:r>
-              <a:rPr lang="en-US" dirty="0"/>
-              <a:t>Thrift</a:t>
-            </a:r>
-          </a:p>
-          <a:p>
-            <a:r>
-              <a:rPr lang="en-US" dirty="0" err="1"/>
-              <a:t>Syslog</a:t>
-            </a:r>
-            <a:endParaRPr lang="en-US" dirty="0"/>
-          </a:p>
-          <a:p>
-            <a:r>
-              <a:rPr lang="en-US" dirty="0" err="1"/>
-              <a:t>Netcat</a:t>
-            </a:r>
-            <a:endParaRPr lang="en-US" dirty="0"/>
-          </a:p>
-          <a:p>
-            <a:endParaRPr lang="en-US" dirty="0"/>
+              <a:rPr lang="en-US" b="1" dirty="0" smtClean="0">
+                <a:latin typeface="Calibri" pitchFamily="34" charset="0"/>
+              </a:rPr>
+              <a:t>Event Data </a:t>
+            </a:r>
+            <a:r>
+              <a:rPr lang="en-US" b="1" dirty="0" smtClean="0">
+                <a:latin typeface="Calibri" pitchFamily="34" charset="0"/>
+              </a:rPr>
+              <a:t>Flow Model Contd.</a:t>
+            </a:r>
+            <a:endParaRPr lang="en-US" b="1" dirty="0">
+              <a:latin typeface="Calibri" pitchFamily="34" charset="0"/>
+            </a:endParaRPr>
           </a:p>
         </p:txBody>
       </p:sp>
@@ -3829,12 +5779,12 @@
       </p:grpSpPr>
       <p:sp>
         <p:nvSpPr>
-          <p:cNvPr id="2" name="Title 1"/>
-          <p:cNvSpPr>
-            <a:spLocks noGrp="1"/>
-          </p:cNvSpPr>
-          <p:nvPr>
-            <p:ph type="title"/>
+          <p:cNvPr id="3" name="Content Placeholder 2"/>
+          <p:cNvSpPr>
+            <a:spLocks noGrp="1"/>
+          </p:cNvSpPr>
+          <p:nvPr>
+            <p:ph idx="1"/>
           </p:nvPr>
         </p:nvSpPr>
         <p:spPr/>
@@ -3843,21 +5793,65 @@
           <a:lstStyle/>
           <a:p>
             <a:r>
-              <a:rPr lang="en-US" b="1" dirty="0" smtClean="0"/>
-              <a:t>Complex flows</a:t>
-            </a:r>
-            <a:endParaRPr lang="en-US" b="1" dirty="0"/>
-          </a:p>
-        </p:txBody>
-      </p:sp>
-      <p:sp>
-        <p:nvSpPr>
-          <p:cNvPr id="3" name="Content Placeholder 2"/>
-          <p:cNvSpPr>
-            <a:spLocks noGrp="1"/>
-          </p:cNvSpPr>
-          <p:nvPr>
-            <p:ph idx="1"/>
+              <a:rPr lang="en-US" dirty="0">
+                <a:latin typeface="Calibri" pitchFamily="34" charset="0"/>
+              </a:rPr>
+              <a:t>Flume supports the following mechanisms to read data from popular log stream types, such as:</a:t>
+            </a:r>
+          </a:p>
+          <a:p>
+            <a:r>
+              <a:rPr lang="en-US" dirty="0">
+                <a:latin typeface="Calibri" pitchFamily="34" charset="0"/>
+              </a:rPr>
+              <a:t>Avro</a:t>
+            </a:r>
+          </a:p>
+          <a:p>
+            <a:r>
+              <a:rPr lang="en-US" dirty="0">
+                <a:latin typeface="Calibri" pitchFamily="34" charset="0"/>
+              </a:rPr>
+              <a:t>Thrift</a:t>
+            </a:r>
+          </a:p>
+          <a:p>
+            <a:r>
+              <a:rPr lang="en-US" dirty="0" err="1">
+                <a:latin typeface="Calibri" pitchFamily="34" charset="0"/>
+              </a:rPr>
+              <a:t>Syslog</a:t>
+            </a:r>
+            <a:endParaRPr lang="en-US" dirty="0">
+              <a:latin typeface="Calibri" pitchFamily="34" charset="0"/>
+            </a:endParaRPr>
+          </a:p>
+          <a:p>
+            <a:r>
+              <a:rPr lang="en-US" dirty="0" err="1">
+                <a:latin typeface="Calibri" pitchFamily="34" charset="0"/>
+              </a:rPr>
+              <a:t>Netcat</a:t>
+            </a:r>
+            <a:endParaRPr lang="en-US" dirty="0">
+              <a:latin typeface="Calibri" pitchFamily="34" charset="0"/>
+            </a:endParaRPr>
+          </a:p>
+          <a:p>
+            <a:endParaRPr lang="en-US" dirty="0">
+              <a:latin typeface="Calibri" pitchFamily="34" charset="0"/>
+            </a:endParaRPr>
+          </a:p>
+        </p:txBody>
+      </p:sp>
+      <p:sp>
+        <p:nvSpPr>
+          <p:cNvPr id="2" name="Title 1"/>
+          <p:cNvSpPr>
+            <a:spLocks noGrp="1"/>
+          </p:cNvSpPr>
+          <p:nvPr>
+            <p:ph type="title"/>
           </p:nvPr>
         </p:nvSpPr>
         <p:spPr/>
@@ -3866,9 +5860,14 @@
           <a:lstStyle/>
           <a:p>
             <a:r>
-              <a:rPr lang="en-US" dirty="0"/>
-              <a:t>Flume allows a user to build multi-hop flows where events travel through multiple agents before reaching the final destination. It also allows fan-in and fan-out flows, contextual routing and backup routes (fail-over) for failed hops</a:t>
-            </a:r>
+              <a:rPr lang="en-US" b="1" dirty="0" smtClean="0">
+                <a:latin typeface="Calibri" pitchFamily="34" charset="0"/>
+              </a:rPr>
+              <a:t>Network Streams</a:t>
+            </a:r>
+            <a:endParaRPr lang="en-US" b="1" dirty="0">
+              <a:latin typeface="Calibri" pitchFamily="34" charset="0"/>
+            </a:endParaRPr>
           </a:p>
         </p:txBody>
       </p:sp>
@@ -3899,12 +5898,12 @@
       </p:grpSpPr>
       <p:sp>
         <p:nvSpPr>
-          <p:cNvPr id="2" name="Title 1"/>
-          <p:cNvSpPr>
-            <a:spLocks noGrp="1"/>
-          </p:cNvSpPr>
-          <p:nvPr>
-            <p:ph type="title"/>
+          <p:cNvPr id="3" name="Content Placeholder 2"/>
+          <p:cNvSpPr>
+            <a:spLocks noGrp="1"/>
+          </p:cNvSpPr>
+          <p:nvPr>
+            <p:ph idx="1"/>
           </p:nvPr>
         </p:nvSpPr>
         <p:spPr/>
@@ -3913,21 +5912,22 @@
           <a:lstStyle/>
           <a:p>
             <a:r>
-              <a:rPr lang="en-US" b="1" dirty="0" smtClean="0"/>
-              <a:t>Setting up Flume Agent</a:t>
-            </a:r>
-            <a:endParaRPr lang="en-US" b="1" dirty="0"/>
-          </a:p>
-        </p:txBody>
-      </p:sp>
-      <p:sp>
-        <p:nvSpPr>
-          <p:cNvPr id="3" name="Content Placeholder 2"/>
-          <p:cNvSpPr>
-            <a:spLocks noGrp="1"/>
-          </p:cNvSpPr>
-          <p:nvPr>
-            <p:ph idx="1"/>
+              <a:rPr lang="en-US" dirty="0">
+                <a:latin typeface="Calibri" pitchFamily="34" charset="0"/>
+              </a:rPr>
+              <a:t>Flume allows a user to build multi-hop flows where events travel through multiple agents before reaching the final destination. It also allows fan-in and fan-out flows, contextual routing and backup routes (fail-over) for failed hops</a:t>
+            </a:r>
+          </a:p>
+        </p:txBody>
+      </p:sp>
+      <p:sp>
+        <p:nvSpPr>
+          <p:cNvPr id="2" name="Title 1"/>
+          <p:cNvSpPr>
+            <a:spLocks noGrp="1"/>
+          </p:cNvSpPr>
+          <p:nvPr>
+            <p:ph type="title"/>
           </p:nvPr>
         </p:nvSpPr>
         <p:spPr/>
@@ -3936,9 +5936,14 @@
           <a:lstStyle/>
           <a:p>
             <a:r>
-              <a:rPr lang="en-US" dirty="0"/>
-              <a:t>Flume agent configuration is stored in a local configuration file. This is a text file which has a format follows the Java properties file format. Configurations for one or more agents can be specified in the same configuration file. The configuration file includes properties of each source, sink and channel in an agent and how they are wired together to form data flows.</a:t>
-            </a:r>
+              <a:rPr lang="en-US" b="1" dirty="0" smtClean="0">
+                <a:latin typeface="Calibri" pitchFamily="34" charset="0"/>
+              </a:rPr>
+              <a:t>Complex flows</a:t>
+            </a:r>
+            <a:endParaRPr lang="en-US" b="1" dirty="0">
+              <a:latin typeface="Calibri" pitchFamily="34" charset="0"/>
+            </a:endParaRPr>
           </a:p>
         </p:txBody>
       </p:sp>
@@ -3969,6 +5974,30 @@
       </p:grpSpPr>
       <p:sp>
         <p:nvSpPr>
+          <p:cNvPr id="3" name="Content Placeholder 2"/>
+          <p:cNvSpPr>
+            <a:spLocks noGrp="1"/>
+          </p:cNvSpPr>
+          <p:nvPr>
+            <p:ph idx="1"/>
+          </p:nvPr>
+        </p:nvSpPr>
+        <p:spPr/>
+        <p:txBody>
+          <a:bodyPr/>
+          <a:lstStyle/>
+          <a:p>
+            <a:r>
+              <a:rPr lang="en-US" dirty="0">
+                <a:latin typeface="Calibri" pitchFamily="34" charset="0"/>
+              </a:rPr>
+              <a:t>Flume agent configuration is stored in a local configuration file. This is a text file which has a format follows the Java properties file format. Configurations for one or more agents can be specified in the same configuration file. The configuration file includes properties of each source, sink and channel in an agent and how they are wired together to form data flows.</a:t>
+            </a:r>
+          </a:p>
+        </p:txBody>
+      </p:sp>
+      <p:sp>
+        <p:nvSpPr>
           <p:cNvPr id="2" name="Title 1"/>
           <p:cNvSpPr>
             <a:spLocks noGrp="1"/>
@@ -3979,48 +6008,18 @@
         </p:nvSpPr>
         <p:spPr/>
         <p:txBody>
-          <a:bodyPr>
-            <a:normAutofit fontScale="90000"/>
-          </a:bodyPr>
+          <a:bodyPr/>
           <a:lstStyle/>
           <a:p>
             <a:r>
-              <a:rPr lang="en-US" b="1" dirty="0" smtClean="0"/>
-              <a:t>Configuring Individual Components</a:t>
-            </a:r>
-            <a:endParaRPr lang="en-US" b="1" dirty="0"/>
-          </a:p>
-        </p:txBody>
-      </p:sp>
-      <p:sp>
-        <p:nvSpPr>
-          <p:cNvPr id="3" name="Content Placeholder 2"/>
-          <p:cNvSpPr>
-            <a:spLocks noGrp="1"/>
-          </p:cNvSpPr>
-          <p:nvPr>
-            <p:ph idx="1"/>
-          </p:nvPr>
-        </p:nvSpPr>
-        <p:spPr/>
-        <p:txBody>
-          <a:bodyPr>
-            <a:normAutofit fontScale="92500" lnSpcReduction="20000"/>
-          </a:bodyPr>
-          <a:lstStyle/>
-          <a:p>
-            <a:r>
-              <a:rPr lang="en-US" dirty="0"/>
-              <a:t>Each component (source, sink or channel) in the flow has a name, type, and set of properties that are specific to the type and instantiation. For example, an Avro source needs a hostname (or IP address) and a port number to receive data from. A memory channel can have max queue size (“capacity”), and an HDFS sink needs to know the file system URI, path to create files, frequency of file rotation (“</a:t>
-            </a:r>
-            <a:r>
-              <a:rPr lang="en-US" dirty="0" err="1"/>
-              <a:t>hdfs.rollInterval</a:t>
-            </a:r>
-            <a:r>
-              <a:rPr lang="en-US" dirty="0"/>
-              <a:t>”) etc. All such attributes of a component needs to be set in the properties file of the hosting Flume agent.</a:t>
-            </a:r>
+              <a:rPr lang="en-US" b="1" dirty="0" smtClean="0">
+                <a:latin typeface="Calibri" pitchFamily="34" charset="0"/>
+              </a:rPr>
+              <a:t>Setting up Flume Agent</a:t>
+            </a:r>
+            <a:endParaRPr lang="en-US" b="1" dirty="0">
+              <a:latin typeface="Calibri" pitchFamily="34" charset="0"/>
+            </a:endParaRPr>
           </a:p>
         </p:txBody>
       </p:sp>
@@ -4033,9 +6032,9 @@
 </file>
 
 <file path=ppt/theme/theme1.xml><?xml version="1.0" encoding="utf-8"?>
-<a:theme xmlns:a="http://schemas.openxmlformats.org/drawingml/2006/main" name="Office Theme">
+<a:theme xmlns:a="http://schemas.openxmlformats.org/drawingml/2006/main" name="Concourse">
   <a:themeElements>
-    <a:clrScheme name="Office">
+    <a:clrScheme name="Concourse">
       <a:dk1>
         <a:sysClr val="windowText" lastClr="000000"/>
       </a:dk1>
@@ -4043,79 +6042,45 @@
         <a:sysClr val="window" lastClr="FFFFFF"/>
       </a:lt1>
       <a:dk2>
-        <a:srgbClr val="1F497D"/>
+        <a:srgbClr val="464646"/>
       </a:dk2>
       <a:lt2>
-        <a:srgbClr val="EEECE1"/>
+        <a:srgbClr val="DEF5FA"/>
       </a:lt2>
       <a:accent1>
-        <a:srgbClr val="4F81BD"/>
+        <a:srgbClr val="2DA2BF"/>
       </a:accent1>
       <a:accent2>
-        <a:srgbClr val="C0504D"/>
+        <a:srgbClr val="DA1F28"/>
       </a:accent2>
       <a:accent3>
-        <a:srgbClr val="9BBB59"/>
+        <a:srgbClr val="EB641B"/>
       </a:accent3>
       <a:accent4>
-        <a:srgbClr val="8064A2"/>
+        <a:srgbClr val="39639D"/>
       </a:accent4>
       <a:accent5>
-        <a:srgbClr val="4BACC6"/>
+        <a:srgbClr val="474B78"/>
       </a:accent5>
       <a:accent6>
-        <a:srgbClr val="F79646"/>
+        <a:srgbClr val="7D3C4A"/>
       </a:accent6>
       <a:hlink>
-        <a:srgbClr val="0000FF"/>
+        <a:srgbClr val="FF8119"/>
       </a:hlink>
       <a:folHlink>
-        <a:srgbClr val="800080"/>
+        <a:srgbClr val="44B9E8"/>
       </a:folHlink>
     </a:clrScheme>
-    <a:fontScheme name="Office">
+    <a:fontScheme name="Concourse">
       <a:majorFont>
-        <a:latin typeface="Calibri"/>
+        <a:latin typeface="Lucida Sans Unicode"/>
         <a:ea typeface=""/>
         <a:cs typeface=""/>
         <a:font script="Jpan" typeface="ＭＳ Ｐゴシック"/>
         <a:font script="Hang" typeface="맑은 고딕"/>
-        <a:font script="Hans" typeface="宋体"/>
-        <a:font script="Hant" typeface="新細明體"/>
-        <a:font script="Arab" typeface="Times New Roman"/>
-        <a:font script="Hebr" typeface="Times New Roman"/>
-        <a:font script="Thai" typeface="Angsana New"/>
-        <a:font script="Ethi" typeface="Nyala"/>
-        <a:font script="Beng" typeface="Vrinda"/>
-        <a:font script="Gujr" typeface="Shruti"/>
-        <a:font script="Khmr" typeface="MoolBoran"/>
-        <a:font script="Knda" typeface="Tunga"/>
-        <a:font script="Guru" typeface="Raavi"/>
-        <a:font script="Cans" typeface="Euphemia"/>
-        <a:font script="Cher" typeface="Plantagenet Cherokee"/>
-        <a:font script="Yiii" typeface="Microsoft Yi Baiti"/>
-        <a:font script="Tibt" typeface="Microsoft Himalaya"/>
-        <a:font script="Thaa" typeface="MV Boli"/>
-        <a:font script="Deva" typeface="Mangal"/>
-        <a:font script="Telu" typeface="Gautami"/>
-        <a:font script="Taml" typeface="Latha"/>
-        <a:font script="Syrc" typeface="Estrangelo Edessa"/>
-        <a:font script="Orya" typeface="Kalinga"/>
-        <a:font script="Mlym" typeface="Kartika"/>
-        <a:font script="Laoo" typeface="DokChampa"/>
-        <a:font script="Sinh" typeface="Iskoola Pota"/>
-        <a:font script="Mong" typeface="Mongolian Baiti"/>
-        <a:font script="Viet" typeface="Times New Roman"/>
-        <a:font script="Uigh" typeface="Microsoft Uighur"/>
-      </a:majorFont>
-      <a:minorFont>
-        <a:latin typeface="Calibri"/>
-        <a:ea typeface=""/>
-        <a:cs typeface=""/>
-        <a:font script="Jpan" typeface="ＭＳ Ｐゴシック"/>
-        <a:font script="Hang" typeface="맑은 고딕"/>
-        <a:font script="Hans" typeface="宋体"/>
-        <a:font script="Hant" typeface="新細明體"/>
+        <a:font script="Hans" typeface="黑体"/>
+        <a:font script="Hant" typeface="微軟正黑體"/>
         <a:font script="Arab" typeface="Arial"/>
         <a:font script="Hebr" typeface="Arial"/>
         <a:font script="Thai" typeface="Cordia New"/>
@@ -4139,11 +6104,43 @@
         <a:font script="Laoo" typeface="DokChampa"/>
         <a:font script="Sinh" typeface="Iskoola Pota"/>
         <a:font script="Mong" typeface="Mongolian Baiti"/>
-        <a:font script="Viet" typeface="Arial"/>
+        <a:font script="Uigh" typeface="Microsoft Uighur"/>
+      </a:majorFont>
+      <a:minorFont>
+        <a:latin typeface="Lucida Sans Unicode"/>
+        <a:ea typeface=""/>
+        <a:cs typeface=""/>
+        <a:font script="Jpan" typeface="ＭＳ Ｐゴシック"/>
+        <a:font script="Hang" typeface="맑은 고딕"/>
+        <a:font script="Hans" typeface="黑体"/>
+        <a:font script="Hant" typeface="微軟正黑體"/>
+        <a:font script="Arab" typeface="Arial"/>
+        <a:font script="Hebr" typeface="Arial"/>
+        <a:font script="Thai" typeface="Cordia New"/>
+        <a:font script="Ethi" typeface="Nyala"/>
+        <a:font script="Beng" typeface="Vrinda"/>
+        <a:font script="Gujr" typeface="Shruti"/>
+        <a:font script="Khmr" typeface="DaunPenh"/>
+        <a:font script="Knda" typeface="Tunga"/>
+        <a:font script="Guru" typeface="Raavi"/>
+        <a:font script="Cans" typeface="Euphemia"/>
+        <a:font script="Cher" typeface="Plantagenet Cherokee"/>
+        <a:font script="Yiii" typeface="Microsoft Yi Baiti"/>
+        <a:font script="Tibt" typeface="Microsoft Himalaya"/>
+        <a:font script="Thaa" typeface="MV Boli"/>
+        <a:font script="Deva" typeface="Mangal"/>
+        <a:font script="Telu" typeface="Gautami"/>
+        <a:font script="Taml" typeface="Latha"/>
+        <a:font script="Syrc" typeface="Estrangelo Edessa"/>
+        <a:font script="Orya" typeface="Kalinga"/>
+        <a:font script="Mlym" typeface="Kartika"/>
+        <a:font script="Laoo" typeface="DokChampa"/>
+        <a:font script="Sinh" typeface="Iskoola Pota"/>
+        <a:font script="Mong" typeface="Mongolian Baiti"/>
         <a:font script="Uigh" typeface="Microsoft Uighur"/>
       </a:minorFont>
     </a:fontScheme>
-    <a:fmtScheme name="Office">
+    <a:fmtScheme name="Concourse">
       <a:fillStyleLst>
         <a:solidFill>
           <a:schemeClr val="phClr"/>
@@ -4152,43 +6149,51 @@
           <a:gsLst>
             <a:gs pos="0">
               <a:schemeClr val="phClr">
-                <a:tint val="50000"/>
-                <a:satMod val="300000"/>
+                <a:tint val="62000"/>
+                <a:satMod val="180000"/>
               </a:schemeClr>
             </a:gs>
-            <a:gs pos="35000">
+            <a:gs pos="65000">
               <a:schemeClr val="phClr">
-                <a:tint val="37000"/>
-                <a:satMod val="300000"/>
+                <a:tint val="32000"/>
+                <a:satMod val="250000"/>
               </a:schemeClr>
             </a:gs>
             <a:gs pos="100000">
               <a:schemeClr val="phClr">
-                <a:tint val="15000"/>
-                <a:satMod val="350000"/>
+                <a:tint val="23000"/>
+                <a:satMod val="300000"/>
               </a:schemeClr>
             </a:gs>
           </a:gsLst>
-          <a:lin ang="16200000" scaled="1"/>
+          <a:lin ang="16200000" scaled="0"/>
         </a:gradFill>
         <a:gradFill rotWithShape="1">
           <a:gsLst>
             <a:gs pos="0">
               <a:schemeClr val="phClr">
-                <a:shade val="51000"/>
-                <a:satMod val="130000"/>
+                <a:shade val="15000"/>
+                <a:satMod val="180000"/>
               </a:schemeClr>
             </a:gs>
-            <a:gs pos="80000">
+            <a:gs pos="50000">
               <a:schemeClr val="phClr">
-                <a:shade val="93000"/>
-                <a:satMod val="130000"/>
+                <a:shade val="45000"/>
+                <a:satMod val="170000"/>
+              </a:schemeClr>
+            </a:gs>
+            <a:gs pos="70000">
+              <a:schemeClr val="phClr">
+                <a:tint val="99000"/>
+                <a:shade val="65000"/>
+                <a:satMod val="155000"/>
               </a:schemeClr>
             </a:gs>
             <a:gs pos="100000">
               <a:schemeClr val="phClr">
-                <a:shade val="94000"/>
-                <a:satMod val="135000"/>
+                <a:tint val="95500"/>
+                <a:shade val="100000"/>
+                <a:satMod val="155000"/>
               </a:schemeClr>
             </a:gs>
           </a:gsLst>
@@ -4198,20 +6203,17 @@
       <a:lnStyleLst>
         <a:ln w="9525" cap="flat" cmpd="sng" algn="ctr">
           <a:solidFill>
-            <a:schemeClr val="phClr">
-              <a:shade val="95000"/>
-              <a:satMod val="105000"/>
-            </a:schemeClr>
+            <a:schemeClr val="phClr"/>
           </a:solidFill>
           <a:prstDash val="solid"/>
         </a:ln>
-        <a:ln w="25400" cap="flat" cmpd="sng" algn="ctr">
+        <a:ln w="55000" cap="flat" cmpd="thickThin" algn="ctr">
           <a:solidFill>
             <a:schemeClr val="phClr"/>
           </a:solidFill>
           <a:prstDash val="solid"/>
         </a:ln>
-        <a:ln w="38100" cap="flat" cmpd="sng" algn="ctr">
+        <a:ln w="63500" cap="flat" cmpd="thickThin" algn="ctr">
           <a:solidFill>
             <a:schemeClr val="phClr"/>
           </a:solidFill>
@@ -4221,16 +6223,7 @@
       <a:effectStyleLst>
         <a:effectStyle>
           <a:effectLst>
-            <a:outerShdw blurRad="40000" dist="20000" dir="5400000" rotWithShape="0">
-              <a:srgbClr val="000000">
-                <a:alpha val="38000"/>
-              </a:srgbClr>
-            </a:outerShdw>
-          </a:effectLst>
-        </a:effectStyle>
-        <a:effectStyle>
-          <a:effectLst>
-            <a:outerShdw blurRad="40000" dist="23000" dir="5400000" rotWithShape="0">
+            <a:outerShdw blurRad="50800" dist="38100" dir="5400000" rotWithShape="0">
               <a:srgbClr val="000000">
                 <a:alpha val="35000"/>
               </a:srgbClr>
@@ -4239,22 +6232,36 @@
         </a:effectStyle>
         <a:effectStyle>
           <a:effectLst>
-            <a:outerShdw blurRad="40000" dist="23000" dir="5400000" rotWithShape="0">
+            <a:outerShdw blurRad="50800" dist="38100" dir="5400000" rotWithShape="0">
               <a:srgbClr val="000000">
                 <a:alpha val="35000"/>
               </a:srgbClr>
             </a:outerShdw>
           </a:effectLst>
+        </a:effectStyle>
+        <a:effectStyle>
+          <a:effectLst>
+            <a:outerShdw blurRad="63500" dist="38100" dir="5400000" rotWithShape="0">
+              <a:srgbClr val="000000">
+                <a:alpha val="45000"/>
+              </a:srgbClr>
+            </a:outerShdw>
+          </a:effectLst>
           <a:scene3d>
-            <a:camera prst="orthographicFront">
+            <a:camera prst="orthographicFront" fov="0">
               <a:rot lat="0" lon="0" rev="0"/>
             </a:camera>
-            <a:lightRig rig="threePt" dir="t">
-              <a:rot lat="0" lon="0" rev="1200000"/>
+            <a:lightRig rig="glow" dir="t">
+              <a:rot lat="0" lon="0" rev="6360000"/>
             </a:lightRig>
           </a:scene3d>
-          <a:sp3d>
-            <a:bevelT w="63500" h="25400"/>
+          <a:sp3d contourW="1000" prstMaterial="flat">
+            <a:bevelT w="95250" h="101600"/>
+            <a:contourClr>
+              <a:schemeClr val="phClr">
+                <a:satMod val="300000"/>
+              </a:schemeClr>
+            </a:contourClr>
           </a:sp3d>
         </a:effectStyle>
       </a:effectStyleLst>
@@ -4266,47 +6273,41 @@
           <a:gsLst>
             <a:gs pos="0">
               <a:schemeClr val="phClr">
-                <a:tint val="40000"/>
-                <a:satMod val="350000"/>
+                <a:tint val="55000"/>
+                <a:satMod val="300000"/>
               </a:schemeClr>
             </a:gs>
             <a:gs pos="40000">
               <a:schemeClr val="phClr">
-                <a:tint val="45000"/>
-                <a:shade val="99000"/>
-                <a:satMod val="350000"/>
-              </a:schemeClr>
-            </a:gs>
-            <a:gs pos="100000">
-              <a:schemeClr val="phClr">
-                <a:shade val="20000"/>
-                <a:satMod val="255000"/>
-              </a:schemeClr>
-            </a:gs>
-          </a:gsLst>
-          <a:path path="circle">
-            <a:fillToRect l="50000" t="-80000" r="50000" b="180000"/>
-          </a:path>
-        </a:gradFill>
-        <a:gradFill rotWithShape="1">
-          <a:gsLst>
-            <a:gs pos="0">
-              <a:schemeClr val="phClr">
-                <a:tint val="80000"/>
+                <a:tint val="65000"/>
                 <a:satMod val="300000"/>
               </a:schemeClr>
             </a:gs>
             <a:gs pos="100000">
               <a:schemeClr val="phClr">
-                <a:shade val="30000"/>
-                <a:satMod val="200000"/>
+                <a:shade val="65000"/>
+                <a:satMod val="300000"/>
               </a:schemeClr>
             </a:gs>
           </a:gsLst>
           <a:path path="circle">
-            <a:fillToRect l="50000" t="50000" r="50000" b="50000"/>
+            <a:fillToRect l="65000" b="98000"/>
           </a:path>
         </a:gradFill>
+        <a:blipFill>
+          <a:blip xmlns:r="http://schemas.openxmlformats.org/officeDocument/2006/relationships" r:embed="rId1">
+            <a:duotone>
+              <a:schemeClr val="phClr">
+                <a:shade val="60000"/>
+                <a:satMod val="110000"/>
+              </a:schemeClr>
+              <a:schemeClr val="phClr">
+                <a:tint val="95000"/>
+              </a:schemeClr>
+            </a:duotone>
+          </a:blip>
+          <a:tile tx="0" ty="0" sx="50000" sy="50000" flip="none" algn="tl"/>
+        </a:blipFill>
       </a:bgFillStyleLst>
     </a:fmtScheme>
   </a:themeElements>
